--- a/Präsentation.pptx
+++ b/Präsentation.pptx
@@ -120,6 +120,22 @@
       </a:defRPr>
     </a:lvl9pPr>
   </p:defaultTextStyle>
+  <p:extLst>
+    <p:ext uri="{EFAFB233-063F-42B5-8137-9DF3F51BA10A}">
+      <p15:sldGuideLst xmlns:p15="http://schemas.microsoft.com/office/powerpoint/2012/main">
+        <p15:guide id="1" orient="horz" pos="2160">
+          <p15:clr>
+            <a:srgbClr val="A4A3A4"/>
+          </p15:clr>
+        </p15:guide>
+        <p15:guide id="2" pos="2880">
+          <p15:clr>
+            <a:srgbClr val="A4A3A4"/>
+          </p15:clr>
+        </p15:guide>
+      </p15:sldGuideLst>
+    </p:ext>
+  </p:extLst>
 </p:presentation>
 </file>
 
@@ -6883,8 +6899,8 @@
         </p:blipFill>
         <p:spPr>
           <a:xfrm>
-            <a:off x="0" y="1067651"/>
-            <a:ext cx="3159110" cy="5790349"/>
+            <a:off x="0" y="1069200"/>
+            <a:ext cx="3491880" cy="5174262"/>
           </a:xfrm>
           <a:prstGeom prst="rect">
             <a:avLst/>

--- a/Präsentation.pptx
+++ b/Präsentation.pptx
@@ -5,23 +5,27 @@
     <p:sldMasterId id="2147483648" r:id="rId1"/>
   </p:sldMasterIdLst>
   <p:notesMasterIdLst>
-    <p:notesMasterId r:id="rId16"/>
+    <p:notesMasterId r:id="rId20"/>
   </p:notesMasterIdLst>
   <p:sldIdLst>
     <p:sldId id="257" r:id="rId2"/>
     <p:sldId id="258" r:id="rId3"/>
     <p:sldId id="259" r:id="rId4"/>
-    <p:sldId id="260" r:id="rId5"/>
-    <p:sldId id="261" r:id="rId6"/>
-    <p:sldId id="262" r:id="rId7"/>
-    <p:sldId id="263" r:id="rId8"/>
+    <p:sldId id="263" r:id="rId5"/>
+    <p:sldId id="260" r:id="rId6"/>
+    <p:sldId id="261" r:id="rId7"/>
+    <p:sldId id="262" r:id="rId8"/>
     <p:sldId id="264" r:id="rId9"/>
     <p:sldId id="265" r:id="rId10"/>
     <p:sldId id="266" r:id="rId11"/>
     <p:sldId id="267" r:id="rId12"/>
     <p:sldId id="268" r:id="rId13"/>
     <p:sldId id="269" r:id="rId14"/>
-    <p:sldId id="270" r:id="rId15"/>
+    <p:sldId id="271" r:id="rId15"/>
+    <p:sldId id="272" r:id="rId16"/>
+    <p:sldId id="273" r:id="rId17"/>
+    <p:sldId id="275" r:id="rId18"/>
+    <p:sldId id="270" r:id="rId19"/>
   </p:sldIdLst>
   <p:sldSz cx="9144000" cy="6858000" type="screen4x3"/>
   <p:notesSz cx="6858000" cy="9144000"/>
@@ -221,7 +225,7 @@
           <a:p>
             <a:fld id="{CD1CF726-A302-46B4-B47F-4AC036195F00}" type="datetimeFigureOut">
               <a:rPr lang="de-DE" smtClean="0"/>
-              <a:t>04.07.2017</a:t>
+              <a:t>05.07.2017</a:t>
             </a:fld>
             <a:endParaRPr lang="de-DE"/>
           </a:p>
@@ -754,7 +758,7 @@
           <a:p>
             <a:fld id="{4012C6AF-4C0C-4EE5-BB36-6BE1014E8023}" type="datetime1">
               <a:rPr lang="de-DE" smtClean="0"/>
-              <a:t>04.07.2017</a:t>
+              <a:t>05.07.2017</a:t>
             </a:fld>
             <a:endParaRPr lang="de-DE"/>
           </a:p>
@@ -928,7 +932,7 @@
           <a:p>
             <a:fld id="{8AEFD14B-41F3-4D5D-BF33-04E934F71EBD}" type="datetime1">
               <a:rPr lang="de-DE" smtClean="0"/>
-              <a:t>04.07.2017</a:t>
+              <a:t>05.07.2017</a:t>
             </a:fld>
             <a:endParaRPr lang="de-DE"/>
           </a:p>
@@ -1112,7 +1116,7 @@
           <a:p>
             <a:fld id="{2E4101AD-FC36-473C-8925-61720B18A2A7}" type="datetime1">
               <a:rPr lang="de-DE" smtClean="0"/>
-              <a:t>04.07.2017</a:t>
+              <a:t>05.07.2017</a:t>
             </a:fld>
             <a:endParaRPr lang="de-DE"/>
           </a:p>
@@ -1286,7 +1290,7 @@
           <a:p>
             <a:fld id="{438589E2-926D-41C4-8C92-0A97E9E6B84E}" type="datetime1">
               <a:rPr lang="de-DE" smtClean="0"/>
-              <a:t>04.07.2017</a:t>
+              <a:t>05.07.2017</a:t>
             </a:fld>
             <a:endParaRPr lang="de-DE"/>
           </a:p>
@@ -1536,7 +1540,7 @@
           <a:p>
             <a:fld id="{B6309352-D37D-4A06-B17C-FEA3F0847D62}" type="datetime1">
               <a:rPr lang="de-DE" smtClean="0"/>
-              <a:t>04.07.2017</a:t>
+              <a:t>05.07.2017</a:t>
             </a:fld>
             <a:endParaRPr lang="de-DE"/>
           </a:p>
@@ -1828,7 +1832,7 @@
           <a:p>
             <a:fld id="{5533429D-AD5E-4C62-9484-7E88634480BD}" type="datetime1">
               <a:rPr lang="de-DE" smtClean="0"/>
-              <a:t>04.07.2017</a:t>
+              <a:t>05.07.2017</a:t>
             </a:fld>
             <a:endParaRPr lang="de-DE"/>
           </a:p>
@@ -2254,7 +2258,7 @@
           <a:p>
             <a:fld id="{E789A923-E774-4FFA-8E45-9739D66CC2D3}" type="datetime1">
               <a:rPr lang="de-DE" smtClean="0"/>
-              <a:t>04.07.2017</a:t>
+              <a:t>05.07.2017</a:t>
             </a:fld>
             <a:endParaRPr lang="de-DE"/>
           </a:p>
@@ -2376,7 +2380,7 @@
           <a:p>
             <a:fld id="{972946A1-37F4-4C3D-A09B-F8157B6E9C7F}" type="datetime1">
               <a:rPr lang="de-DE" smtClean="0"/>
-              <a:t>04.07.2017</a:t>
+              <a:t>05.07.2017</a:t>
             </a:fld>
             <a:endParaRPr lang="de-DE"/>
           </a:p>
@@ -2475,7 +2479,7 @@
           <a:p>
             <a:fld id="{A4F9854D-018F-4898-A28C-719337BC896D}" type="datetime1">
               <a:rPr lang="de-DE" smtClean="0"/>
-              <a:t>04.07.2017</a:t>
+              <a:t>05.07.2017</a:t>
             </a:fld>
             <a:endParaRPr lang="de-DE"/>
           </a:p>
@@ -2756,7 +2760,7 @@
           <a:p>
             <a:fld id="{0749D783-92CD-4C52-9EEC-77FEEB835B74}" type="datetime1">
               <a:rPr lang="de-DE" smtClean="0"/>
-              <a:t>04.07.2017</a:t>
+              <a:t>05.07.2017</a:t>
             </a:fld>
             <a:endParaRPr lang="de-DE"/>
           </a:p>
@@ -3013,7 +3017,7 @@
           <a:p>
             <a:fld id="{5F7B8288-2DA8-41DE-928F-3E65E7D9BE22}" type="datetime1">
               <a:rPr lang="de-DE" smtClean="0"/>
-              <a:t>04.07.2017</a:t>
+              <a:t>05.07.2017</a:t>
             </a:fld>
             <a:endParaRPr lang="de-DE"/>
           </a:p>
@@ -3230,7 +3234,7 @@
           <a:p>
             <a:fld id="{A1226F0F-82B5-46B2-A026-3CDBD977DE60}" type="datetime1">
               <a:rPr lang="de-DE" smtClean="0"/>
-              <a:t>04.07.2017</a:t>
+              <a:t>05.07.2017</a:t>
             </a:fld>
             <a:endParaRPr lang="de-DE"/>
           </a:p>
@@ -6899,8 +6903,8 @@
         </p:blipFill>
         <p:spPr>
           <a:xfrm>
-            <a:off x="0" y="1069200"/>
-            <a:ext cx="3491880" cy="5174262"/>
+            <a:off x="0" y="1069199"/>
+            <a:ext cx="3707904" cy="5775925"/>
           </a:xfrm>
           <a:prstGeom prst="rect">
             <a:avLst/>
@@ -6915,8 +6919,8 @@
         </p:nvCxnSpPr>
         <p:spPr>
           <a:xfrm>
-            <a:off x="1835696" y="2996952"/>
-            <a:ext cx="0" cy="216024"/>
+            <a:off x="1835696" y="2780928"/>
+            <a:ext cx="0" cy="504056"/>
           </a:xfrm>
           <a:prstGeom prst="line">
             <a:avLst/>
@@ -6942,9 +6946,37 @@
           </a:fontRef>
         </p:style>
       </p:cxnSp>
+      <p:sp>
+        <p:nvSpPr>
+          <p:cNvPr id="19" name="Fußzeilenplatzhalter 18"/>
+          <p:cNvSpPr>
+            <a:spLocks noGrp="1"/>
+          </p:cNvSpPr>
+          <p:nvPr>
+            <p:ph type="ftr" sz="quarter" idx="11"/>
+          </p:nvPr>
+        </p:nvSpPr>
+        <p:spPr>
+          <a:xfrm>
+            <a:off x="3124200" y="6480000"/>
+            <a:ext cx="2895600" cy="365125"/>
+          </a:xfrm>
+        </p:spPr>
+        <p:txBody>
+          <a:bodyPr/>
+          <a:lstStyle/>
+          <a:p>
+            <a:r>
+              <a:rPr lang="de-DE" smtClean="0"/>
+              <a:t>Steffen Koch &amp; Andreas Muss</a:t>
+            </a:r>
+            <a:endParaRPr lang="de-DE"/>
+          </a:p>
+        </p:txBody>
+      </p:sp>
       <p:pic>
         <p:nvPicPr>
-          <p:cNvPr id="17" name="Grafik 16"/>
+          <p:cNvPr id="21" name="Grafik 20"/>
           <p:cNvPicPr>
             <a:picLocks noChangeAspect="1"/>
           </p:cNvPicPr>
@@ -6974,7 +7006,7 @@
       </p:pic>
       <p:pic>
         <p:nvPicPr>
-          <p:cNvPr id="18" name="Grafik 17"/>
+          <p:cNvPr id="22" name="Grafik 21"/>
           <p:cNvPicPr>
             <a:picLocks noChangeAspect="1"/>
           </p:cNvPicPr>
@@ -7002,34 +7034,6 @@
           </a:prstGeom>
         </p:spPr>
       </p:pic>
-      <p:sp>
-        <p:nvSpPr>
-          <p:cNvPr id="19" name="Fußzeilenplatzhalter 18"/>
-          <p:cNvSpPr>
-            <a:spLocks noGrp="1"/>
-          </p:cNvSpPr>
-          <p:nvPr>
-            <p:ph type="ftr" sz="quarter" idx="11"/>
-          </p:nvPr>
-        </p:nvSpPr>
-        <p:spPr>
-          <a:xfrm>
-            <a:off x="3124200" y="6480000"/>
-            <a:ext cx="2895600" cy="365125"/>
-          </a:xfrm>
-        </p:spPr>
-        <p:txBody>
-          <a:bodyPr/>
-          <a:lstStyle/>
-          <a:p>
-            <a:r>
-              <a:rPr lang="de-DE" smtClean="0"/>
-              <a:t>Steffen Koch &amp; Andreas Muss</a:t>
-            </a:r>
-            <a:endParaRPr lang="de-DE"/>
-          </a:p>
-        </p:txBody>
-      </p:sp>
     </p:spTree>
     <p:extLst>
       <p:ext uri="{BB962C8B-B14F-4D97-AF65-F5344CB8AC3E}">
@@ -7074,7 +7078,7 @@
                                           </p:stCondLst>
                                         </p:cTn>
                                         <p:tgtEl>
-                                          <p:spTgt spid="17"/>
+                                          <p:spTgt spid="21"/>
                                         </p:tgtEl>
                                         <p:attrNameLst>
                                           <p:attrName>style.visibility</p:attrName>
@@ -7088,7 +7092,7 @@
                                       <p:cBhvr>
                                         <p:cTn id="7" dur="1000"/>
                                         <p:tgtEl>
-                                          <p:spTgt spid="17"/>
+                                          <p:spTgt spid="21"/>
                                         </p:tgtEl>
                                       </p:cBhvr>
                                     </p:animEffect>
@@ -7096,7 +7100,7 @@
                                       <p:cBhvr>
                                         <p:cTn id="8" dur="1000" fill="hold"/>
                                         <p:tgtEl>
-                                          <p:spTgt spid="17"/>
+                                          <p:spTgt spid="21"/>
                                         </p:tgtEl>
                                         <p:attrNameLst>
                                           <p:attrName>ppt_x</p:attrName>
@@ -7119,7 +7123,7 @@
                                       <p:cBhvr>
                                         <p:cTn id="9" dur="1000" fill="hold"/>
                                         <p:tgtEl>
-                                          <p:spTgt spid="17"/>
+                                          <p:spTgt spid="21"/>
                                         </p:tgtEl>
                                         <p:attrNameLst>
                                           <p:attrName>ppt_y</p:attrName>
@@ -7173,7 +7177,7 @@
                                           </p:stCondLst>
                                         </p:cTn>
                                         <p:tgtEl>
-                                          <p:spTgt spid="18"/>
+                                          <p:spTgt spid="22"/>
                                         </p:tgtEl>
                                         <p:attrNameLst>
                                           <p:attrName>style.visibility</p:attrName>
@@ -7187,7 +7191,7 @@
                                       <p:cBhvr>
                                         <p:cTn id="14" dur="1000"/>
                                         <p:tgtEl>
-                                          <p:spTgt spid="18"/>
+                                          <p:spTgt spid="22"/>
                                         </p:tgtEl>
                                       </p:cBhvr>
                                     </p:animEffect>
@@ -7195,7 +7199,7 @@
                                       <p:cBhvr>
                                         <p:cTn id="15" dur="1000" fill="hold"/>
                                         <p:tgtEl>
-                                          <p:spTgt spid="18"/>
+                                          <p:spTgt spid="22"/>
                                         </p:tgtEl>
                                         <p:attrNameLst>
                                           <p:attrName>ppt_x</p:attrName>
@@ -7218,7 +7222,7 @@
                                       <p:cBhvr>
                                         <p:cTn id="16" dur="1000" fill="hold"/>
                                         <p:tgtEl>
-                                          <p:spTgt spid="18"/>
+                                          <p:spTgt spid="22"/>
                                         </p:tgtEl>
                                         <p:attrNameLst>
                                           <p:attrName>ppt_y</p:attrName>
@@ -7272,6 +7276,1405 @@
 </file>
 
 <file path=ppt/slides/slide14.xml><?xml version="1.0" encoding="utf-8"?>
+<p:sld xmlns:a="http://schemas.openxmlformats.org/drawingml/2006/main" xmlns:r="http://schemas.openxmlformats.org/officeDocument/2006/relationships" xmlns:p="http://schemas.openxmlformats.org/presentationml/2006/main">
+  <p:cSld>
+    <p:spTree>
+      <p:nvGrpSpPr>
+        <p:cNvPr id="1" name=""/>
+        <p:cNvGrpSpPr/>
+        <p:nvPr/>
+      </p:nvGrpSpPr>
+      <p:grpSpPr>
+        <a:xfrm>
+          <a:off x="0" y="0"/>
+          <a:ext cx="0" cy="0"/>
+          <a:chOff x="0" y="0"/>
+          <a:chExt cx="0" cy="0"/>
+        </a:xfrm>
+      </p:grpSpPr>
+      <p:pic>
+        <p:nvPicPr>
+          <p:cNvPr id="2" name="Grafik 1"/>
+          <p:cNvPicPr>
+            <a:picLocks noChangeAspect="1"/>
+          </p:cNvPicPr>
+          <p:nvPr/>
+        </p:nvPicPr>
+        <p:blipFill>
+          <a:blip r:embed="rId2">
+            <a:extLst>
+              <a:ext uri="{28A0092B-C50C-407E-A947-70E740481C1C}">
+                <a14:useLocalDpi xmlns:a14="http://schemas.microsoft.com/office/drawing/2010/main" val="0"/>
+              </a:ext>
+            </a:extLst>
+          </a:blip>
+          <a:stretch>
+            <a:fillRect/>
+          </a:stretch>
+        </p:blipFill>
+        <p:spPr>
+          <a:xfrm>
+            <a:off x="0" y="0"/>
+            <a:ext cx="2619375" cy="1133475"/>
+          </a:xfrm>
+          <a:prstGeom prst="rect">
+            <a:avLst/>
+          </a:prstGeom>
+        </p:spPr>
+      </p:pic>
+      <p:sp>
+        <p:nvSpPr>
+          <p:cNvPr id="3" name="Rechteck 2"/>
+          <p:cNvSpPr/>
+          <p:nvPr/>
+        </p:nvSpPr>
+        <p:spPr>
+          <a:xfrm>
+            <a:off x="0" y="1017387"/>
+            <a:ext cx="9144000" cy="36659"/>
+          </a:xfrm>
+          <a:prstGeom prst="rect">
+            <a:avLst/>
+          </a:prstGeom>
+          <a:solidFill>
+            <a:srgbClr val="7030A0"/>
+          </a:solidFill>
+          <a:ln>
+            <a:solidFill>
+              <a:srgbClr val="7030A0"/>
+            </a:solidFill>
+          </a:ln>
+        </p:spPr>
+        <p:style>
+          <a:lnRef idx="2">
+            <a:schemeClr val="accent1">
+              <a:shade val="50000"/>
+            </a:schemeClr>
+          </a:lnRef>
+          <a:fillRef idx="1">
+            <a:schemeClr val="accent1"/>
+          </a:fillRef>
+          <a:effectRef idx="0">
+            <a:schemeClr val="accent1"/>
+          </a:effectRef>
+          <a:fontRef idx="minor">
+            <a:schemeClr val="lt1"/>
+          </a:fontRef>
+        </p:style>
+        <p:txBody>
+          <a:bodyPr rtlCol="0" anchor="ctr"/>
+          <a:lstStyle/>
+          <a:p>
+            <a:pPr algn="ctr"/>
+            <a:endParaRPr lang="de-DE"/>
+          </a:p>
+        </p:txBody>
+      </p:sp>
+      <p:sp>
+        <p:nvSpPr>
+          <p:cNvPr id="4" name="Textfeld 3"/>
+          <p:cNvSpPr txBox="1"/>
+          <p:nvPr/>
+        </p:nvSpPr>
+        <p:spPr>
+          <a:xfrm>
+            <a:off x="5508104" y="274349"/>
+            <a:ext cx="1423788" cy="584775"/>
+          </a:xfrm>
+          <a:prstGeom prst="rect">
+            <a:avLst/>
+          </a:prstGeom>
+          <a:noFill/>
+        </p:spPr>
+        <p:txBody>
+          <a:bodyPr wrap="none" rtlCol="0">
+            <a:spAutoFit/>
+          </a:bodyPr>
+          <a:lstStyle/>
+          <a:p>
+            <a:r>
+              <a:rPr lang="de-DE" sz="3200" dirty="0" err="1" smtClean="0">
+                <a:latin typeface="Rockwell" panose="02060603020205020403" pitchFamily="18" charset="0"/>
+              </a:rPr>
+              <a:t>SQLite</a:t>
+            </a:r>
+            <a:endParaRPr lang="de-DE" dirty="0">
+              <a:latin typeface="Rockwell" panose="02060603020205020403" pitchFamily="18" charset="0"/>
+            </a:endParaRPr>
+          </a:p>
+        </p:txBody>
+      </p:sp>
+      <p:pic>
+        <p:nvPicPr>
+          <p:cNvPr id="15" name="Grafik 14"/>
+          <p:cNvPicPr>
+            <a:picLocks noChangeAspect="1"/>
+          </p:cNvPicPr>
+          <p:nvPr/>
+        </p:nvPicPr>
+        <p:blipFill>
+          <a:blip r:embed="rId3">
+            <a:extLst>
+              <a:ext uri="{28A0092B-C50C-407E-A947-70E740481C1C}">
+                <a14:useLocalDpi xmlns:a14="http://schemas.microsoft.com/office/drawing/2010/main" val="0"/>
+              </a:ext>
+            </a:extLst>
+          </a:blip>
+          <a:stretch>
+            <a:fillRect/>
+          </a:stretch>
+        </p:blipFill>
+        <p:spPr>
+          <a:xfrm>
+            <a:off x="0" y="1069199"/>
+            <a:ext cx="3707904" cy="5775925"/>
+          </a:xfrm>
+          <a:prstGeom prst="rect">
+            <a:avLst/>
+          </a:prstGeom>
+        </p:spPr>
+      </p:pic>
+      <p:pic>
+        <p:nvPicPr>
+          <p:cNvPr id="9" name="Grafik 8"/>
+          <p:cNvPicPr>
+            <a:picLocks noChangeAspect="1"/>
+          </p:cNvPicPr>
+          <p:nvPr/>
+        </p:nvPicPr>
+        <p:blipFill>
+          <a:blip r:embed="rId4"/>
+          <a:stretch>
+            <a:fillRect/>
+          </a:stretch>
+        </p:blipFill>
+        <p:spPr>
+          <a:xfrm>
+            <a:off x="179512" y="1412776"/>
+            <a:ext cx="8815139" cy="3427603"/>
+          </a:xfrm>
+          <a:prstGeom prst="rect">
+            <a:avLst/>
+          </a:prstGeom>
+        </p:spPr>
+      </p:pic>
+      <p:pic>
+        <p:nvPicPr>
+          <p:cNvPr id="16" name="Grafik 15"/>
+          <p:cNvPicPr>
+            <a:picLocks noChangeAspect="1"/>
+          </p:cNvPicPr>
+          <p:nvPr/>
+        </p:nvPicPr>
+        <p:blipFill>
+          <a:blip r:embed="rId5"/>
+          <a:stretch>
+            <a:fillRect/>
+          </a:stretch>
+        </p:blipFill>
+        <p:spPr>
+          <a:xfrm>
+            <a:off x="0" y="1069200"/>
+            <a:ext cx="8994651" cy="5094872"/>
+          </a:xfrm>
+          <a:prstGeom prst="rect">
+            <a:avLst/>
+          </a:prstGeom>
+        </p:spPr>
+      </p:pic>
+      <p:sp>
+        <p:nvSpPr>
+          <p:cNvPr id="19" name="Fußzeilenplatzhalter 18"/>
+          <p:cNvSpPr>
+            <a:spLocks noGrp="1"/>
+          </p:cNvSpPr>
+          <p:nvPr>
+            <p:ph type="ftr" sz="quarter" idx="11"/>
+          </p:nvPr>
+        </p:nvSpPr>
+        <p:spPr>
+          <a:xfrm>
+            <a:off x="3124200" y="6480000"/>
+            <a:ext cx="2895600" cy="365125"/>
+          </a:xfrm>
+        </p:spPr>
+        <p:txBody>
+          <a:bodyPr/>
+          <a:lstStyle/>
+          <a:p>
+            <a:r>
+              <a:rPr lang="de-DE" smtClean="0"/>
+              <a:t>Steffen Koch &amp; Andreas Muss</a:t>
+            </a:r>
+            <a:endParaRPr lang="de-DE"/>
+          </a:p>
+        </p:txBody>
+      </p:sp>
+    </p:spTree>
+    <p:extLst>
+      <p:ext uri="{BB962C8B-B14F-4D97-AF65-F5344CB8AC3E}">
+        <p14:creationId xmlns:p14="http://schemas.microsoft.com/office/powerpoint/2010/main" val="1505591762"/>
+      </p:ext>
+    </p:extLst>
+  </p:cSld>
+  <p:clrMapOvr>
+    <a:masterClrMapping/>
+  </p:clrMapOvr>
+  <p:timing>
+    <p:tnLst>
+      <p:par>
+        <p:cTn id="1" dur="indefinite" restart="never" nodeType="tmRoot">
+          <p:childTnLst>
+            <p:seq concurrent="1" nextAc="seek">
+              <p:cTn id="2" dur="indefinite" nodeType="mainSeq">
+                <p:childTnLst>
+                  <p:par>
+                    <p:cTn id="3" fill="hold">
+                      <p:stCondLst>
+                        <p:cond delay="indefinite"/>
+                      </p:stCondLst>
+                      <p:childTnLst>
+                        <p:par>
+                          <p:cTn id="4" fill="hold">
+                            <p:stCondLst>
+                              <p:cond delay="0"/>
+                            </p:stCondLst>
+                            <p:childTnLst>
+                              <p:par>
+                                <p:cTn id="5" presetID="2" presetClass="entr" presetSubtype="4" fill="hold" nodeType="clickEffect">
+                                  <p:stCondLst>
+                                    <p:cond delay="0"/>
+                                  </p:stCondLst>
+                                  <p:childTnLst>
+                                    <p:set>
+                                      <p:cBhvr>
+                                        <p:cTn id="6" dur="1" fill="hold">
+                                          <p:stCondLst>
+                                            <p:cond delay="0"/>
+                                          </p:stCondLst>
+                                        </p:cTn>
+                                        <p:tgtEl>
+                                          <p:spTgt spid="16"/>
+                                        </p:tgtEl>
+                                        <p:attrNameLst>
+                                          <p:attrName>style.visibility</p:attrName>
+                                        </p:attrNameLst>
+                                      </p:cBhvr>
+                                      <p:to>
+                                        <p:strVal val="visible"/>
+                                      </p:to>
+                                    </p:set>
+                                    <p:anim calcmode="lin" valueType="num">
+                                      <p:cBhvr additive="base">
+                                        <p:cTn id="7" dur="500" fill="hold"/>
+                                        <p:tgtEl>
+                                          <p:spTgt spid="16"/>
+                                        </p:tgtEl>
+                                        <p:attrNameLst>
+                                          <p:attrName>ppt_x</p:attrName>
+                                        </p:attrNameLst>
+                                      </p:cBhvr>
+                                      <p:tavLst>
+                                        <p:tav tm="0">
+                                          <p:val>
+                                            <p:strVal val="#ppt_x"/>
+                                          </p:val>
+                                        </p:tav>
+                                        <p:tav tm="100000">
+                                          <p:val>
+                                            <p:strVal val="#ppt_x"/>
+                                          </p:val>
+                                        </p:tav>
+                                      </p:tavLst>
+                                    </p:anim>
+                                    <p:anim calcmode="lin" valueType="num">
+                                      <p:cBhvr additive="base">
+                                        <p:cTn id="8" dur="500" fill="hold"/>
+                                        <p:tgtEl>
+                                          <p:spTgt spid="16"/>
+                                        </p:tgtEl>
+                                        <p:attrNameLst>
+                                          <p:attrName>ppt_y</p:attrName>
+                                        </p:attrNameLst>
+                                      </p:cBhvr>
+                                      <p:tavLst>
+                                        <p:tav tm="0">
+                                          <p:val>
+                                            <p:strVal val="1+#ppt_h/2"/>
+                                          </p:val>
+                                        </p:tav>
+                                        <p:tav tm="100000">
+                                          <p:val>
+                                            <p:strVal val="#ppt_y"/>
+                                          </p:val>
+                                        </p:tav>
+                                      </p:tavLst>
+                                    </p:anim>
+                                  </p:childTnLst>
+                                </p:cTn>
+                              </p:par>
+                            </p:childTnLst>
+                          </p:cTn>
+                        </p:par>
+                      </p:childTnLst>
+                    </p:cTn>
+                  </p:par>
+                </p:childTnLst>
+              </p:cTn>
+              <p:prevCondLst>
+                <p:cond evt="onPrev" delay="0">
+                  <p:tgtEl>
+                    <p:sldTgt/>
+                  </p:tgtEl>
+                </p:cond>
+              </p:prevCondLst>
+              <p:nextCondLst>
+                <p:cond evt="onNext" delay="0">
+                  <p:tgtEl>
+                    <p:sldTgt/>
+                  </p:tgtEl>
+                </p:cond>
+              </p:nextCondLst>
+            </p:seq>
+          </p:childTnLst>
+        </p:cTn>
+      </p:par>
+    </p:tnLst>
+  </p:timing>
+</p:sld>
+</file>
+
+<file path=ppt/slides/slide15.xml><?xml version="1.0" encoding="utf-8"?>
+<p:sld xmlns:a="http://schemas.openxmlformats.org/drawingml/2006/main" xmlns:r="http://schemas.openxmlformats.org/officeDocument/2006/relationships" xmlns:p="http://schemas.openxmlformats.org/presentationml/2006/main">
+  <p:cSld>
+    <p:spTree>
+      <p:nvGrpSpPr>
+        <p:cNvPr id="1" name=""/>
+        <p:cNvGrpSpPr/>
+        <p:nvPr/>
+      </p:nvGrpSpPr>
+      <p:grpSpPr>
+        <a:xfrm>
+          <a:off x="0" y="0"/>
+          <a:ext cx="0" cy="0"/>
+          <a:chOff x="0" y="0"/>
+          <a:chExt cx="0" cy="0"/>
+        </a:xfrm>
+      </p:grpSpPr>
+      <p:sp>
+        <p:nvSpPr>
+          <p:cNvPr id="2" name="Fußzeilenplatzhalter 1"/>
+          <p:cNvSpPr>
+            <a:spLocks noGrp="1"/>
+          </p:cNvSpPr>
+          <p:nvPr>
+            <p:ph type="ftr" sz="quarter" idx="11"/>
+          </p:nvPr>
+        </p:nvSpPr>
+        <p:spPr/>
+        <p:txBody>
+          <a:bodyPr/>
+          <a:lstStyle/>
+          <a:p>
+            <a:r>
+              <a:rPr lang="de-DE" smtClean="0"/>
+              <a:t>Steffen Koch &amp; Andreas Muss</a:t>
+            </a:r>
+            <a:endParaRPr lang="de-DE"/>
+          </a:p>
+        </p:txBody>
+      </p:sp>
+      <p:pic>
+        <p:nvPicPr>
+          <p:cNvPr id="3" name="Grafik 2"/>
+          <p:cNvPicPr>
+            <a:picLocks noChangeAspect="1"/>
+          </p:cNvPicPr>
+          <p:nvPr/>
+        </p:nvPicPr>
+        <p:blipFill>
+          <a:blip r:embed="rId2">
+            <a:extLst>
+              <a:ext uri="{28A0092B-C50C-407E-A947-70E740481C1C}">
+                <a14:useLocalDpi xmlns:a14="http://schemas.microsoft.com/office/drawing/2010/main" val="0"/>
+              </a:ext>
+            </a:extLst>
+          </a:blip>
+          <a:stretch>
+            <a:fillRect/>
+          </a:stretch>
+        </p:blipFill>
+        <p:spPr>
+          <a:xfrm>
+            <a:off x="0" y="0"/>
+            <a:ext cx="2619375" cy="1133475"/>
+          </a:xfrm>
+          <a:prstGeom prst="rect">
+            <a:avLst/>
+          </a:prstGeom>
+        </p:spPr>
+      </p:pic>
+      <p:sp>
+        <p:nvSpPr>
+          <p:cNvPr id="4" name="Textfeld 3"/>
+          <p:cNvSpPr txBox="1"/>
+          <p:nvPr/>
+        </p:nvSpPr>
+        <p:spPr>
+          <a:xfrm>
+            <a:off x="5508104" y="274349"/>
+            <a:ext cx="2014719" cy="584775"/>
+          </a:xfrm>
+          <a:prstGeom prst="rect">
+            <a:avLst/>
+          </a:prstGeom>
+          <a:noFill/>
+        </p:spPr>
+        <p:txBody>
+          <a:bodyPr wrap="none" rtlCol="0">
+            <a:spAutoFit/>
+          </a:bodyPr>
+          <a:lstStyle/>
+          <a:p>
+            <a:r>
+              <a:rPr lang="de-DE" sz="3200" dirty="0" smtClean="0">
+                <a:latin typeface="Rockwell" panose="02060603020205020403" pitchFamily="18" charset="0"/>
+              </a:rPr>
+              <a:t>Probleme</a:t>
+            </a:r>
+          </a:p>
+        </p:txBody>
+      </p:sp>
+      <p:sp>
+        <p:nvSpPr>
+          <p:cNvPr id="5" name="Rechteck 4"/>
+          <p:cNvSpPr/>
+          <p:nvPr/>
+        </p:nvSpPr>
+        <p:spPr>
+          <a:xfrm>
+            <a:off x="0" y="1017387"/>
+            <a:ext cx="9144000" cy="36659"/>
+          </a:xfrm>
+          <a:prstGeom prst="rect">
+            <a:avLst/>
+          </a:prstGeom>
+          <a:solidFill>
+            <a:srgbClr val="7030A0"/>
+          </a:solidFill>
+          <a:ln>
+            <a:solidFill>
+              <a:srgbClr val="7030A0"/>
+            </a:solidFill>
+          </a:ln>
+        </p:spPr>
+        <p:style>
+          <a:lnRef idx="2">
+            <a:schemeClr val="accent1">
+              <a:shade val="50000"/>
+            </a:schemeClr>
+          </a:lnRef>
+          <a:fillRef idx="1">
+            <a:schemeClr val="accent1"/>
+          </a:fillRef>
+          <a:effectRef idx="0">
+            <a:schemeClr val="accent1"/>
+          </a:effectRef>
+          <a:fontRef idx="minor">
+            <a:schemeClr val="lt1"/>
+          </a:fontRef>
+        </p:style>
+        <p:txBody>
+          <a:bodyPr rtlCol="0" anchor="ctr"/>
+          <a:lstStyle/>
+          <a:p>
+            <a:pPr algn="ctr"/>
+            <a:endParaRPr lang="de-DE"/>
+          </a:p>
+        </p:txBody>
+      </p:sp>
+      <p:sp>
+        <p:nvSpPr>
+          <p:cNvPr id="6" name="Textfeld 5"/>
+          <p:cNvSpPr txBox="1"/>
+          <p:nvPr/>
+        </p:nvSpPr>
+        <p:spPr>
+          <a:xfrm>
+            <a:off x="467544" y="1772816"/>
+            <a:ext cx="2506584" cy="1754326"/>
+          </a:xfrm>
+          <a:prstGeom prst="rect">
+            <a:avLst/>
+          </a:prstGeom>
+          <a:noFill/>
+        </p:spPr>
+        <p:txBody>
+          <a:bodyPr wrap="none" rtlCol="0">
+            <a:spAutoFit/>
+          </a:bodyPr>
+          <a:lstStyle/>
+          <a:p>
+            <a:pPr marL="285750" indent="-285750">
+              <a:buFont typeface="Arial" panose="020B0604020202020204" pitchFamily="34" charset="0"/>
+              <a:buChar char="•"/>
+            </a:pPr>
+            <a:r>
+              <a:rPr lang="de-DE" dirty="0" smtClean="0"/>
+              <a:t>Fragments</a:t>
+            </a:r>
+            <a:endParaRPr lang="de-DE" dirty="0" smtClean="0"/>
+          </a:p>
+          <a:p>
+            <a:pPr marL="742950" lvl="1" indent="-285750">
+              <a:buFont typeface="Arial" panose="020B0604020202020204" pitchFamily="34" charset="0"/>
+              <a:buChar char="•"/>
+            </a:pPr>
+            <a:endParaRPr lang="de-DE" dirty="0" smtClean="0"/>
+          </a:p>
+          <a:p>
+            <a:pPr marL="285750" indent="-285750">
+              <a:buFont typeface="Arial" panose="020B0604020202020204" pitchFamily="34" charset="0"/>
+              <a:buChar char="•"/>
+            </a:pPr>
+            <a:r>
+              <a:rPr lang="de-DE" dirty="0" smtClean="0"/>
+              <a:t>Fingerprint einbinden</a:t>
+            </a:r>
+            <a:endParaRPr lang="de-DE" dirty="0" smtClean="0"/>
+          </a:p>
+          <a:p>
+            <a:pPr marL="285750" indent="-285750">
+              <a:buFont typeface="Arial" panose="020B0604020202020204" pitchFamily="34" charset="0"/>
+              <a:buChar char="•"/>
+            </a:pPr>
+            <a:endParaRPr lang="de-DE" dirty="0"/>
+          </a:p>
+          <a:p>
+            <a:pPr marL="285750" indent="-285750">
+              <a:buFont typeface="Arial" panose="020B0604020202020204" pitchFamily="34" charset="0"/>
+              <a:buChar char="•"/>
+            </a:pPr>
+            <a:r>
+              <a:rPr lang="de-DE" dirty="0" smtClean="0"/>
+              <a:t>Adapter für List</a:t>
+            </a:r>
+            <a:endParaRPr lang="de-DE" dirty="0" smtClean="0"/>
+          </a:p>
+          <a:p>
+            <a:pPr lvl="1"/>
+            <a:endParaRPr lang="de-DE" dirty="0"/>
+          </a:p>
+        </p:txBody>
+      </p:sp>
+    </p:spTree>
+    <p:extLst>
+      <p:ext uri="{BB962C8B-B14F-4D97-AF65-F5344CB8AC3E}">
+        <p14:creationId xmlns:p14="http://schemas.microsoft.com/office/powerpoint/2010/main" val="3096223617"/>
+      </p:ext>
+    </p:extLst>
+  </p:cSld>
+  <p:clrMapOvr>
+    <a:masterClrMapping/>
+  </p:clrMapOvr>
+  <p:timing>
+    <p:tnLst>
+      <p:par>
+        <p:cTn id="1" dur="indefinite" restart="never" nodeType="tmRoot"/>
+      </p:par>
+    </p:tnLst>
+  </p:timing>
+</p:sld>
+</file>
+
+<file path=ppt/slides/slide16.xml><?xml version="1.0" encoding="utf-8"?>
+<p:sld xmlns:a="http://schemas.openxmlformats.org/drawingml/2006/main" xmlns:r="http://schemas.openxmlformats.org/officeDocument/2006/relationships" xmlns:p="http://schemas.openxmlformats.org/presentationml/2006/main">
+  <p:cSld>
+    <p:spTree>
+      <p:nvGrpSpPr>
+        <p:cNvPr id="1" name=""/>
+        <p:cNvGrpSpPr/>
+        <p:nvPr/>
+      </p:nvGrpSpPr>
+      <p:grpSpPr>
+        <a:xfrm>
+          <a:off x="0" y="0"/>
+          <a:ext cx="0" cy="0"/>
+          <a:chOff x="0" y="0"/>
+          <a:chExt cx="0" cy="0"/>
+        </a:xfrm>
+      </p:grpSpPr>
+      <p:sp>
+        <p:nvSpPr>
+          <p:cNvPr id="2" name="Fußzeilenplatzhalter 1"/>
+          <p:cNvSpPr>
+            <a:spLocks noGrp="1"/>
+          </p:cNvSpPr>
+          <p:nvPr>
+            <p:ph type="ftr" sz="quarter" idx="11"/>
+          </p:nvPr>
+        </p:nvSpPr>
+        <p:spPr/>
+        <p:txBody>
+          <a:bodyPr/>
+          <a:lstStyle/>
+          <a:p>
+            <a:r>
+              <a:rPr lang="de-DE" smtClean="0"/>
+              <a:t>Steffen Koch &amp; Andreas Muss</a:t>
+            </a:r>
+            <a:endParaRPr lang="de-DE"/>
+          </a:p>
+        </p:txBody>
+      </p:sp>
+      <p:pic>
+        <p:nvPicPr>
+          <p:cNvPr id="3" name="Grafik 2"/>
+          <p:cNvPicPr>
+            <a:picLocks noChangeAspect="1"/>
+          </p:cNvPicPr>
+          <p:nvPr/>
+        </p:nvPicPr>
+        <p:blipFill>
+          <a:blip r:embed="rId2">
+            <a:extLst>
+              <a:ext uri="{28A0092B-C50C-407E-A947-70E740481C1C}">
+                <a14:useLocalDpi xmlns:a14="http://schemas.microsoft.com/office/drawing/2010/main" val="0"/>
+              </a:ext>
+            </a:extLst>
+          </a:blip>
+          <a:stretch>
+            <a:fillRect/>
+          </a:stretch>
+        </p:blipFill>
+        <p:spPr>
+          <a:xfrm>
+            <a:off x="0" y="0"/>
+            <a:ext cx="2619375" cy="1133475"/>
+          </a:xfrm>
+          <a:prstGeom prst="rect">
+            <a:avLst/>
+          </a:prstGeom>
+        </p:spPr>
+      </p:pic>
+      <p:sp>
+        <p:nvSpPr>
+          <p:cNvPr id="4" name="Textfeld 3"/>
+          <p:cNvSpPr txBox="1"/>
+          <p:nvPr/>
+        </p:nvSpPr>
+        <p:spPr>
+          <a:xfrm>
+            <a:off x="5508104" y="274349"/>
+            <a:ext cx="1733167" cy="584775"/>
+          </a:xfrm>
+          <a:prstGeom prst="rect">
+            <a:avLst/>
+          </a:prstGeom>
+          <a:noFill/>
+        </p:spPr>
+        <p:txBody>
+          <a:bodyPr wrap="none" rtlCol="0">
+            <a:spAutoFit/>
+          </a:bodyPr>
+          <a:lstStyle/>
+          <a:p>
+            <a:r>
+              <a:rPr lang="de-DE" sz="3200" dirty="0" smtClean="0">
+                <a:latin typeface="Rockwell" panose="02060603020205020403" pitchFamily="18" charset="0"/>
+              </a:rPr>
+              <a:t>Adapter</a:t>
+            </a:r>
+          </a:p>
+        </p:txBody>
+      </p:sp>
+      <p:sp>
+        <p:nvSpPr>
+          <p:cNvPr id="5" name="Rechteck 4"/>
+          <p:cNvSpPr/>
+          <p:nvPr/>
+        </p:nvSpPr>
+        <p:spPr>
+          <a:xfrm>
+            <a:off x="0" y="1017387"/>
+            <a:ext cx="9144000" cy="36659"/>
+          </a:xfrm>
+          <a:prstGeom prst="rect">
+            <a:avLst/>
+          </a:prstGeom>
+          <a:solidFill>
+            <a:srgbClr val="7030A0"/>
+          </a:solidFill>
+          <a:ln>
+            <a:solidFill>
+              <a:srgbClr val="7030A0"/>
+            </a:solidFill>
+          </a:ln>
+        </p:spPr>
+        <p:style>
+          <a:lnRef idx="2">
+            <a:schemeClr val="accent1">
+              <a:shade val="50000"/>
+            </a:schemeClr>
+          </a:lnRef>
+          <a:fillRef idx="1">
+            <a:schemeClr val="accent1"/>
+          </a:fillRef>
+          <a:effectRef idx="0">
+            <a:schemeClr val="accent1"/>
+          </a:effectRef>
+          <a:fontRef idx="minor">
+            <a:schemeClr val="lt1"/>
+          </a:fontRef>
+        </p:style>
+        <p:txBody>
+          <a:bodyPr rtlCol="0" anchor="ctr"/>
+          <a:lstStyle/>
+          <a:p>
+            <a:pPr algn="ctr"/>
+            <a:endParaRPr lang="de-DE"/>
+          </a:p>
+        </p:txBody>
+      </p:sp>
+      <p:pic>
+        <p:nvPicPr>
+          <p:cNvPr id="6" name="Grafik 5"/>
+          <p:cNvPicPr>
+            <a:picLocks noChangeAspect="1"/>
+          </p:cNvPicPr>
+          <p:nvPr/>
+        </p:nvPicPr>
+        <p:blipFill>
+          <a:blip r:embed="rId3"/>
+          <a:stretch>
+            <a:fillRect/>
+          </a:stretch>
+        </p:blipFill>
+        <p:spPr>
+          <a:xfrm>
+            <a:off x="0" y="1069200"/>
+            <a:ext cx="3533775" cy="4124325"/>
+          </a:xfrm>
+          <a:prstGeom prst="rect">
+            <a:avLst/>
+          </a:prstGeom>
+        </p:spPr>
+      </p:pic>
+      <p:pic>
+        <p:nvPicPr>
+          <p:cNvPr id="8" name="Grafik 7"/>
+          <p:cNvPicPr>
+            <a:picLocks noChangeAspect="1"/>
+          </p:cNvPicPr>
+          <p:nvPr/>
+        </p:nvPicPr>
+        <p:blipFill>
+          <a:blip r:embed="rId4"/>
+          <a:stretch>
+            <a:fillRect/>
+          </a:stretch>
+        </p:blipFill>
+        <p:spPr>
+          <a:xfrm>
+            <a:off x="3817224" y="1381211"/>
+            <a:ext cx="5114925" cy="495300"/>
+          </a:xfrm>
+          <a:prstGeom prst="rect">
+            <a:avLst/>
+          </a:prstGeom>
+        </p:spPr>
+      </p:pic>
+      <p:sp>
+        <p:nvSpPr>
+          <p:cNvPr id="9" name="Textfeld 8"/>
+          <p:cNvSpPr txBox="1"/>
+          <p:nvPr/>
+        </p:nvSpPr>
+        <p:spPr>
+          <a:xfrm>
+            <a:off x="3748609" y="2204864"/>
+            <a:ext cx="1284775" cy="369332"/>
+          </a:xfrm>
+          <a:prstGeom prst="rect">
+            <a:avLst/>
+          </a:prstGeom>
+          <a:noFill/>
+        </p:spPr>
+        <p:txBody>
+          <a:bodyPr wrap="none" rtlCol="0">
+            <a:spAutoFit/>
+          </a:bodyPr>
+          <a:lstStyle/>
+          <a:p>
+            <a:r>
+              <a:rPr lang="de-DE" dirty="0" err="1" smtClean="0"/>
+              <a:t>ViewHolder</a:t>
+            </a:r>
+            <a:endParaRPr lang="de-DE" dirty="0" smtClean="0"/>
+          </a:p>
+        </p:txBody>
+      </p:sp>
+      <p:pic>
+        <p:nvPicPr>
+          <p:cNvPr id="10" name="Grafik 9"/>
+          <p:cNvPicPr>
+            <a:picLocks noChangeAspect="1"/>
+          </p:cNvPicPr>
+          <p:nvPr/>
+        </p:nvPicPr>
+        <p:blipFill>
+          <a:blip r:embed="rId5"/>
+          <a:stretch>
+            <a:fillRect/>
+          </a:stretch>
+        </p:blipFill>
+        <p:spPr>
+          <a:xfrm>
+            <a:off x="3748609" y="2574196"/>
+            <a:ext cx="5183416" cy="2818741"/>
+          </a:xfrm>
+          <a:prstGeom prst="rect">
+            <a:avLst/>
+          </a:prstGeom>
+        </p:spPr>
+      </p:pic>
+    </p:spTree>
+    <p:extLst>
+      <p:ext uri="{BB962C8B-B14F-4D97-AF65-F5344CB8AC3E}">
+        <p14:creationId xmlns:p14="http://schemas.microsoft.com/office/powerpoint/2010/main" val="1569643422"/>
+      </p:ext>
+    </p:extLst>
+  </p:cSld>
+  <p:clrMapOvr>
+    <a:masterClrMapping/>
+  </p:clrMapOvr>
+  <p:timing>
+    <p:tnLst>
+      <p:par>
+        <p:cTn id="1" dur="indefinite" restart="never" nodeType="tmRoot">
+          <p:childTnLst>
+            <p:seq concurrent="1" nextAc="seek">
+              <p:cTn id="2" dur="indefinite" nodeType="mainSeq">
+                <p:childTnLst>
+                  <p:par>
+                    <p:cTn id="3" fill="hold">
+                      <p:stCondLst>
+                        <p:cond delay="indefinite"/>
+                      </p:stCondLst>
+                      <p:childTnLst>
+                        <p:par>
+                          <p:cTn id="4" fill="hold">
+                            <p:stCondLst>
+                              <p:cond delay="0"/>
+                            </p:stCondLst>
+                            <p:childTnLst>
+                              <p:par>
+                                <p:cTn id="5" presetID="2" presetClass="entr" presetSubtype="4" fill="hold" nodeType="clickEffect">
+                                  <p:stCondLst>
+                                    <p:cond delay="0"/>
+                                  </p:stCondLst>
+                                  <p:childTnLst>
+                                    <p:set>
+                                      <p:cBhvr>
+                                        <p:cTn id="6" dur="1" fill="hold">
+                                          <p:stCondLst>
+                                            <p:cond delay="0"/>
+                                          </p:stCondLst>
+                                        </p:cTn>
+                                        <p:tgtEl>
+                                          <p:spTgt spid="8"/>
+                                        </p:tgtEl>
+                                        <p:attrNameLst>
+                                          <p:attrName>style.visibility</p:attrName>
+                                        </p:attrNameLst>
+                                      </p:cBhvr>
+                                      <p:to>
+                                        <p:strVal val="visible"/>
+                                      </p:to>
+                                    </p:set>
+                                    <p:anim calcmode="lin" valueType="num">
+                                      <p:cBhvr additive="base">
+                                        <p:cTn id="7" dur="500" fill="hold"/>
+                                        <p:tgtEl>
+                                          <p:spTgt spid="8"/>
+                                        </p:tgtEl>
+                                        <p:attrNameLst>
+                                          <p:attrName>ppt_x</p:attrName>
+                                        </p:attrNameLst>
+                                      </p:cBhvr>
+                                      <p:tavLst>
+                                        <p:tav tm="0">
+                                          <p:val>
+                                            <p:strVal val="#ppt_x"/>
+                                          </p:val>
+                                        </p:tav>
+                                        <p:tav tm="100000">
+                                          <p:val>
+                                            <p:strVal val="#ppt_x"/>
+                                          </p:val>
+                                        </p:tav>
+                                      </p:tavLst>
+                                    </p:anim>
+                                    <p:anim calcmode="lin" valueType="num">
+                                      <p:cBhvr additive="base">
+                                        <p:cTn id="8" dur="500" fill="hold"/>
+                                        <p:tgtEl>
+                                          <p:spTgt spid="8"/>
+                                        </p:tgtEl>
+                                        <p:attrNameLst>
+                                          <p:attrName>ppt_y</p:attrName>
+                                        </p:attrNameLst>
+                                      </p:cBhvr>
+                                      <p:tavLst>
+                                        <p:tav tm="0">
+                                          <p:val>
+                                            <p:strVal val="1+#ppt_h/2"/>
+                                          </p:val>
+                                        </p:tav>
+                                        <p:tav tm="100000">
+                                          <p:val>
+                                            <p:strVal val="#ppt_y"/>
+                                          </p:val>
+                                        </p:tav>
+                                      </p:tavLst>
+                                    </p:anim>
+                                  </p:childTnLst>
+                                </p:cTn>
+                              </p:par>
+                            </p:childTnLst>
+                          </p:cTn>
+                        </p:par>
+                      </p:childTnLst>
+                    </p:cTn>
+                  </p:par>
+                  <p:par>
+                    <p:cTn id="9" fill="hold">
+                      <p:stCondLst>
+                        <p:cond delay="indefinite"/>
+                      </p:stCondLst>
+                      <p:childTnLst>
+                        <p:par>
+                          <p:cTn id="10" fill="hold">
+                            <p:stCondLst>
+                              <p:cond delay="0"/>
+                            </p:stCondLst>
+                            <p:childTnLst>
+                              <p:par>
+                                <p:cTn id="11" presetID="2" presetClass="entr" presetSubtype="4" fill="hold" grpId="0" nodeType="clickEffect">
+                                  <p:stCondLst>
+                                    <p:cond delay="0"/>
+                                  </p:stCondLst>
+                                  <p:childTnLst>
+                                    <p:set>
+                                      <p:cBhvr>
+                                        <p:cTn id="12" dur="1" fill="hold">
+                                          <p:stCondLst>
+                                            <p:cond delay="0"/>
+                                          </p:stCondLst>
+                                        </p:cTn>
+                                        <p:tgtEl>
+                                          <p:spTgt spid="9"/>
+                                        </p:tgtEl>
+                                        <p:attrNameLst>
+                                          <p:attrName>style.visibility</p:attrName>
+                                        </p:attrNameLst>
+                                      </p:cBhvr>
+                                      <p:to>
+                                        <p:strVal val="visible"/>
+                                      </p:to>
+                                    </p:set>
+                                    <p:anim calcmode="lin" valueType="num">
+                                      <p:cBhvr additive="base">
+                                        <p:cTn id="13" dur="500" fill="hold"/>
+                                        <p:tgtEl>
+                                          <p:spTgt spid="9"/>
+                                        </p:tgtEl>
+                                        <p:attrNameLst>
+                                          <p:attrName>ppt_x</p:attrName>
+                                        </p:attrNameLst>
+                                      </p:cBhvr>
+                                      <p:tavLst>
+                                        <p:tav tm="0">
+                                          <p:val>
+                                            <p:strVal val="#ppt_x"/>
+                                          </p:val>
+                                        </p:tav>
+                                        <p:tav tm="100000">
+                                          <p:val>
+                                            <p:strVal val="#ppt_x"/>
+                                          </p:val>
+                                        </p:tav>
+                                      </p:tavLst>
+                                    </p:anim>
+                                    <p:anim calcmode="lin" valueType="num">
+                                      <p:cBhvr additive="base">
+                                        <p:cTn id="14" dur="500" fill="hold"/>
+                                        <p:tgtEl>
+                                          <p:spTgt spid="9"/>
+                                        </p:tgtEl>
+                                        <p:attrNameLst>
+                                          <p:attrName>ppt_y</p:attrName>
+                                        </p:attrNameLst>
+                                      </p:cBhvr>
+                                      <p:tavLst>
+                                        <p:tav tm="0">
+                                          <p:val>
+                                            <p:strVal val="1+#ppt_h/2"/>
+                                          </p:val>
+                                        </p:tav>
+                                        <p:tav tm="100000">
+                                          <p:val>
+                                            <p:strVal val="#ppt_y"/>
+                                          </p:val>
+                                        </p:tav>
+                                      </p:tavLst>
+                                    </p:anim>
+                                  </p:childTnLst>
+                                </p:cTn>
+                              </p:par>
+                            </p:childTnLst>
+                          </p:cTn>
+                        </p:par>
+                      </p:childTnLst>
+                    </p:cTn>
+                  </p:par>
+                  <p:par>
+                    <p:cTn id="15" fill="hold">
+                      <p:stCondLst>
+                        <p:cond delay="indefinite"/>
+                      </p:stCondLst>
+                      <p:childTnLst>
+                        <p:par>
+                          <p:cTn id="16" fill="hold">
+                            <p:stCondLst>
+                              <p:cond delay="0"/>
+                            </p:stCondLst>
+                            <p:childTnLst>
+                              <p:par>
+                                <p:cTn id="17" presetID="2" presetClass="entr" presetSubtype="4" fill="hold" nodeType="clickEffect">
+                                  <p:stCondLst>
+                                    <p:cond delay="0"/>
+                                  </p:stCondLst>
+                                  <p:childTnLst>
+                                    <p:set>
+                                      <p:cBhvr>
+                                        <p:cTn id="18" dur="1" fill="hold">
+                                          <p:stCondLst>
+                                            <p:cond delay="0"/>
+                                          </p:stCondLst>
+                                        </p:cTn>
+                                        <p:tgtEl>
+                                          <p:spTgt spid="10"/>
+                                        </p:tgtEl>
+                                        <p:attrNameLst>
+                                          <p:attrName>style.visibility</p:attrName>
+                                        </p:attrNameLst>
+                                      </p:cBhvr>
+                                      <p:to>
+                                        <p:strVal val="visible"/>
+                                      </p:to>
+                                    </p:set>
+                                    <p:anim calcmode="lin" valueType="num">
+                                      <p:cBhvr additive="base">
+                                        <p:cTn id="19" dur="500" fill="hold"/>
+                                        <p:tgtEl>
+                                          <p:spTgt spid="10"/>
+                                        </p:tgtEl>
+                                        <p:attrNameLst>
+                                          <p:attrName>ppt_x</p:attrName>
+                                        </p:attrNameLst>
+                                      </p:cBhvr>
+                                      <p:tavLst>
+                                        <p:tav tm="0">
+                                          <p:val>
+                                            <p:strVal val="#ppt_x"/>
+                                          </p:val>
+                                        </p:tav>
+                                        <p:tav tm="100000">
+                                          <p:val>
+                                            <p:strVal val="#ppt_x"/>
+                                          </p:val>
+                                        </p:tav>
+                                      </p:tavLst>
+                                    </p:anim>
+                                    <p:anim calcmode="lin" valueType="num">
+                                      <p:cBhvr additive="base">
+                                        <p:cTn id="20" dur="500" fill="hold"/>
+                                        <p:tgtEl>
+                                          <p:spTgt spid="10"/>
+                                        </p:tgtEl>
+                                        <p:attrNameLst>
+                                          <p:attrName>ppt_y</p:attrName>
+                                        </p:attrNameLst>
+                                      </p:cBhvr>
+                                      <p:tavLst>
+                                        <p:tav tm="0">
+                                          <p:val>
+                                            <p:strVal val="1+#ppt_h/2"/>
+                                          </p:val>
+                                        </p:tav>
+                                        <p:tav tm="100000">
+                                          <p:val>
+                                            <p:strVal val="#ppt_y"/>
+                                          </p:val>
+                                        </p:tav>
+                                      </p:tavLst>
+                                    </p:anim>
+                                  </p:childTnLst>
+                                </p:cTn>
+                              </p:par>
+                            </p:childTnLst>
+                          </p:cTn>
+                        </p:par>
+                      </p:childTnLst>
+                    </p:cTn>
+                  </p:par>
+                </p:childTnLst>
+              </p:cTn>
+              <p:prevCondLst>
+                <p:cond evt="onPrev" delay="0">
+                  <p:tgtEl>
+                    <p:sldTgt/>
+                  </p:tgtEl>
+                </p:cond>
+              </p:prevCondLst>
+              <p:nextCondLst>
+                <p:cond evt="onNext" delay="0">
+                  <p:tgtEl>
+                    <p:sldTgt/>
+                  </p:tgtEl>
+                </p:cond>
+              </p:nextCondLst>
+            </p:seq>
+          </p:childTnLst>
+        </p:cTn>
+      </p:par>
+    </p:tnLst>
+    <p:bldLst>
+      <p:bldP spid="9" grpId="0"/>
+    </p:bldLst>
+  </p:timing>
+</p:sld>
+</file>
+
+<file path=ppt/slides/slide17.xml><?xml version="1.0" encoding="utf-8"?>
+<p:sld xmlns:a="http://schemas.openxmlformats.org/drawingml/2006/main" xmlns:r="http://schemas.openxmlformats.org/officeDocument/2006/relationships" xmlns:p="http://schemas.openxmlformats.org/presentationml/2006/main">
+  <p:cSld>
+    <p:spTree>
+      <p:nvGrpSpPr>
+        <p:cNvPr id="1" name=""/>
+        <p:cNvGrpSpPr/>
+        <p:nvPr/>
+      </p:nvGrpSpPr>
+      <p:grpSpPr>
+        <a:xfrm>
+          <a:off x="0" y="0"/>
+          <a:ext cx="0" cy="0"/>
+          <a:chOff x="0" y="0"/>
+          <a:chExt cx="0" cy="0"/>
+        </a:xfrm>
+      </p:grpSpPr>
+      <p:sp>
+        <p:nvSpPr>
+          <p:cNvPr id="2" name="Fußzeilenplatzhalter 1"/>
+          <p:cNvSpPr>
+            <a:spLocks noGrp="1"/>
+          </p:cNvSpPr>
+          <p:nvPr>
+            <p:ph type="ftr" sz="quarter" idx="11"/>
+          </p:nvPr>
+        </p:nvSpPr>
+        <p:spPr/>
+        <p:txBody>
+          <a:bodyPr/>
+          <a:lstStyle/>
+          <a:p>
+            <a:r>
+              <a:rPr lang="de-DE" smtClean="0"/>
+              <a:t>Steffen Koch &amp; Andreas Muss</a:t>
+            </a:r>
+            <a:endParaRPr lang="de-DE"/>
+          </a:p>
+        </p:txBody>
+      </p:sp>
+      <p:pic>
+        <p:nvPicPr>
+          <p:cNvPr id="3" name="Grafik 2"/>
+          <p:cNvPicPr>
+            <a:picLocks noChangeAspect="1"/>
+          </p:cNvPicPr>
+          <p:nvPr/>
+        </p:nvPicPr>
+        <p:blipFill>
+          <a:blip r:embed="rId2">
+            <a:extLst>
+              <a:ext uri="{28A0092B-C50C-407E-A947-70E740481C1C}">
+                <a14:useLocalDpi xmlns:a14="http://schemas.microsoft.com/office/drawing/2010/main" val="0"/>
+              </a:ext>
+            </a:extLst>
+          </a:blip>
+          <a:stretch>
+            <a:fillRect/>
+          </a:stretch>
+        </p:blipFill>
+        <p:spPr>
+          <a:xfrm>
+            <a:off x="0" y="0"/>
+            <a:ext cx="2619375" cy="1133475"/>
+          </a:xfrm>
+          <a:prstGeom prst="rect">
+            <a:avLst/>
+          </a:prstGeom>
+        </p:spPr>
+      </p:pic>
+      <p:sp>
+        <p:nvSpPr>
+          <p:cNvPr id="4" name="Textfeld 3"/>
+          <p:cNvSpPr txBox="1"/>
+          <p:nvPr/>
+        </p:nvSpPr>
+        <p:spPr>
+          <a:xfrm>
+            <a:off x="5508104" y="274349"/>
+            <a:ext cx="2876108" cy="584775"/>
+          </a:xfrm>
+          <a:prstGeom prst="rect">
+            <a:avLst/>
+          </a:prstGeom>
+          <a:noFill/>
+        </p:spPr>
+        <p:txBody>
+          <a:bodyPr wrap="none" rtlCol="0">
+            <a:spAutoFit/>
+          </a:bodyPr>
+          <a:lstStyle/>
+          <a:p>
+            <a:r>
+              <a:rPr lang="de-DE" sz="3200" dirty="0" smtClean="0">
+                <a:latin typeface="Rockwell" panose="02060603020205020403" pitchFamily="18" charset="0"/>
+              </a:rPr>
+              <a:t>Adapter-Filter</a:t>
+            </a:r>
+          </a:p>
+        </p:txBody>
+      </p:sp>
+      <p:sp>
+        <p:nvSpPr>
+          <p:cNvPr id="5" name="Rechteck 4"/>
+          <p:cNvSpPr/>
+          <p:nvPr/>
+        </p:nvSpPr>
+        <p:spPr>
+          <a:xfrm>
+            <a:off x="0" y="1017387"/>
+            <a:ext cx="9144000" cy="36659"/>
+          </a:xfrm>
+          <a:prstGeom prst="rect">
+            <a:avLst/>
+          </a:prstGeom>
+          <a:solidFill>
+            <a:srgbClr val="7030A0"/>
+          </a:solidFill>
+          <a:ln>
+            <a:solidFill>
+              <a:srgbClr val="7030A0"/>
+            </a:solidFill>
+          </a:ln>
+        </p:spPr>
+        <p:style>
+          <a:lnRef idx="2">
+            <a:schemeClr val="accent1">
+              <a:shade val="50000"/>
+            </a:schemeClr>
+          </a:lnRef>
+          <a:fillRef idx="1">
+            <a:schemeClr val="accent1"/>
+          </a:fillRef>
+          <a:effectRef idx="0">
+            <a:schemeClr val="accent1"/>
+          </a:effectRef>
+          <a:fontRef idx="minor">
+            <a:schemeClr val="lt1"/>
+          </a:fontRef>
+        </p:style>
+        <p:txBody>
+          <a:bodyPr rtlCol="0" anchor="ctr"/>
+          <a:lstStyle/>
+          <a:p>
+            <a:pPr algn="ctr"/>
+            <a:endParaRPr lang="de-DE"/>
+          </a:p>
+        </p:txBody>
+      </p:sp>
+      <p:pic>
+        <p:nvPicPr>
+          <p:cNvPr id="11" name="Grafik 10"/>
+          <p:cNvPicPr>
+            <a:picLocks noChangeAspect="1"/>
+          </p:cNvPicPr>
+          <p:nvPr/>
+        </p:nvPicPr>
+        <p:blipFill>
+          <a:blip r:embed="rId3"/>
+          <a:stretch>
+            <a:fillRect/>
+          </a:stretch>
+        </p:blipFill>
+        <p:spPr>
+          <a:xfrm>
+            <a:off x="0" y="1069200"/>
+            <a:ext cx="3533775" cy="4124325"/>
+          </a:xfrm>
+          <a:prstGeom prst="rect">
+            <a:avLst/>
+          </a:prstGeom>
+        </p:spPr>
+      </p:pic>
+      <p:pic>
+        <p:nvPicPr>
+          <p:cNvPr id="7" name="Grafik 6"/>
+          <p:cNvPicPr>
+            <a:picLocks noChangeAspect="1"/>
+          </p:cNvPicPr>
+          <p:nvPr/>
+        </p:nvPicPr>
+        <p:blipFill>
+          <a:blip r:embed="rId4"/>
+          <a:stretch>
+            <a:fillRect/>
+          </a:stretch>
+        </p:blipFill>
+        <p:spPr>
+          <a:xfrm>
+            <a:off x="0" y="1629088"/>
+            <a:ext cx="7886700" cy="3762375"/>
+          </a:xfrm>
+          <a:prstGeom prst="rect">
+            <a:avLst/>
+          </a:prstGeom>
+        </p:spPr>
+      </p:pic>
+    </p:spTree>
+    <p:extLst>
+      <p:ext uri="{BB962C8B-B14F-4D97-AF65-F5344CB8AC3E}">
+        <p14:creationId xmlns:p14="http://schemas.microsoft.com/office/powerpoint/2010/main" val="2847897269"/>
+      </p:ext>
+    </p:extLst>
+  </p:cSld>
+  <p:clrMapOvr>
+    <a:masterClrMapping/>
+  </p:clrMapOvr>
+  <p:timing>
+    <p:tnLst>
+      <p:par>
+        <p:cTn id="1" dur="indefinite" restart="never" nodeType="tmRoot"/>
+      </p:par>
+    </p:tnLst>
+  </p:timing>
+</p:sld>
+</file>
+
+<file path=ppt/slides/slide18.xml><?xml version="1.0" encoding="utf-8"?>
 <p:sld xmlns:a="http://schemas.openxmlformats.org/drawingml/2006/main" xmlns:r="http://schemas.openxmlformats.org/officeDocument/2006/relationships" xmlns:p="http://schemas.openxmlformats.org/presentationml/2006/main">
   <p:cSld>
     <p:spTree>
@@ -8460,6 +9863,387 @@
       </p:sp>
       <p:pic>
         <p:nvPicPr>
+          <p:cNvPr id="6" name="Grafik 5"/>
+          <p:cNvPicPr>
+            <a:picLocks noChangeAspect="1"/>
+          </p:cNvPicPr>
+          <p:nvPr/>
+        </p:nvPicPr>
+        <p:blipFill>
+          <a:blip r:embed="rId3" cstate="print">
+            <a:extLst>
+              <a:ext uri="{28A0092B-C50C-407E-A947-70E740481C1C}">
+                <a14:useLocalDpi xmlns:a14="http://schemas.microsoft.com/office/drawing/2010/main" val="0"/>
+              </a:ext>
+            </a:extLst>
+          </a:blip>
+          <a:stretch>
+            <a:fillRect/>
+          </a:stretch>
+        </p:blipFill>
+        <p:spPr>
+          <a:xfrm>
+            <a:off x="683568" y="1258090"/>
+            <a:ext cx="2941425" cy="5229200"/>
+          </a:xfrm>
+          <a:prstGeom prst="rect">
+            <a:avLst/>
+          </a:prstGeom>
+        </p:spPr>
+      </p:pic>
+      <p:pic>
+        <p:nvPicPr>
+          <p:cNvPr id="9" name="Grafik 8"/>
+          <p:cNvPicPr>
+            <a:picLocks noChangeAspect="1"/>
+          </p:cNvPicPr>
+          <p:nvPr/>
+        </p:nvPicPr>
+        <p:blipFill>
+          <a:blip r:embed="rId4" cstate="print">
+            <a:extLst>
+              <a:ext uri="{28A0092B-C50C-407E-A947-70E740481C1C}">
+                <a14:useLocalDpi xmlns:a14="http://schemas.microsoft.com/office/drawing/2010/main" val="0"/>
+              </a:ext>
+            </a:extLst>
+          </a:blip>
+          <a:stretch>
+            <a:fillRect/>
+          </a:stretch>
+        </p:blipFill>
+        <p:spPr>
+          <a:xfrm>
+            <a:off x="5509003" y="1258090"/>
+            <a:ext cx="2941425" cy="5229200"/>
+          </a:xfrm>
+          <a:prstGeom prst="rect">
+            <a:avLst/>
+          </a:prstGeom>
+        </p:spPr>
+      </p:pic>
+      <p:sp>
+        <p:nvSpPr>
+          <p:cNvPr id="10" name="Textfeld 9"/>
+          <p:cNvSpPr txBox="1"/>
+          <p:nvPr/>
+        </p:nvSpPr>
+        <p:spPr>
+          <a:xfrm>
+            <a:off x="3685635" y="1988840"/>
+            <a:ext cx="1772729" cy="369332"/>
+          </a:xfrm>
+          <a:prstGeom prst="rect">
+            <a:avLst/>
+          </a:prstGeom>
+          <a:noFill/>
+        </p:spPr>
+        <p:txBody>
+          <a:bodyPr wrap="none" rtlCol="0">
+            <a:spAutoFit/>
+          </a:bodyPr>
+          <a:lstStyle/>
+          <a:p>
+            <a:r>
+              <a:rPr lang="de-DE" dirty="0" smtClean="0">
+                <a:latin typeface="Rockwell" panose="02060603020205020403" pitchFamily="18" charset="0"/>
+              </a:rPr>
+              <a:t>Fingerabdruck</a:t>
+            </a:r>
+            <a:endParaRPr lang="de-DE" dirty="0">
+              <a:latin typeface="Rockwell" panose="02060603020205020403" pitchFamily="18" charset="0"/>
+            </a:endParaRPr>
+          </a:p>
+        </p:txBody>
+      </p:sp>
+      <p:sp>
+        <p:nvSpPr>
+          <p:cNvPr id="11" name="Textfeld 10"/>
+          <p:cNvSpPr txBox="1"/>
+          <p:nvPr/>
+        </p:nvSpPr>
+        <p:spPr>
+          <a:xfrm>
+            <a:off x="4013032" y="4026730"/>
+            <a:ext cx="1117935" cy="369332"/>
+          </a:xfrm>
+          <a:prstGeom prst="rect">
+            <a:avLst/>
+          </a:prstGeom>
+          <a:noFill/>
+        </p:spPr>
+        <p:txBody>
+          <a:bodyPr wrap="none" rtlCol="0">
+            <a:spAutoFit/>
+          </a:bodyPr>
+          <a:lstStyle/>
+          <a:p>
+            <a:r>
+              <a:rPr lang="de-DE" dirty="0" smtClean="0">
+                <a:latin typeface="Rockwell" panose="02060603020205020403" pitchFamily="18" charset="0"/>
+              </a:rPr>
+              <a:t>Passwort</a:t>
+            </a:r>
+            <a:endParaRPr lang="de-DE" dirty="0">
+              <a:latin typeface="Rockwell" panose="02060603020205020403" pitchFamily="18" charset="0"/>
+            </a:endParaRPr>
+          </a:p>
+        </p:txBody>
+      </p:sp>
+      <p:cxnSp>
+        <p:nvCxnSpPr>
+          <p:cNvPr id="13" name="Gerade Verbindung mit Pfeil 12"/>
+          <p:cNvCxnSpPr>
+            <a:stCxn id="10" idx="1"/>
+          </p:cNvCxnSpPr>
+          <p:nvPr/>
+        </p:nvCxnSpPr>
+        <p:spPr>
+          <a:xfrm flipH="1">
+            <a:off x="2987824" y="2173506"/>
+            <a:ext cx="697811" cy="967462"/>
+          </a:xfrm>
+          <a:prstGeom prst="straightConnector1">
+            <a:avLst/>
+          </a:prstGeom>
+          <a:ln w="25400">
+            <a:solidFill>
+              <a:srgbClr val="7030A0"/>
+            </a:solidFill>
+            <a:tailEnd type="arrow"/>
+          </a:ln>
+        </p:spPr>
+        <p:style>
+          <a:lnRef idx="1">
+            <a:schemeClr val="accent1"/>
+          </a:lnRef>
+          <a:fillRef idx="0">
+            <a:schemeClr val="accent1"/>
+          </a:fillRef>
+          <a:effectRef idx="0">
+            <a:schemeClr val="accent1"/>
+          </a:effectRef>
+          <a:fontRef idx="minor">
+            <a:schemeClr val="tx1"/>
+          </a:fontRef>
+        </p:style>
+      </p:cxnSp>
+      <p:cxnSp>
+        <p:nvCxnSpPr>
+          <p:cNvPr id="15" name="Gerade Verbindung mit Pfeil 14"/>
+          <p:cNvCxnSpPr>
+            <a:stCxn id="11" idx="3"/>
+          </p:cNvCxnSpPr>
+          <p:nvPr/>
+        </p:nvCxnSpPr>
+        <p:spPr>
+          <a:xfrm flipV="1">
+            <a:off x="5130967" y="3717032"/>
+            <a:ext cx="593161" cy="494364"/>
+          </a:xfrm>
+          <a:prstGeom prst="straightConnector1">
+            <a:avLst/>
+          </a:prstGeom>
+          <a:ln w="25400">
+            <a:solidFill>
+              <a:srgbClr val="7030A0"/>
+            </a:solidFill>
+            <a:tailEnd type="arrow"/>
+          </a:ln>
+        </p:spPr>
+        <p:style>
+          <a:lnRef idx="1">
+            <a:schemeClr val="accent1"/>
+          </a:lnRef>
+          <a:fillRef idx="0">
+            <a:schemeClr val="accent1"/>
+          </a:fillRef>
+          <a:effectRef idx="0">
+            <a:schemeClr val="accent1"/>
+          </a:effectRef>
+          <a:fontRef idx="minor">
+            <a:schemeClr val="tx1"/>
+          </a:fontRef>
+        </p:style>
+      </p:cxnSp>
+      <p:sp>
+        <p:nvSpPr>
+          <p:cNvPr id="16" name="Fußzeilenplatzhalter 15"/>
+          <p:cNvSpPr>
+            <a:spLocks noGrp="1"/>
+          </p:cNvSpPr>
+          <p:nvPr>
+            <p:ph type="ftr" sz="quarter" idx="11"/>
+          </p:nvPr>
+        </p:nvSpPr>
+        <p:spPr>
+          <a:xfrm>
+            <a:off x="3124200" y="6480000"/>
+            <a:ext cx="2895600" cy="365125"/>
+          </a:xfrm>
+        </p:spPr>
+        <p:txBody>
+          <a:bodyPr/>
+          <a:lstStyle/>
+          <a:p>
+            <a:r>
+              <a:rPr lang="de-DE" smtClean="0"/>
+              <a:t>Steffen Koch &amp; Andreas Muss</a:t>
+            </a:r>
+            <a:endParaRPr lang="de-DE"/>
+          </a:p>
+        </p:txBody>
+      </p:sp>
+    </p:spTree>
+    <p:extLst>
+      <p:ext uri="{BB962C8B-B14F-4D97-AF65-F5344CB8AC3E}">
+        <p14:creationId xmlns:p14="http://schemas.microsoft.com/office/powerpoint/2010/main" val="3350189537"/>
+      </p:ext>
+    </p:extLst>
+  </p:cSld>
+  <p:clrMapOvr>
+    <a:masterClrMapping/>
+  </p:clrMapOvr>
+  <p:timing>
+    <p:tnLst>
+      <p:par>
+        <p:cTn id="1" dur="indefinite" restart="never" nodeType="tmRoot"/>
+      </p:par>
+    </p:tnLst>
+  </p:timing>
+</p:sld>
+</file>
+
+<file path=ppt/slides/slide5.xml><?xml version="1.0" encoding="utf-8"?>
+<p:sld xmlns:a="http://schemas.openxmlformats.org/drawingml/2006/main" xmlns:r="http://schemas.openxmlformats.org/officeDocument/2006/relationships" xmlns:p="http://schemas.openxmlformats.org/presentationml/2006/main">
+  <p:cSld>
+    <p:spTree>
+      <p:nvGrpSpPr>
+        <p:cNvPr id="1" name=""/>
+        <p:cNvGrpSpPr/>
+        <p:nvPr/>
+      </p:nvGrpSpPr>
+      <p:grpSpPr>
+        <a:xfrm>
+          <a:off x="0" y="0"/>
+          <a:ext cx="0" cy="0"/>
+          <a:chOff x="0" y="0"/>
+          <a:chExt cx="0" cy="0"/>
+        </a:xfrm>
+      </p:grpSpPr>
+      <p:pic>
+        <p:nvPicPr>
+          <p:cNvPr id="2" name="Grafik 1"/>
+          <p:cNvPicPr>
+            <a:picLocks noChangeAspect="1"/>
+          </p:cNvPicPr>
+          <p:nvPr/>
+        </p:nvPicPr>
+        <p:blipFill>
+          <a:blip r:embed="rId2">
+            <a:extLst>
+              <a:ext uri="{28A0092B-C50C-407E-A947-70E740481C1C}">
+                <a14:useLocalDpi xmlns:a14="http://schemas.microsoft.com/office/drawing/2010/main" val="0"/>
+              </a:ext>
+            </a:extLst>
+          </a:blip>
+          <a:stretch>
+            <a:fillRect/>
+          </a:stretch>
+        </p:blipFill>
+        <p:spPr>
+          <a:xfrm>
+            <a:off x="0" y="0"/>
+            <a:ext cx="2619375" cy="1133475"/>
+          </a:xfrm>
+          <a:prstGeom prst="rect">
+            <a:avLst/>
+          </a:prstGeom>
+        </p:spPr>
+      </p:pic>
+      <p:sp>
+        <p:nvSpPr>
+          <p:cNvPr id="3" name="Rechteck 2"/>
+          <p:cNvSpPr/>
+          <p:nvPr/>
+        </p:nvSpPr>
+        <p:spPr>
+          <a:xfrm>
+            <a:off x="0" y="1017387"/>
+            <a:ext cx="9144000" cy="36659"/>
+          </a:xfrm>
+          <a:prstGeom prst="rect">
+            <a:avLst/>
+          </a:prstGeom>
+          <a:solidFill>
+            <a:srgbClr val="7030A0"/>
+          </a:solidFill>
+          <a:ln>
+            <a:solidFill>
+              <a:srgbClr val="7030A0"/>
+            </a:solidFill>
+          </a:ln>
+        </p:spPr>
+        <p:style>
+          <a:lnRef idx="2">
+            <a:schemeClr val="accent1">
+              <a:shade val="50000"/>
+            </a:schemeClr>
+          </a:lnRef>
+          <a:fillRef idx="1">
+            <a:schemeClr val="accent1"/>
+          </a:fillRef>
+          <a:effectRef idx="0">
+            <a:schemeClr val="accent1"/>
+          </a:effectRef>
+          <a:fontRef idx="minor">
+            <a:schemeClr val="lt1"/>
+          </a:fontRef>
+        </p:style>
+        <p:txBody>
+          <a:bodyPr rtlCol="0" anchor="ctr"/>
+          <a:lstStyle/>
+          <a:p>
+            <a:pPr algn="ctr"/>
+            <a:endParaRPr lang="de-DE"/>
+          </a:p>
+        </p:txBody>
+      </p:sp>
+      <p:sp>
+        <p:nvSpPr>
+          <p:cNvPr id="4" name="Textfeld 3"/>
+          <p:cNvSpPr txBox="1"/>
+          <p:nvPr/>
+        </p:nvSpPr>
+        <p:spPr>
+          <a:xfrm>
+            <a:off x="5508104" y="274349"/>
+            <a:ext cx="1253869" cy="584775"/>
+          </a:xfrm>
+          <a:prstGeom prst="rect">
+            <a:avLst/>
+          </a:prstGeom>
+          <a:noFill/>
+        </p:spPr>
+        <p:txBody>
+          <a:bodyPr wrap="none" rtlCol="0">
+            <a:spAutoFit/>
+          </a:bodyPr>
+          <a:lstStyle/>
+          <a:p>
+            <a:r>
+              <a:rPr lang="de-DE" sz="3200" dirty="0" err="1" smtClean="0">
+                <a:latin typeface="Rockwell" panose="02060603020205020403" pitchFamily="18" charset="0"/>
+              </a:rPr>
+              <a:t>LogIn</a:t>
+            </a:r>
+            <a:endParaRPr lang="de-DE" dirty="0">
+              <a:latin typeface="Rockwell" panose="02060603020205020403" pitchFamily="18" charset="0"/>
+            </a:endParaRPr>
+          </a:p>
+        </p:txBody>
+      </p:sp>
+      <p:pic>
+        <p:nvPicPr>
           <p:cNvPr id="5" name="Grafik 4"/>
           <p:cNvPicPr>
             <a:picLocks noChangeAspect="1"/>
@@ -8688,7 +10472,7 @@
 </p:sld>
 </file>
 
-<file path=ppt/slides/slide5.xml><?xml version="1.0" encoding="utf-8"?>
+<file path=ppt/slides/slide6.xml><?xml version="1.0" encoding="utf-8"?>
 <p:sld xmlns:a="http://schemas.openxmlformats.org/drawingml/2006/main" xmlns:r="http://schemas.openxmlformats.org/officeDocument/2006/relationships" xmlns:p="http://schemas.openxmlformats.org/presentationml/2006/main">
   <p:cSld>
     <p:spTree>
@@ -9077,7 +10861,7 @@
 </p:sld>
 </file>
 
-<file path=ppt/slides/slide6.xml><?xml version="1.0" encoding="utf-8"?>
+<file path=ppt/slides/slide7.xml><?xml version="1.0" encoding="utf-8"?>
 <p:sld xmlns:a="http://schemas.openxmlformats.org/drawingml/2006/main" xmlns:r="http://schemas.openxmlformats.org/officeDocument/2006/relationships" xmlns:p="http://schemas.openxmlformats.org/presentationml/2006/main">
   <p:cSld>
     <p:spTree>
@@ -9460,387 +11244,6 @@
             </p:seq>
           </p:childTnLst>
         </p:cTn>
-      </p:par>
-    </p:tnLst>
-  </p:timing>
-</p:sld>
-</file>
-
-<file path=ppt/slides/slide7.xml><?xml version="1.0" encoding="utf-8"?>
-<p:sld xmlns:a="http://schemas.openxmlformats.org/drawingml/2006/main" xmlns:r="http://schemas.openxmlformats.org/officeDocument/2006/relationships" xmlns:p="http://schemas.openxmlformats.org/presentationml/2006/main">
-  <p:cSld>
-    <p:spTree>
-      <p:nvGrpSpPr>
-        <p:cNvPr id="1" name=""/>
-        <p:cNvGrpSpPr/>
-        <p:nvPr/>
-      </p:nvGrpSpPr>
-      <p:grpSpPr>
-        <a:xfrm>
-          <a:off x="0" y="0"/>
-          <a:ext cx="0" cy="0"/>
-          <a:chOff x="0" y="0"/>
-          <a:chExt cx="0" cy="0"/>
-        </a:xfrm>
-      </p:grpSpPr>
-      <p:pic>
-        <p:nvPicPr>
-          <p:cNvPr id="2" name="Grafik 1"/>
-          <p:cNvPicPr>
-            <a:picLocks noChangeAspect="1"/>
-          </p:cNvPicPr>
-          <p:nvPr/>
-        </p:nvPicPr>
-        <p:blipFill>
-          <a:blip r:embed="rId2">
-            <a:extLst>
-              <a:ext uri="{28A0092B-C50C-407E-A947-70E740481C1C}">
-                <a14:useLocalDpi xmlns:a14="http://schemas.microsoft.com/office/drawing/2010/main" val="0"/>
-              </a:ext>
-            </a:extLst>
-          </a:blip>
-          <a:stretch>
-            <a:fillRect/>
-          </a:stretch>
-        </p:blipFill>
-        <p:spPr>
-          <a:xfrm>
-            <a:off x="0" y="0"/>
-            <a:ext cx="2619375" cy="1133475"/>
-          </a:xfrm>
-          <a:prstGeom prst="rect">
-            <a:avLst/>
-          </a:prstGeom>
-        </p:spPr>
-      </p:pic>
-      <p:sp>
-        <p:nvSpPr>
-          <p:cNvPr id="3" name="Rechteck 2"/>
-          <p:cNvSpPr/>
-          <p:nvPr/>
-        </p:nvSpPr>
-        <p:spPr>
-          <a:xfrm>
-            <a:off x="0" y="1017387"/>
-            <a:ext cx="9144000" cy="36659"/>
-          </a:xfrm>
-          <a:prstGeom prst="rect">
-            <a:avLst/>
-          </a:prstGeom>
-          <a:solidFill>
-            <a:srgbClr val="7030A0"/>
-          </a:solidFill>
-          <a:ln>
-            <a:solidFill>
-              <a:srgbClr val="7030A0"/>
-            </a:solidFill>
-          </a:ln>
-        </p:spPr>
-        <p:style>
-          <a:lnRef idx="2">
-            <a:schemeClr val="accent1">
-              <a:shade val="50000"/>
-            </a:schemeClr>
-          </a:lnRef>
-          <a:fillRef idx="1">
-            <a:schemeClr val="accent1"/>
-          </a:fillRef>
-          <a:effectRef idx="0">
-            <a:schemeClr val="accent1"/>
-          </a:effectRef>
-          <a:fontRef idx="minor">
-            <a:schemeClr val="lt1"/>
-          </a:fontRef>
-        </p:style>
-        <p:txBody>
-          <a:bodyPr rtlCol="0" anchor="ctr"/>
-          <a:lstStyle/>
-          <a:p>
-            <a:pPr algn="ctr"/>
-            <a:endParaRPr lang="de-DE"/>
-          </a:p>
-        </p:txBody>
-      </p:sp>
-      <p:sp>
-        <p:nvSpPr>
-          <p:cNvPr id="4" name="Textfeld 3"/>
-          <p:cNvSpPr txBox="1"/>
-          <p:nvPr/>
-        </p:nvSpPr>
-        <p:spPr>
-          <a:xfrm>
-            <a:off x="5508104" y="274349"/>
-            <a:ext cx="1253869" cy="584775"/>
-          </a:xfrm>
-          <a:prstGeom prst="rect">
-            <a:avLst/>
-          </a:prstGeom>
-          <a:noFill/>
-        </p:spPr>
-        <p:txBody>
-          <a:bodyPr wrap="none" rtlCol="0">
-            <a:spAutoFit/>
-          </a:bodyPr>
-          <a:lstStyle/>
-          <a:p>
-            <a:r>
-              <a:rPr lang="de-DE" sz="3200" dirty="0" err="1" smtClean="0">
-                <a:latin typeface="Rockwell" panose="02060603020205020403" pitchFamily="18" charset="0"/>
-              </a:rPr>
-              <a:t>LogIn</a:t>
-            </a:r>
-            <a:endParaRPr lang="de-DE" dirty="0">
-              <a:latin typeface="Rockwell" panose="02060603020205020403" pitchFamily="18" charset="0"/>
-            </a:endParaRPr>
-          </a:p>
-        </p:txBody>
-      </p:sp>
-      <p:pic>
-        <p:nvPicPr>
-          <p:cNvPr id="6" name="Grafik 5"/>
-          <p:cNvPicPr>
-            <a:picLocks noChangeAspect="1"/>
-          </p:cNvPicPr>
-          <p:nvPr/>
-        </p:nvPicPr>
-        <p:blipFill>
-          <a:blip r:embed="rId3" cstate="print">
-            <a:extLst>
-              <a:ext uri="{28A0092B-C50C-407E-A947-70E740481C1C}">
-                <a14:useLocalDpi xmlns:a14="http://schemas.microsoft.com/office/drawing/2010/main" val="0"/>
-              </a:ext>
-            </a:extLst>
-          </a:blip>
-          <a:stretch>
-            <a:fillRect/>
-          </a:stretch>
-        </p:blipFill>
-        <p:spPr>
-          <a:xfrm>
-            <a:off x="683568" y="1258090"/>
-            <a:ext cx="2941425" cy="5229200"/>
-          </a:xfrm>
-          <a:prstGeom prst="rect">
-            <a:avLst/>
-          </a:prstGeom>
-        </p:spPr>
-      </p:pic>
-      <p:pic>
-        <p:nvPicPr>
-          <p:cNvPr id="9" name="Grafik 8"/>
-          <p:cNvPicPr>
-            <a:picLocks noChangeAspect="1"/>
-          </p:cNvPicPr>
-          <p:nvPr/>
-        </p:nvPicPr>
-        <p:blipFill>
-          <a:blip r:embed="rId4" cstate="print">
-            <a:extLst>
-              <a:ext uri="{28A0092B-C50C-407E-A947-70E740481C1C}">
-                <a14:useLocalDpi xmlns:a14="http://schemas.microsoft.com/office/drawing/2010/main" val="0"/>
-              </a:ext>
-            </a:extLst>
-          </a:blip>
-          <a:stretch>
-            <a:fillRect/>
-          </a:stretch>
-        </p:blipFill>
-        <p:spPr>
-          <a:xfrm>
-            <a:off x="5509003" y="1258090"/>
-            <a:ext cx="2941425" cy="5229200"/>
-          </a:xfrm>
-          <a:prstGeom prst="rect">
-            <a:avLst/>
-          </a:prstGeom>
-        </p:spPr>
-      </p:pic>
-      <p:sp>
-        <p:nvSpPr>
-          <p:cNvPr id="10" name="Textfeld 9"/>
-          <p:cNvSpPr txBox="1"/>
-          <p:nvPr/>
-        </p:nvSpPr>
-        <p:spPr>
-          <a:xfrm>
-            <a:off x="3685635" y="1988840"/>
-            <a:ext cx="1772729" cy="369332"/>
-          </a:xfrm>
-          <a:prstGeom prst="rect">
-            <a:avLst/>
-          </a:prstGeom>
-          <a:noFill/>
-        </p:spPr>
-        <p:txBody>
-          <a:bodyPr wrap="none" rtlCol="0">
-            <a:spAutoFit/>
-          </a:bodyPr>
-          <a:lstStyle/>
-          <a:p>
-            <a:r>
-              <a:rPr lang="de-DE" dirty="0" smtClean="0">
-                <a:latin typeface="Rockwell" panose="02060603020205020403" pitchFamily="18" charset="0"/>
-              </a:rPr>
-              <a:t>Fingerabdruck</a:t>
-            </a:r>
-            <a:endParaRPr lang="de-DE" dirty="0">
-              <a:latin typeface="Rockwell" panose="02060603020205020403" pitchFamily="18" charset="0"/>
-            </a:endParaRPr>
-          </a:p>
-        </p:txBody>
-      </p:sp>
-      <p:sp>
-        <p:nvSpPr>
-          <p:cNvPr id="11" name="Textfeld 10"/>
-          <p:cNvSpPr txBox="1"/>
-          <p:nvPr/>
-        </p:nvSpPr>
-        <p:spPr>
-          <a:xfrm>
-            <a:off x="4013032" y="4026730"/>
-            <a:ext cx="1117935" cy="369332"/>
-          </a:xfrm>
-          <a:prstGeom prst="rect">
-            <a:avLst/>
-          </a:prstGeom>
-          <a:noFill/>
-        </p:spPr>
-        <p:txBody>
-          <a:bodyPr wrap="none" rtlCol="0">
-            <a:spAutoFit/>
-          </a:bodyPr>
-          <a:lstStyle/>
-          <a:p>
-            <a:r>
-              <a:rPr lang="de-DE" dirty="0" smtClean="0">
-                <a:latin typeface="Rockwell" panose="02060603020205020403" pitchFamily="18" charset="0"/>
-              </a:rPr>
-              <a:t>Passwort</a:t>
-            </a:r>
-            <a:endParaRPr lang="de-DE" dirty="0">
-              <a:latin typeface="Rockwell" panose="02060603020205020403" pitchFamily="18" charset="0"/>
-            </a:endParaRPr>
-          </a:p>
-        </p:txBody>
-      </p:sp>
-      <p:cxnSp>
-        <p:nvCxnSpPr>
-          <p:cNvPr id="13" name="Gerade Verbindung mit Pfeil 12"/>
-          <p:cNvCxnSpPr>
-            <a:stCxn id="10" idx="1"/>
-          </p:cNvCxnSpPr>
-          <p:nvPr/>
-        </p:nvCxnSpPr>
-        <p:spPr>
-          <a:xfrm flipH="1">
-            <a:off x="2987824" y="2173506"/>
-            <a:ext cx="697811" cy="967462"/>
-          </a:xfrm>
-          <a:prstGeom prst="straightConnector1">
-            <a:avLst/>
-          </a:prstGeom>
-          <a:ln w="25400">
-            <a:solidFill>
-              <a:srgbClr val="7030A0"/>
-            </a:solidFill>
-            <a:tailEnd type="arrow"/>
-          </a:ln>
-        </p:spPr>
-        <p:style>
-          <a:lnRef idx="1">
-            <a:schemeClr val="accent1"/>
-          </a:lnRef>
-          <a:fillRef idx="0">
-            <a:schemeClr val="accent1"/>
-          </a:fillRef>
-          <a:effectRef idx="0">
-            <a:schemeClr val="accent1"/>
-          </a:effectRef>
-          <a:fontRef idx="minor">
-            <a:schemeClr val="tx1"/>
-          </a:fontRef>
-        </p:style>
-      </p:cxnSp>
-      <p:cxnSp>
-        <p:nvCxnSpPr>
-          <p:cNvPr id="15" name="Gerade Verbindung mit Pfeil 14"/>
-          <p:cNvCxnSpPr>
-            <a:stCxn id="11" idx="3"/>
-          </p:cNvCxnSpPr>
-          <p:nvPr/>
-        </p:nvCxnSpPr>
-        <p:spPr>
-          <a:xfrm flipV="1">
-            <a:off x="5130967" y="3717032"/>
-            <a:ext cx="593161" cy="494364"/>
-          </a:xfrm>
-          <a:prstGeom prst="straightConnector1">
-            <a:avLst/>
-          </a:prstGeom>
-          <a:ln w="25400">
-            <a:solidFill>
-              <a:srgbClr val="7030A0"/>
-            </a:solidFill>
-            <a:tailEnd type="arrow"/>
-          </a:ln>
-        </p:spPr>
-        <p:style>
-          <a:lnRef idx="1">
-            <a:schemeClr val="accent1"/>
-          </a:lnRef>
-          <a:fillRef idx="0">
-            <a:schemeClr val="accent1"/>
-          </a:fillRef>
-          <a:effectRef idx="0">
-            <a:schemeClr val="accent1"/>
-          </a:effectRef>
-          <a:fontRef idx="minor">
-            <a:schemeClr val="tx1"/>
-          </a:fontRef>
-        </p:style>
-      </p:cxnSp>
-      <p:sp>
-        <p:nvSpPr>
-          <p:cNvPr id="16" name="Fußzeilenplatzhalter 15"/>
-          <p:cNvSpPr>
-            <a:spLocks noGrp="1"/>
-          </p:cNvSpPr>
-          <p:nvPr>
-            <p:ph type="ftr" sz="quarter" idx="11"/>
-          </p:nvPr>
-        </p:nvSpPr>
-        <p:spPr>
-          <a:xfrm>
-            <a:off x="3124200" y="6480000"/>
-            <a:ext cx="2895600" cy="365125"/>
-          </a:xfrm>
-        </p:spPr>
-        <p:txBody>
-          <a:bodyPr/>
-          <a:lstStyle/>
-          <a:p>
-            <a:r>
-              <a:rPr lang="de-DE" smtClean="0"/>
-              <a:t>Steffen Koch &amp; Andreas Muss</a:t>
-            </a:r>
-            <a:endParaRPr lang="de-DE"/>
-          </a:p>
-        </p:txBody>
-      </p:sp>
-    </p:spTree>
-    <p:extLst>
-      <p:ext uri="{BB962C8B-B14F-4D97-AF65-F5344CB8AC3E}">
-        <p14:creationId xmlns:p14="http://schemas.microsoft.com/office/powerpoint/2010/main" val="3350189537"/>
-      </p:ext>
-    </p:extLst>
-  </p:cSld>
-  <p:clrMapOvr>
-    <a:masterClrMapping/>
-  </p:clrMapOvr>
-  <p:timing>
-    <p:tnLst>
-      <p:par>
-        <p:cTn id="1" dur="indefinite" restart="never" nodeType="tmRoot"/>
       </p:par>
     </p:tnLst>
   </p:timing>

--- a/Präsentation.pptx
+++ b/Präsentation.pptx
@@ -126,7 +126,7 @@
   </p:defaultTextStyle>
   <p:extLst>
     <p:ext uri="{EFAFB233-063F-42B5-8137-9DF3F51BA10A}">
-      <p15:sldGuideLst xmlns:p15="http://schemas.microsoft.com/office/powerpoint/2012/main">
+      <p15:sldGuideLst xmlns:p15="http://schemas.microsoft.com/office/powerpoint/2012/main" xmlns="">
         <p15:guide id="1" orient="horz" pos="2160">
           <p15:clr>
             <a:srgbClr val="A4A3A4"/>
@@ -5158,14 +5158,14 @@
       </p:grpSpPr>
       <p:pic>
         <p:nvPicPr>
-          <p:cNvPr id="2" name="Grafik 1"/>
+          <p:cNvPr id="9" name="Grafik 8"/>
           <p:cNvPicPr>
             <a:picLocks noChangeAspect="1"/>
           </p:cNvPicPr>
           <p:nvPr/>
         </p:nvPicPr>
         <p:blipFill>
-          <a:blip r:embed="rId2">
+          <a:blip r:embed="rId2" cstate="print">
             <a:extLst>
               <a:ext uri="{28A0092B-C50C-407E-A947-70E740481C1C}">
                 <a14:useLocalDpi xmlns:a14="http://schemas.microsoft.com/office/drawing/2010/main" val="0"/>
@@ -5178,99 +5178,17 @@
         </p:blipFill>
         <p:spPr>
           <a:xfrm>
-            <a:off x="0" y="0"/>
-            <a:ext cx="2619375" cy="1133475"/>
+            <a:off x="3121180" y="1258567"/>
+            <a:ext cx="2941425" cy="5229200"/>
           </a:xfrm>
           <a:prstGeom prst="rect">
             <a:avLst/>
           </a:prstGeom>
         </p:spPr>
       </p:pic>
-      <p:sp>
-        <p:nvSpPr>
-          <p:cNvPr id="3" name="Rechteck 2"/>
-          <p:cNvSpPr/>
-          <p:nvPr/>
-        </p:nvSpPr>
-        <p:spPr>
-          <a:xfrm>
-            <a:off x="0" y="1017387"/>
-            <a:ext cx="9144000" cy="36659"/>
-          </a:xfrm>
-          <a:prstGeom prst="rect">
-            <a:avLst/>
-          </a:prstGeom>
-          <a:solidFill>
-            <a:srgbClr val="7030A0"/>
-          </a:solidFill>
-          <a:ln>
-            <a:solidFill>
-              <a:srgbClr val="7030A0"/>
-            </a:solidFill>
-          </a:ln>
-        </p:spPr>
-        <p:style>
-          <a:lnRef idx="2">
-            <a:schemeClr val="accent1">
-              <a:shade val="50000"/>
-            </a:schemeClr>
-          </a:lnRef>
-          <a:fillRef idx="1">
-            <a:schemeClr val="accent1"/>
-          </a:fillRef>
-          <a:effectRef idx="0">
-            <a:schemeClr val="accent1"/>
-          </a:effectRef>
-          <a:fontRef idx="minor">
-            <a:schemeClr val="lt1"/>
-          </a:fontRef>
-        </p:style>
-        <p:txBody>
-          <a:bodyPr rtlCol="0" anchor="ctr"/>
-          <a:lstStyle/>
-          <a:p>
-            <a:pPr algn="ctr"/>
-            <a:endParaRPr lang="de-DE"/>
-          </a:p>
-        </p:txBody>
-      </p:sp>
-      <p:sp>
-        <p:nvSpPr>
-          <p:cNvPr id="4" name="Textfeld 3"/>
-          <p:cNvSpPr txBox="1"/>
-          <p:nvPr/>
-        </p:nvSpPr>
-        <p:spPr>
-          <a:xfrm>
-            <a:off x="5508104" y="274349"/>
-            <a:ext cx="1553630" cy="584775"/>
-          </a:xfrm>
-          <a:prstGeom prst="rect">
-            <a:avLst/>
-          </a:prstGeom>
-          <a:noFill/>
-        </p:spPr>
-        <p:txBody>
-          <a:bodyPr wrap="none" rtlCol="0">
-            <a:spAutoFit/>
-          </a:bodyPr>
-          <a:lstStyle/>
-          <a:p>
-            <a:r>
-              <a:rPr lang="de-DE" sz="3200" dirty="0" err="1" smtClean="0">
-                <a:latin typeface="Rockwell" panose="02060603020205020403" pitchFamily="18" charset="0"/>
-              </a:rPr>
-              <a:t>Editing</a:t>
-            </a:r>
-            <a:endParaRPr lang="de-DE" dirty="0">
-              <a:latin typeface="Rockwell" panose="02060603020205020403" pitchFamily="18" charset="0"/>
-            </a:endParaRPr>
-          </a:p>
-        </p:txBody>
-      </p:sp>
       <p:pic>
         <p:nvPicPr>
-          <p:cNvPr id="6" name="Grafik 5"/>
+          <p:cNvPr id="15" name="Grafik 14"/>
           <p:cNvPicPr>
             <a:picLocks noChangeAspect="1"/>
           </p:cNvPicPr>
@@ -5290,7 +5208,7 @@
         </p:blipFill>
         <p:spPr>
           <a:xfrm>
-            <a:off x="179757" y="1258567"/>
+            <a:off x="3121181" y="1258567"/>
             <a:ext cx="2941425" cy="5229200"/>
           </a:xfrm>
           <a:prstGeom prst="rect">
@@ -5300,7 +5218,7 @@
       </p:pic>
       <p:pic>
         <p:nvPicPr>
-          <p:cNvPr id="7" name="Grafik 6"/>
+          <p:cNvPr id="5" name="Grafik 4"/>
           <p:cNvPicPr>
             <a:picLocks noChangeAspect="1"/>
           </p:cNvPicPr>
@@ -5320,7 +5238,7 @@
         </p:blipFill>
         <p:spPr>
           <a:xfrm>
-            <a:off x="3121182" y="1258567"/>
+            <a:off x="179757" y="1258567"/>
             <a:ext cx="2941425" cy="5229200"/>
           </a:xfrm>
           <a:prstGeom prst="rect">
@@ -5328,6 +5246,118 @@
           </a:prstGeom>
         </p:spPr>
       </p:pic>
+      <p:pic>
+        <p:nvPicPr>
+          <p:cNvPr id="2" name="Grafik 1"/>
+          <p:cNvPicPr>
+            <a:picLocks noChangeAspect="1"/>
+          </p:cNvPicPr>
+          <p:nvPr/>
+        </p:nvPicPr>
+        <p:blipFill>
+          <a:blip r:embed="rId5">
+            <a:extLst>
+              <a:ext uri="{28A0092B-C50C-407E-A947-70E740481C1C}">
+                <a14:useLocalDpi xmlns:a14="http://schemas.microsoft.com/office/drawing/2010/main" val="0"/>
+              </a:ext>
+            </a:extLst>
+          </a:blip>
+          <a:stretch>
+            <a:fillRect/>
+          </a:stretch>
+        </p:blipFill>
+        <p:spPr>
+          <a:xfrm>
+            <a:off x="0" y="0"/>
+            <a:ext cx="2619375" cy="1133475"/>
+          </a:xfrm>
+          <a:prstGeom prst="rect">
+            <a:avLst/>
+          </a:prstGeom>
+        </p:spPr>
+      </p:pic>
+      <p:sp>
+        <p:nvSpPr>
+          <p:cNvPr id="3" name="Rechteck 2"/>
+          <p:cNvSpPr/>
+          <p:nvPr/>
+        </p:nvSpPr>
+        <p:spPr>
+          <a:xfrm>
+            <a:off x="0" y="1017387"/>
+            <a:ext cx="9144000" cy="36659"/>
+          </a:xfrm>
+          <a:prstGeom prst="rect">
+            <a:avLst/>
+          </a:prstGeom>
+          <a:solidFill>
+            <a:srgbClr val="7030A0"/>
+          </a:solidFill>
+          <a:ln>
+            <a:solidFill>
+              <a:srgbClr val="7030A0"/>
+            </a:solidFill>
+          </a:ln>
+        </p:spPr>
+        <p:style>
+          <a:lnRef idx="2">
+            <a:schemeClr val="accent1">
+              <a:shade val="50000"/>
+            </a:schemeClr>
+          </a:lnRef>
+          <a:fillRef idx="1">
+            <a:schemeClr val="accent1"/>
+          </a:fillRef>
+          <a:effectRef idx="0">
+            <a:schemeClr val="accent1"/>
+          </a:effectRef>
+          <a:fontRef idx="minor">
+            <a:schemeClr val="lt1"/>
+          </a:fontRef>
+        </p:style>
+        <p:txBody>
+          <a:bodyPr rtlCol="0" anchor="ctr"/>
+          <a:lstStyle/>
+          <a:p>
+            <a:pPr algn="ctr"/>
+            <a:endParaRPr lang="de-DE"/>
+          </a:p>
+        </p:txBody>
+      </p:sp>
+      <p:sp>
+        <p:nvSpPr>
+          <p:cNvPr id="4" name="Textfeld 3"/>
+          <p:cNvSpPr txBox="1"/>
+          <p:nvPr/>
+        </p:nvSpPr>
+        <p:spPr>
+          <a:xfrm>
+            <a:off x="5508104" y="274349"/>
+            <a:ext cx="1553630" cy="584775"/>
+          </a:xfrm>
+          <a:prstGeom prst="rect">
+            <a:avLst/>
+          </a:prstGeom>
+          <a:noFill/>
+        </p:spPr>
+        <p:txBody>
+          <a:bodyPr wrap="none" rtlCol="0">
+            <a:spAutoFit/>
+          </a:bodyPr>
+          <a:lstStyle/>
+          <a:p>
+            <a:r>
+              <a:rPr lang="de-DE" sz="3200" dirty="0" err="1" smtClean="0">
+                <a:latin typeface="Rockwell" panose="02060603020205020403" pitchFamily="18" charset="0"/>
+              </a:rPr>
+              <a:t>Editing</a:t>
+            </a:r>
+            <a:endParaRPr lang="de-DE" dirty="0">
+              <a:latin typeface="Rockwell" panose="02060603020205020403" pitchFamily="18" charset="0"/>
+            </a:endParaRPr>
+          </a:p>
+        </p:txBody>
+      </p:sp>
       <p:sp>
         <p:nvSpPr>
           <p:cNvPr id="8" name="Textfeld 7"/>
@@ -5400,46 +5430,16 @@
           </a:fontRef>
         </p:style>
       </p:cxnSp>
-      <p:pic>
-        <p:nvPicPr>
-          <p:cNvPr id="11" name="Grafik 10"/>
-          <p:cNvPicPr>
-            <a:picLocks noChangeAspect="1"/>
-          </p:cNvPicPr>
-          <p:nvPr/>
-        </p:nvPicPr>
-        <p:blipFill>
-          <a:blip r:embed="rId5" cstate="print">
-            <a:extLst>
-              <a:ext uri="{28A0092B-C50C-407E-A947-70E740481C1C}">
-                <a14:useLocalDpi xmlns:a14="http://schemas.microsoft.com/office/drawing/2010/main" val="0"/>
-              </a:ext>
-            </a:extLst>
-          </a:blip>
-          <a:stretch>
-            <a:fillRect/>
-          </a:stretch>
-        </p:blipFill>
-        <p:spPr>
-          <a:xfrm>
-            <a:off x="179756" y="1258567"/>
-            <a:ext cx="2941425" cy="5229200"/>
-          </a:xfrm>
-          <a:prstGeom prst="rect">
-            <a:avLst/>
-          </a:prstGeom>
-        </p:spPr>
-      </p:pic>
-      <p:sp>
-        <p:nvSpPr>
-          <p:cNvPr id="12" name="Textfeld 11"/>
+      <p:sp>
+        <p:nvSpPr>
+          <p:cNvPr id="16" name="Textfeld 15"/>
           <p:cNvSpPr txBox="1"/>
           <p:nvPr/>
         </p:nvSpPr>
         <p:spPr>
           <a:xfrm>
-            <a:off x="1527708" y="2424399"/>
-            <a:ext cx="1013419" cy="369332"/>
+            <a:off x="6588224" y="2060848"/>
+            <a:ext cx="2153154" cy="923330"/>
           </a:xfrm>
           <a:prstGeom prst="rect">
             <a:avLst/>
@@ -5453,56 +5453,104 @@
           <a:lstStyle/>
           <a:p>
             <a:r>
-              <a:rPr lang="de-DE" dirty="0" err="1" smtClean="0">
-                <a:latin typeface="Rockwell" panose="02060603020205020403" pitchFamily="18" charset="0"/>
-              </a:rPr>
-              <a:t>onClick</a:t>
-            </a:r>
-            <a:endParaRPr lang="de-DE" dirty="0" smtClean="0">
-              <a:latin typeface="Rockwell" panose="02060603020205020403" pitchFamily="18" charset="0"/>
-            </a:endParaRPr>
-          </a:p>
-        </p:txBody>
-      </p:sp>
-      <p:cxnSp>
-        <p:nvCxnSpPr>
-          <p:cNvPr id="14" name="Gerade Verbindung mit Pfeil 13"/>
-          <p:cNvCxnSpPr/>
+              <a:rPr lang="de-DE" dirty="0" smtClean="0"/>
+              <a:t>Das Editieren ist </a:t>
+            </a:r>
+          </a:p>
+          <a:p>
+            <a:r>
+              <a:rPr lang="de-DE" dirty="0" smtClean="0"/>
+              <a:t>ausschließlich für die</a:t>
+            </a:r>
+          </a:p>
+          <a:p>
+            <a:r>
+              <a:rPr lang="de-DE" dirty="0" smtClean="0"/>
+              <a:t>Kategorie gedacht.</a:t>
+            </a:r>
+            <a:endParaRPr lang="de-DE" dirty="0"/>
+          </a:p>
+        </p:txBody>
+      </p:sp>
+      <p:sp>
+        <p:nvSpPr>
+          <p:cNvPr id="17" name="Textfeld 16"/>
+          <p:cNvSpPr txBox="1"/>
           <p:nvPr/>
-        </p:nvCxnSpPr>
-        <p:spPr>
-          <a:xfrm flipV="1">
-            <a:off x="2541127" y="1916832"/>
-            <a:ext cx="302681" cy="507567"/>
-          </a:xfrm>
-          <a:prstGeom prst="straightConnector1">
-            <a:avLst/>
-          </a:prstGeom>
-          <a:ln w="25400">
-            <a:solidFill>
-              <a:srgbClr val="7030A0"/>
-            </a:solidFill>
-            <a:tailEnd type="arrow"/>
-          </a:ln>
-        </p:spPr>
-        <p:style>
-          <a:lnRef idx="1">
-            <a:schemeClr val="accent1"/>
-          </a:lnRef>
-          <a:fillRef idx="0">
-            <a:schemeClr val="accent1"/>
-          </a:fillRef>
-          <a:effectRef idx="0">
-            <a:schemeClr val="accent1"/>
-          </a:effectRef>
-          <a:fontRef idx="minor">
-            <a:schemeClr val="tx1"/>
-          </a:fontRef>
-        </p:style>
-      </p:cxnSp>
+        </p:nvSpPr>
+        <p:spPr>
+          <a:xfrm>
+            <a:off x="6588224" y="3789040"/>
+            <a:ext cx="1889556" cy="1200329"/>
+          </a:xfrm>
+          <a:prstGeom prst="rect">
+            <a:avLst/>
+          </a:prstGeom>
+          <a:noFill/>
+        </p:spPr>
+        <p:txBody>
+          <a:bodyPr wrap="none" rtlCol="0">
+            <a:spAutoFit/>
+          </a:bodyPr>
+          <a:lstStyle/>
+          <a:p>
+            <a:r>
+              <a:rPr lang="de-DE" dirty="0" smtClean="0"/>
+              <a:t>Das Löschen ist</a:t>
+            </a:r>
+          </a:p>
+          <a:p>
+            <a:r>
+              <a:rPr lang="de-DE" dirty="0" smtClean="0"/>
+              <a:t>äquivalent für die </a:t>
+            </a:r>
+          </a:p>
+          <a:p>
+            <a:r>
+              <a:rPr lang="de-DE" dirty="0" smtClean="0"/>
+              <a:t>Kategorie und </a:t>
+            </a:r>
+          </a:p>
+          <a:p>
+            <a:r>
+              <a:rPr lang="de-DE" dirty="0" smtClean="0"/>
+              <a:t>das Passwort. </a:t>
+            </a:r>
+            <a:endParaRPr lang="de-DE" dirty="0"/>
+          </a:p>
+        </p:txBody>
+      </p:sp>
+      <p:sp>
+        <p:nvSpPr>
+          <p:cNvPr id="18" name="Fußzeilenplatzhalter 17"/>
+          <p:cNvSpPr>
+            <a:spLocks noGrp="1"/>
+          </p:cNvSpPr>
+          <p:nvPr>
+            <p:ph type="ftr" sz="quarter" idx="11"/>
+          </p:nvPr>
+        </p:nvSpPr>
+        <p:spPr>
+          <a:xfrm>
+            <a:off x="3124200" y="6480000"/>
+            <a:ext cx="2895600" cy="365125"/>
+          </a:xfrm>
+        </p:spPr>
+        <p:txBody>
+          <a:bodyPr/>
+          <a:lstStyle/>
+          <a:p>
+            <a:r>
+              <a:rPr lang="de-DE" smtClean="0"/>
+              <a:t>Steffen Koch &amp; Andreas Muss</a:t>
+            </a:r>
+            <a:endParaRPr lang="de-DE"/>
+          </a:p>
+        </p:txBody>
+      </p:sp>
       <p:pic>
         <p:nvPicPr>
-          <p:cNvPr id="15" name="Grafik 14"/>
+          <p:cNvPr id="11" name="Grafik 10"/>
           <p:cNvPicPr>
             <a:picLocks noChangeAspect="1"/>
           </p:cNvPicPr>
@@ -5522,7 +5570,7 @@
         </p:blipFill>
         <p:spPr>
           <a:xfrm>
-            <a:off x="3121181" y="1258567"/>
+            <a:off x="179757" y="1258567"/>
             <a:ext cx="2941425" cy="5229200"/>
           </a:xfrm>
           <a:prstGeom prst="rect">
@@ -5532,14 +5580,14 @@
       </p:pic>
       <p:sp>
         <p:nvSpPr>
-          <p:cNvPr id="16" name="Textfeld 15"/>
+          <p:cNvPr id="12" name="Textfeld 11"/>
           <p:cNvSpPr txBox="1"/>
           <p:nvPr/>
         </p:nvSpPr>
         <p:spPr>
           <a:xfrm>
-            <a:off x="6588224" y="2060848"/>
-            <a:ext cx="2153154" cy="923330"/>
+            <a:off x="1527708" y="2424399"/>
+            <a:ext cx="1013419" cy="369332"/>
           </a:xfrm>
           <a:prstGeom prst="rect">
             <a:avLst/>
@@ -5553,101 +5601,53 @@
           <a:lstStyle/>
           <a:p>
             <a:r>
-              <a:rPr lang="de-DE" dirty="0" smtClean="0"/>
-              <a:t>Das Editieren ist </a:t>
-            </a:r>
-          </a:p>
-          <a:p>
-            <a:r>
-              <a:rPr lang="de-DE" dirty="0" smtClean="0"/>
-              <a:t>ausschließlich für die</a:t>
-            </a:r>
-          </a:p>
-          <a:p>
-            <a:r>
-              <a:rPr lang="de-DE" dirty="0" smtClean="0"/>
-              <a:t>Kategorie gedacht.</a:t>
-            </a:r>
-            <a:endParaRPr lang="de-DE" dirty="0"/>
-          </a:p>
-        </p:txBody>
-      </p:sp>
-      <p:sp>
-        <p:nvSpPr>
-          <p:cNvPr id="17" name="Textfeld 16"/>
-          <p:cNvSpPr txBox="1"/>
+              <a:rPr lang="de-DE" dirty="0" err="1" smtClean="0">
+                <a:latin typeface="Rockwell" panose="02060603020205020403" pitchFamily="18" charset="0"/>
+              </a:rPr>
+              <a:t>onClick</a:t>
+            </a:r>
+            <a:endParaRPr lang="de-DE" dirty="0" smtClean="0">
+              <a:latin typeface="Rockwell" panose="02060603020205020403" pitchFamily="18" charset="0"/>
+            </a:endParaRPr>
+          </a:p>
+        </p:txBody>
+      </p:sp>
+      <p:cxnSp>
+        <p:nvCxnSpPr>
+          <p:cNvPr id="14" name="Gerade Verbindung mit Pfeil 13"/>
+          <p:cNvCxnSpPr/>
           <p:nvPr/>
-        </p:nvSpPr>
-        <p:spPr>
-          <a:xfrm>
-            <a:off x="6588224" y="3789040"/>
-            <a:ext cx="1889556" cy="1200329"/>
-          </a:xfrm>
-          <a:prstGeom prst="rect">
-            <a:avLst/>
-          </a:prstGeom>
-          <a:noFill/>
-        </p:spPr>
-        <p:txBody>
-          <a:bodyPr wrap="none" rtlCol="0">
-            <a:spAutoFit/>
-          </a:bodyPr>
-          <a:lstStyle/>
-          <a:p>
-            <a:r>
-              <a:rPr lang="de-DE" dirty="0" smtClean="0"/>
-              <a:t>Das Löschen ist</a:t>
-            </a:r>
-          </a:p>
-          <a:p>
-            <a:r>
-              <a:rPr lang="de-DE" dirty="0" smtClean="0"/>
-              <a:t>äquivalent für die </a:t>
-            </a:r>
-          </a:p>
-          <a:p>
-            <a:r>
-              <a:rPr lang="de-DE" dirty="0" smtClean="0"/>
-              <a:t>Kategorie und </a:t>
-            </a:r>
-          </a:p>
-          <a:p>
-            <a:r>
-              <a:rPr lang="de-DE" dirty="0" smtClean="0"/>
-              <a:t>das Passwort. </a:t>
-            </a:r>
-            <a:endParaRPr lang="de-DE" dirty="0"/>
-          </a:p>
-        </p:txBody>
-      </p:sp>
-      <p:sp>
-        <p:nvSpPr>
-          <p:cNvPr id="18" name="Fußzeilenplatzhalter 17"/>
-          <p:cNvSpPr>
-            <a:spLocks noGrp="1"/>
-          </p:cNvSpPr>
-          <p:nvPr>
-            <p:ph type="ftr" sz="quarter" idx="11"/>
-          </p:nvPr>
-        </p:nvSpPr>
-        <p:spPr>
-          <a:xfrm>
-            <a:off x="3124200" y="6480000"/>
-            <a:ext cx="2895600" cy="365125"/>
-          </a:xfrm>
-        </p:spPr>
-        <p:txBody>
-          <a:bodyPr/>
-          <a:lstStyle/>
-          <a:p>
-            <a:r>
-              <a:rPr lang="de-DE" smtClean="0"/>
-              <a:t>Steffen Koch &amp; Andreas Muss</a:t>
-            </a:r>
-            <a:endParaRPr lang="de-DE"/>
-          </a:p>
-        </p:txBody>
-      </p:sp>
+        </p:nvCxnSpPr>
+        <p:spPr>
+          <a:xfrm flipV="1">
+            <a:off x="2541127" y="1916832"/>
+            <a:ext cx="302681" cy="507567"/>
+          </a:xfrm>
+          <a:prstGeom prst="straightConnector1">
+            <a:avLst/>
+          </a:prstGeom>
+          <a:ln w="25400">
+            <a:solidFill>
+              <a:srgbClr val="7030A0"/>
+            </a:solidFill>
+            <a:tailEnd type="arrow"/>
+          </a:ln>
+        </p:spPr>
+        <p:style>
+          <a:lnRef idx="1">
+            <a:schemeClr val="accent1"/>
+          </a:lnRef>
+          <a:fillRef idx="0">
+            <a:schemeClr val="accent1"/>
+          </a:fillRef>
+          <a:effectRef idx="0">
+            <a:schemeClr val="accent1"/>
+          </a:effectRef>
+          <a:fontRef idx="minor">
+            <a:schemeClr val="tx1"/>
+          </a:fontRef>
+        </p:style>
+      </p:cxnSp>
     </p:spTree>
     <p:extLst>
       <p:ext uri="{BB962C8B-B14F-4D97-AF65-F5344CB8AC3E}">
@@ -5764,7 +5764,7 @@
                                           </p:stCondLst>
                                         </p:cTn>
                                         <p:tgtEl>
-                                          <p:spTgt spid="7"/>
+                                          <p:spTgt spid="9"/>
                                         </p:tgtEl>
                                         <p:attrNameLst>
                                           <p:attrName>style.visibility</p:attrName>
@@ -5778,7 +5778,7 @@
                                       <p:cBhvr>
                                         <p:cTn id="13" dur="1000"/>
                                         <p:tgtEl>
-                                          <p:spTgt spid="7"/>
+                                          <p:spTgt spid="9"/>
                                         </p:tgtEl>
                                       </p:cBhvr>
                                     </p:animEffect>
@@ -5786,7 +5786,7 @@
                                       <p:cBhvr>
                                         <p:cTn id="14" dur="1000" fill="hold"/>
                                         <p:tgtEl>
-                                          <p:spTgt spid="7"/>
+                                          <p:spTgt spid="9"/>
                                         </p:tgtEl>
                                         <p:attrNameLst>
                                           <p:attrName>ppt_x</p:attrName>
@@ -5809,7 +5809,7 @@
                                       <p:cBhvr>
                                         <p:cTn id="15" dur="1000" fill="hold"/>
                                         <p:tgtEl>
-                                          <p:spTgt spid="7"/>
+                                          <p:spTgt spid="9"/>
                                         </p:tgtEl>
                                         <p:attrNameLst>
                                           <p:attrName>ppt_y</p:attrName>
@@ -5895,7 +5895,7 @@
                             </p:stCondLst>
                             <p:childTnLst>
                               <p:par>
-                                <p:cTn id="22" presetID="1" presetClass="exit" presetSubtype="0" fill="hold" nodeType="clickEffect">
+                                <p:cTn id="22" presetID="1" presetClass="exit" presetSubtype="0" fill="hold" grpId="1" nodeType="clickEffect">
                                   <p:stCondLst>
                                     <p:cond delay="0"/>
                                   </p:stCondLst>
@@ -5908,7 +5908,7 @@
                                           </p:stCondLst>
                                         </p:cTn>
                                         <p:tgtEl>
-                                          <p:spTgt spid="7"/>
+                                          <p:spTgt spid="16"/>
                                         </p:tgtEl>
                                         <p:attrNameLst>
                                           <p:attrName>style.visibility</p:attrName>
@@ -5922,7 +5922,7 @@
                                 </p:cTn>
                               </p:par>
                               <p:par>
-                                <p:cTn id="24" presetID="1" presetClass="entr" presetSubtype="0" fill="hold" nodeType="withEffect">
+                                <p:cTn id="24" presetID="1" presetClass="exit" presetSubtype="0" fill="hold" nodeType="withEffect">
                                   <p:stCondLst>
                                     <p:cond delay="0"/>
                                   </p:stCondLst>
@@ -5930,6 +5930,33 @@
                                     <p:set>
                                       <p:cBhvr>
                                         <p:cTn id="25" dur="1" fill="hold">
+                                          <p:stCondLst>
+                                            <p:cond delay="0"/>
+                                          </p:stCondLst>
+                                        </p:cTn>
+                                        <p:tgtEl>
+                                          <p:spTgt spid="9"/>
+                                        </p:tgtEl>
+                                        <p:attrNameLst>
+                                          <p:attrName>style.visibility</p:attrName>
+                                        </p:attrNameLst>
+                                      </p:cBhvr>
+                                      <p:to>
+                                        <p:strVal val="hidden"/>
+                                      </p:to>
+                                    </p:set>
+                                  </p:childTnLst>
+                                </p:cTn>
+                              </p:par>
+                              <p:par>
+                                <p:cTn id="26" presetID="1" presetClass="entr" presetSubtype="0" fill="hold" nodeType="withEffect">
+                                  <p:stCondLst>
+                                    <p:cond delay="0"/>
+                                  </p:stCondLst>
+                                  <p:childTnLst>
+                                    <p:set>
+                                      <p:cBhvr>
+                                        <p:cTn id="27" dur="1" fill="hold">
                                           <p:stCondLst>
                                             <p:cond delay="0"/>
                                           </p:stCondLst>
@@ -5943,33 +5970,6 @@
                                       </p:cBhvr>
                                       <p:to>
                                         <p:strVal val="visible"/>
-                                      </p:to>
-                                    </p:set>
-                                  </p:childTnLst>
-                                </p:cTn>
-                              </p:par>
-                              <p:par>
-                                <p:cTn id="26" presetID="1" presetClass="exit" presetSubtype="0" fill="hold" grpId="1" nodeType="withEffect">
-                                  <p:stCondLst>
-                                    <p:cond delay="0"/>
-                                  </p:stCondLst>
-                                  <p:childTnLst>
-                                    <p:set>
-                                      <p:cBhvr>
-                                        <p:cTn id="27" dur="1" fill="hold">
-                                          <p:stCondLst>
-                                            <p:cond delay="0"/>
-                                          </p:stCondLst>
-                                        </p:cTn>
-                                        <p:tgtEl>
-                                          <p:spTgt spid="16"/>
-                                        </p:tgtEl>
-                                        <p:attrNameLst>
-                                          <p:attrName>style.visibility</p:attrName>
-                                        </p:attrNameLst>
-                                      </p:cBhvr>
-                                      <p:to>
-                                        <p:strVal val="hidden"/>
                                       </p:to>
                                     </p:set>
                                   </p:childTnLst>
@@ -6220,10 +6220,10 @@
     </p:tnLst>
     <p:bldLst>
       <p:bldP spid="8" grpId="0"/>
-      <p:bldP spid="12" grpId="0"/>
       <p:bldP spid="16" grpId="0"/>
       <p:bldP spid="16" grpId="1"/>
       <p:bldP spid="17" grpId="0"/>
+      <p:bldP spid="12" grpId="0"/>
     </p:bldLst>
   </p:timing>
 </p:sld>
@@ -6276,91 +6276,9 @@
           </a:prstGeom>
         </p:spPr>
       </p:pic>
-      <p:sp>
-        <p:nvSpPr>
-          <p:cNvPr id="3" name="Rechteck 2"/>
-          <p:cNvSpPr/>
-          <p:nvPr/>
-        </p:nvSpPr>
-        <p:spPr>
-          <a:xfrm>
-            <a:off x="0" y="1017387"/>
-            <a:ext cx="9144000" cy="36659"/>
-          </a:xfrm>
-          <a:prstGeom prst="rect">
-            <a:avLst/>
-          </a:prstGeom>
-          <a:solidFill>
-            <a:srgbClr val="7030A0"/>
-          </a:solidFill>
-          <a:ln>
-            <a:solidFill>
-              <a:srgbClr val="7030A0"/>
-            </a:solidFill>
-          </a:ln>
-        </p:spPr>
-        <p:style>
-          <a:lnRef idx="2">
-            <a:schemeClr val="accent1">
-              <a:shade val="50000"/>
-            </a:schemeClr>
-          </a:lnRef>
-          <a:fillRef idx="1">
-            <a:schemeClr val="accent1"/>
-          </a:fillRef>
-          <a:effectRef idx="0">
-            <a:schemeClr val="accent1"/>
-          </a:effectRef>
-          <a:fontRef idx="minor">
-            <a:schemeClr val="lt1"/>
-          </a:fontRef>
-        </p:style>
-        <p:txBody>
-          <a:bodyPr rtlCol="0" anchor="ctr"/>
-          <a:lstStyle/>
-          <a:p>
-            <a:pPr algn="ctr"/>
-            <a:endParaRPr lang="de-DE"/>
-          </a:p>
-        </p:txBody>
-      </p:sp>
-      <p:sp>
-        <p:nvSpPr>
-          <p:cNvPr id="4" name="Textfeld 3"/>
-          <p:cNvSpPr txBox="1"/>
-          <p:nvPr/>
-        </p:nvSpPr>
-        <p:spPr>
-          <a:xfrm>
-            <a:off x="5508104" y="274349"/>
-            <a:ext cx="1579278" cy="584775"/>
-          </a:xfrm>
-          <a:prstGeom prst="rect">
-            <a:avLst/>
-          </a:prstGeom>
-          <a:noFill/>
-        </p:spPr>
-        <p:txBody>
-          <a:bodyPr wrap="none" rtlCol="0">
-            <a:spAutoFit/>
-          </a:bodyPr>
-          <a:lstStyle/>
-          <a:p>
-            <a:r>
-              <a:rPr lang="de-DE" sz="3200" dirty="0" smtClean="0">
-                <a:latin typeface="Rockwell" panose="02060603020205020403" pitchFamily="18" charset="0"/>
-              </a:rPr>
-              <a:t>Models</a:t>
-            </a:r>
-            <a:endParaRPr lang="de-DE" dirty="0">
-              <a:latin typeface="Rockwell" panose="02060603020205020403" pitchFamily="18" charset="0"/>
-            </a:endParaRPr>
-          </a:p>
-        </p:txBody>
-      </p:sp>
       <p:pic>
         <p:nvPicPr>
-          <p:cNvPr id="5" name="Grafik 4"/>
+          <p:cNvPr id="11" name="Grafik 10"/>
           <p:cNvPicPr>
             <a:picLocks noChangeAspect="1"/>
           </p:cNvPicPr>
@@ -6380,14 +6298,96 @@
         </p:blipFill>
         <p:spPr>
           <a:xfrm>
-            <a:off x="0" y="1067651"/>
-            <a:ext cx="3159110" cy="5790349"/>
+            <a:off x="1" y="1069200"/>
+            <a:ext cx="4012989" cy="5788800"/>
           </a:xfrm>
           <a:prstGeom prst="rect">
             <a:avLst/>
           </a:prstGeom>
         </p:spPr>
       </p:pic>
+      <p:sp>
+        <p:nvSpPr>
+          <p:cNvPr id="3" name="Rechteck 2"/>
+          <p:cNvSpPr/>
+          <p:nvPr/>
+        </p:nvSpPr>
+        <p:spPr>
+          <a:xfrm>
+            <a:off x="0" y="1017387"/>
+            <a:ext cx="9144000" cy="36659"/>
+          </a:xfrm>
+          <a:prstGeom prst="rect">
+            <a:avLst/>
+          </a:prstGeom>
+          <a:solidFill>
+            <a:srgbClr val="7030A0"/>
+          </a:solidFill>
+          <a:ln>
+            <a:solidFill>
+              <a:srgbClr val="7030A0"/>
+            </a:solidFill>
+          </a:ln>
+        </p:spPr>
+        <p:style>
+          <a:lnRef idx="2">
+            <a:schemeClr val="accent1">
+              <a:shade val="50000"/>
+            </a:schemeClr>
+          </a:lnRef>
+          <a:fillRef idx="1">
+            <a:schemeClr val="accent1"/>
+          </a:fillRef>
+          <a:effectRef idx="0">
+            <a:schemeClr val="accent1"/>
+          </a:effectRef>
+          <a:fontRef idx="minor">
+            <a:schemeClr val="lt1"/>
+          </a:fontRef>
+        </p:style>
+        <p:txBody>
+          <a:bodyPr rtlCol="0" anchor="ctr"/>
+          <a:lstStyle/>
+          <a:p>
+            <a:pPr algn="ctr"/>
+            <a:endParaRPr lang="de-DE"/>
+          </a:p>
+        </p:txBody>
+      </p:sp>
+      <p:sp>
+        <p:nvSpPr>
+          <p:cNvPr id="4" name="Textfeld 3"/>
+          <p:cNvSpPr txBox="1"/>
+          <p:nvPr/>
+        </p:nvSpPr>
+        <p:spPr>
+          <a:xfrm>
+            <a:off x="5508104" y="274349"/>
+            <a:ext cx="1579278" cy="584775"/>
+          </a:xfrm>
+          <a:prstGeom prst="rect">
+            <a:avLst/>
+          </a:prstGeom>
+          <a:noFill/>
+        </p:spPr>
+        <p:txBody>
+          <a:bodyPr wrap="none" rtlCol="0">
+            <a:spAutoFit/>
+          </a:bodyPr>
+          <a:lstStyle/>
+          <a:p>
+            <a:r>
+              <a:rPr lang="de-DE" sz="3200" dirty="0" smtClean="0">
+                <a:latin typeface="Rockwell" panose="02060603020205020403" pitchFamily="18" charset="0"/>
+              </a:rPr>
+              <a:t>Models</a:t>
+            </a:r>
+            <a:endParaRPr lang="de-DE" dirty="0">
+              <a:latin typeface="Rockwell" panose="02060603020205020403" pitchFamily="18" charset="0"/>
+            </a:endParaRPr>
+          </a:p>
+        </p:txBody>
+      </p:sp>
       <p:cxnSp>
         <p:nvCxnSpPr>
           <p:cNvPr id="7" name="Gerade Verbindung 6"/>
@@ -6396,7 +6396,7 @@
         </p:nvCxnSpPr>
         <p:spPr>
           <a:xfrm>
-            <a:off x="1691680" y="4653136"/>
+            <a:off x="1763688" y="4581128"/>
             <a:ext cx="0" cy="432048"/>
           </a:xfrm>
           <a:prstGeom prst="line">
@@ -6423,9 +6423,37 @@
           </a:fontRef>
         </p:style>
       </p:cxnSp>
+      <p:sp>
+        <p:nvSpPr>
+          <p:cNvPr id="10" name="Fußzeilenplatzhalter 9"/>
+          <p:cNvSpPr>
+            <a:spLocks noGrp="1"/>
+          </p:cNvSpPr>
+          <p:nvPr>
+            <p:ph type="ftr" sz="quarter" idx="11"/>
+          </p:nvPr>
+        </p:nvSpPr>
+        <p:spPr>
+          <a:xfrm>
+            <a:off x="3124200" y="6480000"/>
+            <a:ext cx="2895600" cy="365125"/>
+          </a:xfrm>
+        </p:spPr>
+        <p:txBody>
+          <a:bodyPr/>
+          <a:lstStyle/>
+          <a:p>
+            <a:r>
+              <a:rPr lang="de-DE" smtClean="0"/>
+              <a:t>Steffen Koch &amp; Andreas Muss</a:t>
+            </a:r>
+            <a:endParaRPr lang="de-DE"/>
+          </a:p>
+        </p:txBody>
+      </p:sp>
       <p:pic>
         <p:nvPicPr>
-          <p:cNvPr id="8" name="Grafik 7"/>
+          <p:cNvPr id="12" name="Grafik 11"/>
           <p:cNvPicPr>
             <a:picLocks noChangeAspect="1"/>
           </p:cNvPicPr>
@@ -6455,7 +6483,7 @@
       </p:pic>
       <p:pic>
         <p:nvPicPr>
-          <p:cNvPr id="9" name="Grafik 8"/>
+          <p:cNvPr id="13" name="Grafik 12"/>
           <p:cNvPicPr>
             <a:picLocks noChangeAspect="1"/>
           </p:cNvPicPr>
@@ -6483,34 +6511,6 @@
           </a:prstGeom>
         </p:spPr>
       </p:pic>
-      <p:sp>
-        <p:nvSpPr>
-          <p:cNvPr id="10" name="Fußzeilenplatzhalter 9"/>
-          <p:cNvSpPr>
-            <a:spLocks noGrp="1"/>
-          </p:cNvSpPr>
-          <p:nvPr>
-            <p:ph type="ftr" sz="quarter" idx="11"/>
-          </p:nvPr>
-        </p:nvSpPr>
-        <p:spPr>
-          <a:xfrm>
-            <a:off x="3124200" y="6480000"/>
-            <a:ext cx="2895600" cy="365125"/>
-          </a:xfrm>
-        </p:spPr>
-        <p:txBody>
-          <a:bodyPr/>
-          <a:lstStyle/>
-          <a:p>
-            <a:r>
-              <a:rPr lang="de-DE" smtClean="0"/>
-              <a:t>Steffen Koch &amp; Andreas Muss</a:t>
-            </a:r>
-            <a:endParaRPr lang="de-DE"/>
-          </a:p>
-        </p:txBody>
-      </p:sp>
     </p:spTree>
     <p:extLst>
       <p:ext uri="{BB962C8B-B14F-4D97-AF65-F5344CB8AC3E}">
@@ -6555,7 +6555,7 @@
                                           </p:stCondLst>
                                         </p:cTn>
                                         <p:tgtEl>
-                                          <p:spTgt spid="8"/>
+                                          <p:spTgt spid="12"/>
                                         </p:tgtEl>
                                         <p:attrNameLst>
                                           <p:attrName>style.visibility</p:attrName>
@@ -6569,7 +6569,7 @@
                                       <p:cBhvr>
                                         <p:cTn id="7" dur="1000"/>
                                         <p:tgtEl>
-                                          <p:spTgt spid="8"/>
+                                          <p:spTgt spid="12"/>
                                         </p:tgtEl>
                                       </p:cBhvr>
                                     </p:animEffect>
@@ -6577,7 +6577,7 @@
                                       <p:cBhvr>
                                         <p:cTn id="8" dur="1000" fill="hold"/>
                                         <p:tgtEl>
-                                          <p:spTgt spid="8"/>
+                                          <p:spTgt spid="12"/>
                                         </p:tgtEl>
                                         <p:attrNameLst>
                                           <p:attrName>ppt_x</p:attrName>
@@ -6600,7 +6600,7 @@
                                       <p:cBhvr>
                                         <p:cTn id="9" dur="1000" fill="hold"/>
                                         <p:tgtEl>
-                                          <p:spTgt spid="8"/>
+                                          <p:spTgt spid="12"/>
                                         </p:tgtEl>
                                         <p:attrNameLst>
                                           <p:attrName>ppt_y</p:attrName>
@@ -6654,7 +6654,7 @@
                                           </p:stCondLst>
                                         </p:cTn>
                                         <p:tgtEl>
-                                          <p:spTgt spid="9"/>
+                                          <p:spTgt spid="13"/>
                                         </p:tgtEl>
                                         <p:attrNameLst>
                                           <p:attrName>style.visibility</p:attrName>
@@ -6668,7 +6668,7 @@
                                       <p:cBhvr>
                                         <p:cTn id="14" dur="1000"/>
                                         <p:tgtEl>
-                                          <p:spTgt spid="9"/>
+                                          <p:spTgt spid="13"/>
                                         </p:tgtEl>
                                       </p:cBhvr>
                                     </p:animEffect>
@@ -6676,7 +6676,7 @@
                                       <p:cBhvr>
                                         <p:cTn id="15" dur="1000" fill="hold"/>
                                         <p:tgtEl>
-                                          <p:spTgt spid="9"/>
+                                          <p:spTgt spid="13"/>
                                         </p:tgtEl>
                                         <p:attrNameLst>
                                           <p:attrName>ppt_x</p:attrName>
@@ -6699,7 +6699,7 @@
                                       <p:cBhvr>
                                         <p:cTn id="16" dur="1000" fill="hold"/>
                                         <p:tgtEl>
-                                          <p:spTgt spid="9"/>
+                                          <p:spTgt spid="13"/>
                                         </p:tgtEl>
                                         <p:attrNameLst>
                                           <p:attrName>ppt_y</p:attrName>
@@ -6799,91 +6799,9 @@
           </a:prstGeom>
         </p:spPr>
       </p:pic>
-      <p:sp>
-        <p:nvSpPr>
-          <p:cNvPr id="3" name="Rechteck 2"/>
-          <p:cNvSpPr/>
-          <p:nvPr/>
-        </p:nvSpPr>
-        <p:spPr>
-          <a:xfrm>
-            <a:off x="0" y="1017387"/>
-            <a:ext cx="9144000" cy="36659"/>
-          </a:xfrm>
-          <a:prstGeom prst="rect">
-            <a:avLst/>
-          </a:prstGeom>
-          <a:solidFill>
-            <a:srgbClr val="7030A0"/>
-          </a:solidFill>
-          <a:ln>
-            <a:solidFill>
-              <a:srgbClr val="7030A0"/>
-            </a:solidFill>
-          </a:ln>
-        </p:spPr>
-        <p:style>
-          <a:lnRef idx="2">
-            <a:schemeClr val="accent1">
-              <a:shade val="50000"/>
-            </a:schemeClr>
-          </a:lnRef>
-          <a:fillRef idx="1">
-            <a:schemeClr val="accent1"/>
-          </a:fillRef>
-          <a:effectRef idx="0">
-            <a:schemeClr val="accent1"/>
-          </a:effectRef>
-          <a:fontRef idx="minor">
-            <a:schemeClr val="lt1"/>
-          </a:fontRef>
-        </p:style>
-        <p:txBody>
-          <a:bodyPr rtlCol="0" anchor="ctr"/>
-          <a:lstStyle/>
-          <a:p>
-            <a:pPr algn="ctr"/>
-            <a:endParaRPr lang="de-DE"/>
-          </a:p>
-        </p:txBody>
-      </p:sp>
-      <p:sp>
-        <p:nvSpPr>
-          <p:cNvPr id="4" name="Textfeld 3"/>
-          <p:cNvSpPr txBox="1"/>
-          <p:nvPr/>
-        </p:nvSpPr>
-        <p:spPr>
-          <a:xfrm>
-            <a:off x="5508104" y="274349"/>
-            <a:ext cx="1423788" cy="584775"/>
-          </a:xfrm>
-          <a:prstGeom prst="rect">
-            <a:avLst/>
-          </a:prstGeom>
-          <a:noFill/>
-        </p:spPr>
-        <p:txBody>
-          <a:bodyPr wrap="none" rtlCol="0">
-            <a:spAutoFit/>
-          </a:bodyPr>
-          <a:lstStyle/>
-          <a:p>
-            <a:r>
-              <a:rPr lang="de-DE" sz="3200" dirty="0" err="1" smtClean="0">
-                <a:latin typeface="Rockwell" panose="02060603020205020403" pitchFamily="18" charset="0"/>
-              </a:rPr>
-              <a:t>SQLite</a:t>
-            </a:r>
-            <a:endParaRPr lang="de-DE" dirty="0">
-              <a:latin typeface="Rockwell" panose="02060603020205020403" pitchFamily="18" charset="0"/>
-            </a:endParaRPr>
-          </a:p>
-        </p:txBody>
-      </p:sp>
       <p:pic>
         <p:nvPicPr>
-          <p:cNvPr id="5" name="Grafik 4"/>
+          <p:cNvPr id="10" name="Grafik 9"/>
           <p:cNvPicPr>
             <a:picLocks noChangeAspect="1"/>
           </p:cNvPicPr>
@@ -6903,14 +6821,96 @@
         </p:blipFill>
         <p:spPr>
           <a:xfrm>
-            <a:off x="0" y="1069199"/>
-            <a:ext cx="3707904" cy="5775925"/>
+            <a:off x="1" y="1069200"/>
+            <a:ext cx="4012989" cy="5788800"/>
           </a:xfrm>
           <a:prstGeom prst="rect">
             <a:avLst/>
           </a:prstGeom>
         </p:spPr>
       </p:pic>
+      <p:sp>
+        <p:nvSpPr>
+          <p:cNvPr id="3" name="Rechteck 2"/>
+          <p:cNvSpPr/>
+          <p:nvPr/>
+        </p:nvSpPr>
+        <p:spPr>
+          <a:xfrm>
+            <a:off x="0" y="1017387"/>
+            <a:ext cx="9144000" cy="36659"/>
+          </a:xfrm>
+          <a:prstGeom prst="rect">
+            <a:avLst/>
+          </a:prstGeom>
+          <a:solidFill>
+            <a:srgbClr val="7030A0"/>
+          </a:solidFill>
+          <a:ln>
+            <a:solidFill>
+              <a:srgbClr val="7030A0"/>
+            </a:solidFill>
+          </a:ln>
+        </p:spPr>
+        <p:style>
+          <a:lnRef idx="2">
+            <a:schemeClr val="accent1">
+              <a:shade val="50000"/>
+            </a:schemeClr>
+          </a:lnRef>
+          <a:fillRef idx="1">
+            <a:schemeClr val="accent1"/>
+          </a:fillRef>
+          <a:effectRef idx="0">
+            <a:schemeClr val="accent1"/>
+          </a:effectRef>
+          <a:fontRef idx="minor">
+            <a:schemeClr val="lt1"/>
+          </a:fontRef>
+        </p:style>
+        <p:txBody>
+          <a:bodyPr rtlCol="0" anchor="ctr"/>
+          <a:lstStyle/>
+          <a:p>
+            <a:pPr algn="ctr"/>
+            <a:endParaRPr lang="de-DE"/>
+          </a:p>
+        </p:txBody>
+      </p:sp>
+      <p:sp>
+        <p:nvSpPr>
+          <p:cNvPr id="4" name="Textfeld 3"/>
+          <p:cNvSpPr txBox="1"/>
+          <p:nvPr/>
+        </p:nvSpPr>
+        <p:spPr>
+          <a:xfrm>
+            <a:off x="5508104" y="274349"/>
+            <a:ext cx="1423788" cy="584775"/>
+          </a:xfrm>
+          <a:prstGeom prst="rect">
+            <a:avLst/>
+          </a:prstGeom>
+          <a:noFill/>
+        </p:spPr>
+        <p:txBody>
+          <a:bodyPr wrap="none" rtlCol="0">
+            <a:spAutoFit/>
+          </a:bodyPr>
+          <a:lstStyle/>
+          <a:p>
+            <a:r>
+              <a:rPr lang="de-DE" sz="3200" dirty="0" err="1" smtClean="0">
+                <a:latin typeface="Rockwell" panose="02060603020205020403" pitchFamily="18" charset="0"/>
+              </a:rPr>
+              <a:t>SQLite</a:t>
+            </a:r>
+            <a:endParaRPr lang="de-DE" dirty="0">
+              <a:latin typeface="Rockwell" panose="02060603020205020403" pitchFamily="18" charset="0"/>
+            </a:endParaRPr>
+          </a:p>
+        </p:txBody>
+      </p:sp>
       <p:cxnSp>
         <p:nvCxnSpPr>
           <p:cNvPr id="11" name="Gerade Verbindung 10"/>
@@ -6919,7 +6919,7 @@
         </p:nvCxnSpPr>
         <p:spPr>
           <a:xfrm>
-            <a:off x="1835696" y="2780928"/>
+            <a:off x="2022017" y="2636912"/>
             <a:ext cx="0" cy="504056"/>
           </a:xfrm>
           <a:prstGeom prst="line">
@@ -6976,7 +6976,7 @@
       </p:sp>
       <p:pic>
         <p:nvPicPr>
-          <p:cNvPr id="21" name="Grafik 20"/>
+          <p:cNvPr id="12" name="Grafik 11"/>
           <p:cNvPicPr>
             <a:picLocks noChangeAspect="1"/>
           </p:cNvPicPr>
@@ -7006,7 +7006,7 @@
       </p:pic>
       <p:pic>
         <p:nvPicPr>
-          <p:cNvPr id="22" name="Grafik 21"/>
+          <p:cNvPr id="13" name="Grafik 12"/>
           <p:cNvPicPr>
             <a:picLocks noChangeAspect="1"/>
           </p:cNvPicPr>
@@ -7078,7 +7078,7 @@
                                           </p:stCondLst>
                                         </p:cTn>
                                         <p:tgtEl>
-                                          <p:spTgt spid="21"/>
+                                          <p:spTgt spid="12"/>
                                         </p:tgtEl>
                                         <p:attrNameLst>
                                           <p:attrName>style.visibility</p:attrName>
@@ -7092,7 +7092,7 @@
                                       <p:cBhvr>
                                         <p:cTn id="7" dur="1000"/>
                                         <p:tgtEl>
-                                          <p:spTgt spid="21"/>
+                                          <p:spTgt spid="12"/>
                                         </p:tgtEl>
                                       </p:cBhvr>
                                     </p:animEffect>
@@ -7100,7 +7100,7 @@
                                       <p:cBhvr>
                                         <p:cTn id="8" dur="1000" fill="hold"/>
                                         <p:tgtEl>
-                                          <p:spTgt spid="21"/>
+                                          <p:spTgt spid="12"/>
                                         </p:tgtEl>
                                         <p:attrNameLst>
                                           <p:attrName>ppt_x</p:attrName>
@@ -7123,7 +7123,7 @@
                                       <p:cBhvr>
                                         <p:cTn id="9" dur="1000" fill="hold"/>
                                         <p:tgtEl>
-                                          <p:spTgt spid="21"/>
+                                          <p:spTgt spid="12"/>
                                         </p:tgtEl>
                                         <p:attrNameLst>
                                           <p:attrName>ppt_y</p:attrName>
@@ -7177,7 +7177,7 @@
                                           </p:stCondLst>
                                         </p:cTn>
                                         <p:tgtEl>
-                                          <p:spTgt spid="22"/>
+                                          <p:spTgt spid="13"/>
                                         </p:tgtEl>
                                         <p:attrNameLst>
                                           <p:attrName>style.visibility</p:attrName>
@@ -7191,7 +7191,7 @@
                                       <p:cBhvr>
                                         <p:cTn id="14" dur="1000"/>
                                         <p:tgtEl>
-                                          <p:spTgt spid="22"/>
+                                          <p:spTgt spid="13"/>
                                         </p:tgtEl>
                                       </p:cBhvr>
                                     </p:animEffect>
@@ -7199,7 +7199,7 @@
                                       <p:cBhvr>
                                         <p:cTn id="15" dur="1000" fill="hold"/>
                                         <p:tgtEl>
-                                          <p:spTgt spid="22"/>
+                                          <p:spTgt spid="13"/>
                                         </p:tgtEl>
                                         <p:attrNameLst>
                                           <p:attrName>ppt_x</p:attrName>
@@ -7222,7 +7222,7 @@
                                       <p:cBhvr>
                                         <p:cTn id="16" dur="1000" fill="hold"/>
                                         <p:tgtEl>
-                                          <p:spTgt spid="22"/>
+                                          <p:spTgt spid="13"/>
                                         </p:tgtEl>
                                         <p:attrNameLst>
                                           <p:attrName>ppt_y</p:attrName>
@@ -7322,91 +7322,9 @@
           </a:prstGeom>
         </p:spPr>
       </p:pic>
-      <p:sp>
-        <p:nvSpPr>
-          <p:cNvPr id="3" name="Rechteck 2"/>
-          <p:cNvSpPr/>
-          <p:nvPr/>
-        </p:nvSpPr>
-        <p:spPr>
-          <a:xfrm>
-            <a:off x="0" y="1017387"/>
-            <a:ext cx="9144000" cy="36659"/>
-          </a:xfrm>
-          <a:prstGeom prst="rect">
-            <a:avLst/>
-          </a:prstGeom>
-          <a:solidFill>
-            <a:srgbClr val="7030A0"/>
-          </a:solidFill>
-          <a:ln>
-            <a:solidFill>
-              <a:srgbClr val="7030A0"/>
-            </a:solidFill>
-          </a:ln>
-        </p:spPr>
-        <p:style>
-          <a:lnRef idx="2">
-            <a:schemeClr val="accent1">
-              <a:shade val="50000"/>
-            </a:schemeClr>
-          </a:lnRef>
-          <a:fillRef idx="1">
-            <a:schemeClr val="accent1"/>
-          </a:fillRef>
-          <a:effectRef idx="0">
-            <a:schemeClr val="accent1"/>
-          </a:effectRef>
-          <a:fontRef idx="minor">
-            <a:schemeClr val="lt1"/>
-          </a:fontRef>
-        </p:style>
-        <p:txBody>
-          <a:bodyPr rtlCol="0" anchor="ctr"/>
-          <a:lstStyle/>
-          <a:p>
-            <a:pPr algn="ctr"/>
-            <a:endParaRPr lang="de-DE"/>
-          </a:p>
-        </p:txBody>
-      </p:sp>
-      <p:sp>
-        <p:nvSpPr>
-          <p:cNvPr id="4" name="Textfeld 3"/>
-          <p:cNvSpPr txBox="1"/>
-          <p:nvPr/>
-        </p:nvSpPr>
-        <p:spPr>
-          <a:xfrm>
-            <a:off x="5508104" y="274349"/>
-            <a:ext cx="1423788" cy="584775"/>
-          </a:xfrm>
-          <a:prstGeom prst="rect">
-            <a:avLst/>
-          </a:prstGeom>
-          <a:noFill/>
-        </p:spPr>
-        <p:txBody>
-          <a:bodyPr wrap="none" rtlCol="0">
-            <a:spAutoFit/>
-          </a:bodyPr>
-          <a:lstStyle/>
-          <a:p>
-            <a:r>
-              <a:rPr lang="de-DE" sz="3200" dirty="0" err="1" smtClean="0">
-                <a:latin typeface="Rockwell" panose="02060603020205020403" pitchFamily="18" charset="0"/>
-              </a:rPr>
-              <a:t>SQLite</a:t>
-            </a:r>
-            <a:endParaRPr lang="de-DE" dirty="0">
-              <a:latin typeface="Rockwell" panose="02060603020205020403" pitchFamily="18" charset="0"/>
-            </a:endParaRPr>
-          </a:p>
-        </p:txBody>
-      </p:sp>
       <p:pic>
         <p:nvPicPr>
-          <p:cNvPr id="15" name="Grafik 14"/>
+          <p:cNvPr id="10" name="Grafik 9"/>
           <p:cNvPicPr>
             <a:picLocks noChangeAspect="1"/>
           </p:cNvPicPr>
@@ -7426,14 +7344,96 @@
         </p:blipFill>
         <p:spPr>
           <a:xfrm>
-            <a:off x="0" y="1069199"/>
-            <a:ext cx="3707904" cy="5775925"/>
+            <a:off x="1" y="1069200"/>
+            <a:ext cx="4012989" cy="5788800"/>
           </a:xfrm>
           <a:prstGeom prst="rect">
             <a:avLst/>
           </a:prstGeom>
         </p:spPr>
       </p:pic>
+      <p:sp>
+        <p:nvSpPr>
+          <p:cNvPr id="3" name="Rechteck 2"/>
+          <p:cNvSpPr/>
+          <p:nvPr/>
+        </p:nvSpPr>
+        <p:spPr>
+          <a:xfrm>
+            <a:off x="0" y="1017387"/>
+            <a:ext cx="9144000" cy="36659"/>
+          </a:xfrm>
+          <a:prstGeom prst="rect">
+            <a:avLst/>
+          </a:prstGeom>
+          <a:solidFill>
+            <a:srgbClr val="7030A0"/>
+          </a:solidFill>
+          <a:ln>
+            <a:solidFill>
+              <a:srgbClr val="7030A0"/>
+            </a:solidFill>
+          </a:ln>
+        </p:spPr>
+        <p:style>
+          <a:lnRef idx="2">
+            <a:schemeClr val="accent1">
+              <a:shade val="50000"/>
+            </a:schemeClr>
+          </a:lnRef>
+          <a:fillRef idx="1">
+            <a:schemeClr val="accent1"/>
+          </a:fillRef>
+          <a:effectRef idx="0">
+            <a:schemeClr val="accent1"/>
+          </a:effectRef>
+          <a:fontRef idx="minor">
+            <a:schemeClr val="lt1"/>
+          </a:fontRef>
+        </p:style>
+        <p:txBody>
+          <a:bodyPr rtlCol="0" anchor="ctr"/>
+          <a:lstStyle/>
+          <a:p>
+            <a:pPr algn="ctr"/>
+            <a:endParaRPr lang="de-DE"/>
+          </a:p>
+        </p:txBody>
+      </p:sp>
+      <p:sp>
+        <p:nvSpPr>
+          <p:cNvPr id="4" name="Textfeld 3"/>
+          <p:cNvSpPr txBox="1"/>
+          <p:nvPr/>
+        </p:nvSpPr>
+        <p:spPr>
+          <a:xfrm>
+            <a:off x="5508104" y="274349"/>
+            <a:ext cx="1423788" cy="584775"/>
+          </a:xfrm>
+          <a:prstGeom prst="rect">
+            <a:avLst/>
+          </a:prstGeom>
+          <a:noFill/>
+        </p:spPr>
+        <p:txBody>
+          <a:bodyPr wrap="none" rtlCol="0">
+            <a:spAutoFit/>
+          </a:bodyPr>
+          <a:lstStyle/>
+          <a:p>
+            <a:r>
+              <a:rPr lang="de-DE" sz="3200" dirty="0" err="1" smtClean="0">
+                <a:latin typeface="Rockwell" panose="02060603020205020403" pitchFamily="18" charset="0"/>
+              </a:rPr>
+              <a:t>SQLite</a:t>
+            </a:r>
+            <a:endParaRPr lang="de-DE" dirty="0">
+              <a:latin typeface="Rockwell" panose="02060603020205020403" pitchFamily="18" charset="0"/>
+            </a:endParaRPr>
+          </a:p>
+        </p:txBody>
+      </p:sp>
       <p:pic>
         <p:nvPicPr>
           <p:cNvPr id="9" name="Grafik 8"/>
@@ -7823,7 +7823,6 @@
               <a:rPr lang="de-DE" dirty="0" smtClean="0"/>
               <a:t>Fragments</a:t>
             </a:r>
-            <a:endParaRPr lang="de-DE" dirty="0" smtClean="0"/>
           </a:p>
           <a:p>
             <a:pPr marL="742950" lvl="1" indent="-285750">
@@ -7841,7 +7840,6 @@
               <a:rPr lang="de-DE" dirty="0" smtClean="0"/>
               <a:t>Fingerprint einbinden</a:t>
             </a:r>
-            <a:endParaRPr lang="de-DE" dirty="0" smtClean="0"/>
           </a:p>
           <a:p>
             <a:pPr marL="285750" indent="-285750">
@@ -7859,7 +7857,6 @@
               <a:rPr lang="de-DE" dirty="0" smtClean="0"/>
               <a:t>Adapter für List</a:t>
             </a:r>
-            <a:endParaRPr lang="de-DE" dirty="0" smtClean="0"/>
           </a:p>
           <a:p>
             <a:pPr lvl="1"/>
@@ -9420,91 +9417,9 @@
           </a:prstGeom>
         </p:spPr>
       </p:pic>
-      <p:sp>
-        <p:nvSpPr>
-          <p:cNvPr id="3" name="Rechteck 2"/>
-          <p:cNvSpPr/>
-          <p:nvPr/>
-        </p:nvSpPr>
-        <p:spPr>
-          <a:xfrm>
-            <a:off x="0" y="1017387"/>
-            <a:ext cx="9144000" cy="36659"/>
-          </a:xfrm>
-          <a:prstGeom prst="rect">
-            <a:avLst/>
-          </a:prstGeom>
-          <a:solidFill>
-            <a:srgbClr val="7030A0"/>
-          </a:solidFill>
-          <a:ln>
-            <a:solidFill>
-              <a:srgbClr val="7030A0"/>
-            </a:solidFill>
-          </a:ln>
-        </p:spPr>
-        <p:style>
-          <a:lnRef idx="2">
-            <a:schemeClr val="accent1">
-              <a:shade val="50000"/>
-            </a:schemeClr>
-          </a:lnRef>
-          <a:fillRef idx="1">
-            <a:schemeClr val="accent1"/>
-          </a:fillRef>
-          <a:effectRef idx="0">
-            <a:schemeClr val="accent1"/>
-          </a:effectRef>
-          <a:fontRef idx="minor">
-            <a:schemeClr val="lt1"/>
-          </a:fontRef>
-        </p:style>
-        <p:txBody>
-          <a:bodyPr rtlCol="0" anchor="ctr"/>
-          <a:lstStyle/>
-          <a:p>
-            <a:pPr algn="ctr"/>
-            <a:endParaRPr lang="de-DE"/>
-          </a:p>
-        </p:txBody>
-      </p:sp>
-      <p:sp>
-        <p:nvSpPr>
-          <p:cNvPr id="4" name="Textfeld 3"/>
-          <p:cNvSpPr txBox="1"/>
-          <p:nvPr/>
-        </p:nvSpPr>
-        <p:spPr>
-          <a:xfrm>
-            <a:off x="5508104" y="274349"/>
-            <a:ext cx="1794658" cy="584775"/>
-          </a:xfrm>
-          <a:prstGeom prst="rect">
-            <a:avLst/>
-          </a:prstGeom>
-          <a:noFill/>
-        </p:spPr>
-        <p:txBody>
-          <a:bodyPr wrap="none" rtlCol="0">
-            <a:spAutoFit/>
-          </a:bodyPr>
-          <a:lstStyle/>
-          <a:p>
-            <a:r>
-              <a:rPr lang="de-DE" sz="3200" dirty="0" smtClean="0">
-                <a:latin typeface="Rockwell" panose="02060603020205020403" pitchFamily="18" charset="0"/>
-              </a:rPr>
-              <a:t>Manifest</a:t>
-            </a:r>
-            <a:endParaRPr lang="de-DE" dirty="0">
-              <a:latin typeface="Rockwell" panose="02060603020205020403" pitchFamily="18" charset="0"/>
-            </a:endParaRPr>
-          </a:p>
-        </p:txBody>
-      </p:sp>
       <p:pic>
         <p:nvPicPr>
-          <p:cNvPr id="5" name="Grafik 4"/>
+          <p:cNvPr id="8" name="Grafik 7"/>
           <p:cNvPicPr>
             <a:picLocks noChangeAspect="1"/>
           </p:cNvPicPr>
@@ -9524,14 +9439,96 @@
         </p:blipFill>
         <p:spPr>
           <a:xfrm>
-            <a:off x="0" y="1067651"/>
-            <a:ext cx="3159110" cy="5790349"/>
+            <a:off x="1" y="1069200"/>
+            <a:ext cx="4012989" cy="5788800"/>
           </a:xfrm>
           <a:prstGeom prst="rect">
             <a:avLst/>
           </a:prstGeom>
         </p:spPr>
       </p:pic>
+      <p:sp>
+        <p:nvSpPr>
+          <p:cNvPr id="3" name="Rechteck 2"/>
+          <p:cNvSpPr/>
+          <p:nvPr/>
+        </p:nvSpPr>
+        <p:spPr>
+          <a:xfrm>
+            <a:off x="0" y="1017387"/>
+            <a:ext cx="9144000" cy="36659"/>
+          </a:xfrm>
+          <a:prstGeom prst="rect">
+            <a:avLst/>
+          </a:prstGeom>
+          <a:solidFill>
+            <a:srgbClr val="7030A0"/>
+          </a:solidFill>
+          <a:ln>
+            <a:solidFill>
+              <a:srgbClr val="7030A0"/>
+            </a:solidFill>
+          </a:ln>
+        </p:spPr>
+        <p:style>
+          <a:lnRef idx="2">
+            <a:schemeClr val="accent1">
+              <a:shade val="50000"/>
+            </a:schemeClr>
+          </a:lnRef>
+          <a:fillRef idx="1">
+            <a:schemeClr val="accent1"/>
+          </a:fillRef>
+          <a:effectRef idx="0">
+            <a:schemeClr val="accent1"/>
+          </a:effectRef>
+          <a:fontRef idx="minor">
+            <a:schemeClr val="lt1"/>
+          </a:fontRef>
+        </p:style>
+        <p:txBody>
+          <a:bodyPr rtlCol="0" anchor="ctr"/>
+          <a:lstStyle/>
+          <a:p>
+            <a:pPr algn="ctr"/>
+            <a:endParaRPr lang="de-DE"/>
+          </a:p>
+        </p:txBody>
+      </p:sp>
+      <p:sp>
+        <p:nvSpPr>
+          <p:cNvPr id="4" name="Textfeld 3"/>
+          <p:cNvSpPr txBox="1"/>
+          <p:nvPr/>
+        </p:nvSpPr>
+        <p:spPr>
+          <a:xfrm>
+            <a:off x="5508104" y="274349"/>
+            <a:ext cx="1794658" cy="584775"/>
+          </a:xfrm>
+          <a:prstGeom prst="rect">
+            <a:avLst/>
+          </a:prstGeom>
+          <a:noFill/>
+        </p:spPr>
+        <p:txBody>
+          <a:bodyPr wrap="none" rtlCol="0">
+            <a:spAutoFit/>
+          </a:bodyPr>
+          <a:lstStyle/>
+          <a:p>
+            <a:r>
+              <a:rPr lang="de-DE" sz="3200" dirty="0" smtClean="0">
+                <a:latin typeface="Rockwell" panose="02060603020205020403" pitchFamily="18" charset="0"/>
+              </a:rPr>
+              <a:t>Manifest</a:t>
+            </a:r>
+            <a:endParaRPr lang="de-DE" dirty="0">
+              <a:latin typeface="Rockwell" panose="02060603020205020403" pitchFamily="18" charset="0"/>
+            </a:endParaRPr>
+          </a:p>
+        </p:txBody>
+      </p:sp>
       <p:pic>
         <p:nvPicPr>
           <p:cNvPr id="6" name="Grafik 5"/>
@@ -9590,6 +9587,41 @@
           </a:p>
         </p:txBody>
       </p:sp>
+      <p:cxnSp>
+        <p:nvCxnSpPr>
+          <p:cNvPr id="10" name="Gerade Verbindung 9"/>
+          <p:cNvCxnSpPr/>
+          <p:nvPr/>
+        </p:nvCxnSpPr>
+        <p:spPr>
+          <a:xfrm>
+            <a:off x="1691680" y="1412776"/>
+            <a:ext cx="0" cy="144016"/>
+          </a:xfrm>
+          <a:prstGeom prst="line">
+            <a:avLst/>
+          </a:prstGeom>
+          <a:ln w="25400">
+            <a:solidFill>
+              <a:srgbClr val="7030A0"/>
+            </a:solidFill>
+          </a:ln>
+        </p:spPr>
+        <p:style>
+          <a:lnRef idx="1">
+            <a:schemeClr val="accent1"/>
+          </a:lnRef>
+          <a:fillRef idx="0">
+            <a:schemeClr val="accent1"/>
+          </a:fillRef>
+          <a:effectRef idx="0">
+            <a:schemeClr val="accent1"/>
+          </a:effectRef>
+          <a:fontRef idx="minor">
+            <a:schemeClr val="tx1"/>
+          </a:fontRef>
+        </p:style>
+      </p:cxnSp>
     </p:spTree>
     <p:extLst>
       <p:ext uri="{BB962C8B-B14F-4D97-AF65-F5344CB8AC3E}">
@@ -9751,14 +9783,14 @@
       </p:grpSpPr>
       <p:pic>
         <p:nvPicPr>
-          <p:cNvPr id="2" name="Grafik 1"/>
+          <p:cNvPr id="7" name="Grafik 6"/>
           <p:cNvPicPr>
             <a:picLocks noChangeAspect="1"/>
           </p:cNvPicPr>
           <p:nvPr/>
         </p:nvPicPr>
         <p:blipFill>
-          <a:blip r:embed="rId2">
+          <a:blip r:embed="rId2" cstate="print">
             <a:extLst>
               <a:ext uri="{28A0092B-C50C-407E-A947-70E740481C1C}">
                 <a14:useLocalDpi xmlns:a14="http://schemas.microsoft.com/office/drawing/2010/main" val="0"/>
@@ -9771,99 +9803,17 @@
         </p:blipFill>
         <p:spPr>
           <a:xfrm>
-            <a:off x="0" y="0"/>
-            <a:ext cx="2619375" cy="1133475"/>
+            <a:off x="5520262" y="1258090"/>
+            <a:ext cx="2941425" cy="5229200"/>
           </a:xfrm>
           <a:prstGeom prst="rect">
             <a:avLst/>
           </a:prstGeom>
         </p:spPr>
       </p:pic>
-      <p:sp>
-        <p:nvSpPr>
-          <p:cNvPr id="3" name="Rechteck 2"/>
-          <p:cNvSpPr/>
-          <p:nvPr/>
-        </p:nvSpPr>
-        <p:spPr>
-          <a:xfrm>
-            <a:off x="0" y="1017387"/>
-            <a:ext cx="9144000" cy="36659"/>
-          </a:xfrm>
-          <a:prstGeom prst="rect">
-            <a:avLst/>
-          </a:prstGeom>
-          <a:solidFill>
-            <a:srgbClr val="7030A0"/>
-          </a:solidFill>
-          <a:ln>
-            <a:solidFill>
-              <a:srgbClr val="7030A0"/>
-            </a:solidFill>
-          </a:ln>
-        </p:spPr>
-        <p:style>
-          <a:lnRef idx="2">
-            <a:schemeClr val="accent1">
-              <a:shade val="50000"/>
-            </a:schemeClr>
-          </a:lnRef>
-          <a:fillRef idx="1">
-            <a:schemeClr val="accent1"/>
-          </a:fillRef>
-          <a:effectRef idx="0">
-            <a:schemeClr val="accent1"/>
-          </a:effectRef>
-          <a:fontRef idx="minor">
-            <a:schemeClr val="lt1"/>
-          </a:fontRef>
-        </p:style>
-        <p:txBody>
-          <a:bodyPr rtlCol="0" anchor="ctr"/>
-          <a:lstStyle/>
-          <a:p>
-            <a:pPr algn="ctr"/>
-            <a:endParaRPr lang="de-DE"/>
-          </a:p>
-        </p:txBody>
-      </p:sp>
-      <p:sp>
-        <p:nvSpPr>
-          <p:cNvPr id="4" name="Textfeld 3"/>
-          <p:cNvSpPr txBox="1"/>
-          <p:nvPr/>
-        </p:nvSpPr>
-        <p:spPr>
-          <a:xfrm>
-            <a:off x="5508104" y="274349"/>
-            <a:ext cx="1253869" cy="584775"/>
-          </a:xfrm>
-          <a:prstGeom prst="rect">
-            <a:avLst/>
-          </a:prstGeom>
-          <a:noFill/>
-        </p:spPr>
-        <p:txBody>
-          <a:bodyPr wrap="none" rtlCol="0">
-            <a:spAutoFit/>
-          </a:bodyPr>
-          <a:lstStyle/>
-          <a:p>
-            <a:r>
-              <a:rPr lang="de-DE" sz="3200" dirty="0" err="1" smtClean="0">
-                <a:latin typeface="Rockwell" panose="02060603020205020403" pitchFamily="18" charset="0"/>
-              </a:rPr>
-              <a:t>LogIn</a:t>
-            </a:r>
-            <a:endParaRPr lang="de-DE" dirty="0">
-              <a:latin typeface="Rockwell" panose="02060603020205020403" pitchFamily="18" charset="0"/>
-            </a:endParaRPr>
-          </a:p>
-        </p:txBody>
-      </p:sp>
       <p:pic>
         <p:nvPicPr>
-          <p:cNvPr id="6" name="Grafik 5"/>
+          <p:cNvPr id="5" name="Grafik 4"/>
           <p:cNvPicPr>
             <a:picLocks noChangeAspect="1"/>
           </p:cNvPicPr>
@@ -9893,14 +9843,14 @@
       </p:pic>
       <p:pic>
         <p:nvPicPr>
-          <p:cNvPr id="9" name="Grafik 8"/>
+          <p:cNvPr id="2" name="Grafik 1"/>
           <p:cNvPicPr>
             <a:picLocks noChangeAspect="1"/>
           </p:cNvPicPr>
           <p:nvPr/>
         </p:nvPicPr>
         <p:blipFill>
-          <a:blip r:embed="rId4" cstate="print">
+          <a:blip r:embed="rId4">
             <a:extLst>
               <a:ext uri="{28A0092B-C50C-407E-A947-70E740481C1C}">
                 <a14:useLocalDpi xmlns:a14="http://schemas.microsoft.com/office/drawing/2010/main" val="0"/>
@@ -9913,14 +9863,96 @@
         </p:blipFill>
         <p:spPr>
           <a:xfrm>
-            <a:off x="5509003" y="1258090"/>
-            <a:ext cx="2941425" cy="5229200"/>
+            <a:off x="0" y="0"/>
+            <a:ext cx="2619375" cy="1133475"/>
           </a:xfrm>
           <a:prstGeom prst="rect">
             <a:avLst/>
           </a:prstGeom>
         </p:spPr>
       </p:pic>
+      <p:sp>
+        <p:nvSpPr>
+          <p:cNvPr id="3" name="Rechteck 2"/>
+          <p:cNvSpPr/>
+          <p:nvPr/>
+        </p:nvSpPr>
+        <p:spPr>
+          <a:xfrm>
+            <a:off x="0" y="1017387"/>
+            <a:ext cx="9144000" cy="36659"/>
+          </a:xfrm>
+          <a:prstGeom prst="rect">
+            <a:avLst/>
+          </a:prstGeom>
+          <a:solidFill>
+            <a:srgbClr val="7030A0"/>
+          </a:solidFill>
+          <a:ln>
+            <a:solidFill>
+              <a:srgbClr val="7030A0"/>
+            </a:solidFill>
+          </a:ln>
+        </p:spPr>
+        <p:style>
+          <a:lnRef idx="2">
+            <a:schemeClr val="accent1">
+              <a:shade val="50000"/>
+            </a:schemeClr>
+          </a:lnRef>
+          <a:fillRef idx="1">
+            <a:schemeClr val="accent1"/>
+          </a:fillRef>
+          <a:effectRef idx="0">
+            <a:schemeClr val="accent1"/>
+          </a:effectRef>
+          <a:fontRef idx="minor">
+            <a:schemeClr val="lt1"/>
+          </a:fontRef>
+        </p:style>
+        <p:txBody>
+          <a:bodyPr rtlCol="0" anchor="ctr"/>
+          <a:lstStyle/>
+          <a:p>
+            <a:pPr algn="ctr"/>
+            <a:endParaRPr lang="de-DE"/>
+          </a:p>
+        </p:txBody>
+      </p:sp>
+      <p:sp>
+        <p:nvSpPr>
+          <p:cNvPr id="4" name="Textfeld 3"/>
+          <p:cNvSpPr txBox="1"/>
+          <p:nvPr/>
+        </p:nvSpPr>
+        <p:spPr>
+          <a:xfrm>
+            <a:off x="5508104" y="274349"/>
+            <a:ext cx="1253869" cy="584775"/>
+          </a:xfrm>
+          <a:prstGeom prst="rect">
+            <a:avLst/>
+          </a:prstGeom>
+          <a:noFill/>
+        </p:spPr>
+        <p:txBody>
+          <a:bodyPr wrap="none" rtlCol="0">
+            <a:spAutoFit/>
+          </a:bodyPr>
+          <a:lstStyle/>
+          <a:p>
+            <a:r>
+              <a:rPr lang="de-DE" sz="3200" dirty="0" err="1" smtClean="0">
+                <a:latin typeface="Rockwell" panose="02060603020205020403" pitchFamily="18" charset="0"/>
+              </a:rPr>
+              <a:t>LogIn</a:t>
+            </a:r>
+            <a:endParaRPr lang="de-DE" dirty="0">
+              <a:latin typeface="Rockwell" panose="02060603020205020403" pitchFamily="18" charset="0"/>
+            </a:endParaRPr>
+          </a:p>
+        </p:txBody>
+      </p:sp>
       <p:sp>
         <p:nvSpPr>
           <p:cNvPr id="10" name="Textfeld 9"/>
@@ -10160,91 +10192,9 @@
           </a:prstGeom>
         </p:spPr>
       </p:pic>
-      <p:sp>
-        <p:nvSpPr>
-          <p:cNvPr id="3" name="Rechteck 2"/>
-          <p:cNvSpPr/>
-          <p:nvPr/>
-        </p:nvSpPr>
-        <p:spPr>
-          <a:xfrm>
-            <a:off x="0" y="1017387"/>
-            <a:ext cx="9144000" cy="36659"/>
-          </a:xfrm>
-          <a:prstGeom prst="rect">
-            <a:avLst/>
-          </a:prstGeom>
-          <a:solidFill>
-            <a:srgbClr val="7030A0"/>
-          </a:solidFill>
-          <a:ln>
-            <a:solidFill>
-              <a:srgbClr val="7030A0"/>
-            </a:solidFill>
-          </a:ln>
-        </p:spPr>
-        <p:style>
-          <a:lnRef idx="2">
-            <a:schemeClr val="accent1">
-              <a:shade val="50000"/>
-            </a:schemeClr>
-          </a:lnRef>
-          <a:fillRef idx="1">
-            <a:schemeClr val="accent1"/>
-          </a:fillRef>
-          <a:effectRef idx="0">
-            <a:schemeClr val="accent1"/>
-          </a:effectRef>
-          <a:fontRef idx="minor">
-            <a:schemeClr val="lt1"/>
-          </a:fontRef>
-        </p:style>
-        <p:txBody>
-          <a:bodyPr rtlCol="0" anchor="ctr"/>
-          <a:lstStyle/>
-          <a:p>
-            <a:pPr algn="ctr"/>
-            <a:endParaRPr lang="de-DE"/>
-          </a:p>
-        </p:txBody>
-      </p:sp>
-      <p:sp>
-        <p:nvSpPr>
-          <p:cNvPr id="4" name="Textfeld 3"/>
-          <p:cNvSpPr txBox="1"/>
-          <p:nvPr/>
-        </p:nvSpPr>
-        <p:spPr>
-          <a:xfrm>
-            <a:off x="5508104" y="274349"/>
-            <a:ext cx="1253869" cy="584775"/>
-          </a:xfrm>
-          <a:prstGeom prst="rect">
-            <a:avLst/>
-          </a:prstGeom>
-          <a:noFill/>
-        </p:spPr>
-        <p:txBody>
-          <a:bodyPr wrap="none" rtlCol="0">
-            <a:spAutoFit/>
-          </a:bodyPr>
-          <a:lstStyle/>
-          <a:p>
-            <a:r>
-              <a:rPr lang="de-DE" sz="3200" dirty="0" err="1" smtClean="0">
-                <a:latin typeface="Rockwell" panose="02060603020205020403" pitchFamily="18" charset="0"/>
-              </a:rPr>
-              <a:t>LogIn</a:t>
-            </a:r>
-            <a:endParaRPr lang="de-DE" dirty="0">
-              <a:latin typeface="Rockwell" panose="02060603020205020403" pitchFamily="18" charset="0"/>
-            </a:endParaRPr>
-          </a:p>
-        </p:txBody>
-      </p:sp>
       <p:pic>
         <p:nvPicPr>
-          <p:cNvPr id="5" name="Grafik 4"/>
+          <p:cNvPr id="8" name="Grafik 7"/>
           <p:cNvPicPr>
             <a:picLocks noChangeAspect="1"/>
           </p:cNvPicPr>
@@ -10264,24 +10214,169 @@
         </p:blipFill>
         <p:spPr>
           <a:xfrm>
-            <a:off x="0" y="1067651"/>
-            <a:ext cx="3159110" cy="5790349"/>
+            <a:off x="1" y="1069200"/>
+            <a:ext cx="4012989" cy="5788800"/>
           </a:xfrm>
           <a:prstGeom prst="rect">
             <a:avLst/>
           </a:prstGeom>
         </p:spPr>
       </p:pic>
+      <p:sp>
+        <p:nvSpPr>
+          <p:cNvPr id="3" name="Rechteck 2"/>
+          <p:cNvSpPr/>
+          <p:nvPr/>
+        </p:nvSpPr>
+        <p:spPr>
+          <a:xfrm>
+            <a:off x="0" y="1017387"/>
+            <a:ext cx="9144000" cy="36659"/>
+          </a:xfrm>
+          <a:prstGeom prst="rect">
+            <a:avLst/>
+          </a:prstGeom>
+          <a:solidFill>
+            <a:srgbClr val="7030A0"/>
+          </a:solidFill>
+          <a:ln>
+            <a:solidFill>
+              <a:srgbClr val="7030A0"/>
+            </a:solidFill>
+          </a:ln>
+        </p:spPr>
+        <p:style>
+          <a:lnRef idx="2">
+            <a:schemeClr val="accent1">
+              <a:shade val="50000"/>
+            </a:schemeClr>
+          </a:lnRef>
+          <a:fillRef idx="1">
+            <a:schemeClr val="accent1"/>
+          </a:fillRef>
+          <a:effectRef idx="0">
+            <a:schemeClr val="accent1"/>
+          </a:effectRef>
+          <a:fontRef idx="minor">
+            <a:schemeClr val="lt1"/>
+          </a:fontRef>
+        </p:style>
+        <p:txBody>
+          <a:bodyPr rtlCol="0" anchor="ctr"/>
+          <a:lstStyle/>
+          <a:p>
+            <a:pPr algn="ctr"/>
+            <a:endParaRPr lang="de-DE"/>
+          </a:p>
+        </p:txBody>
+      </p:sp>
+      <p:sp>
+        <p:nvSpPr>
+          <p:cNvPr id="4" name="Textfeld 3"/>
+          <p:cNvSpPr txBox="1"/>
+          <p:nvPr/>
+        </p:nvSpPr>
+        <p:spPr>
+          <a:xfrm>
+            <a:off x="5508104" y="274349"/>
+            <a:ext cx="1253869" cy="584775"/>
+          </a:xfrm>
+          <a:prstGeom prst="rect">
+            <a:avLst/>
+          </a:prstGeom>
+          <a:noFill/>
+        </p:spPr>
+        <p:txBody>
+          <a:bodyPr wrap="none" rtlCol="0">
+            <a:spAutoFit/>
+          </a:bodyPr>
+          <a:lstStyle/>
+          <a:p>
+            <a:r>
+              <a:rPr lang="de-DE" sz="3200" dirty="0" err="1" smtClean="0">
+                <a:latin typeface="Rockwell" panose="02060603020205020403" pitchFamily="18" charset="0"/>
+              </a:rPr>
+              <a:t>LogIn</a:t>
+            </a:r>
+            <a:endParaRPr lang="de-DE" dirty="0">
+              <a:latin typeface="Rockwell" panose="02060603020205020403" pitchFamily="18" charset="0"/>
+            </a:endParaRPr>
+          </a:p>
+        </p:txBody>
+      </p:sp>
+      <p:sp>
+        <p:nvSpPr>
+          <p:cNvPr id="7" name="Fußzeilenplatzhalter 6"/>
+          <p:cNvSpPr>
+            <a:spLocks noGrp="1"/>
+          </p:cNvSpPr>
+          <p:nvPr>
+            <p:ph type="ftr" sz="quarter" idx="11"/>
+          </p:nvPr>
+        </p:nvSpPr>
+        <p:spPr>
+          <a:xfrm>
+            <a:off x="3124200" y="6480000"/>
+            <a:ext cx="2895600" cy="365125"/>
+          </a:xfrm>
+        </p:spPr>
+        <p:txBody>
+          <a:bodyPr/>
+          <a:lstStyle/>
+          <a:p>
+            <a:r>
+              <a:rPr lang="de-DE" smtClean="0"/>
+              <a:t>Steffen Koch &amp; Andreas Muss</a:t>
+            </a:r>
+            <a:endParaRPr lang="de-DE"/>
+          </a:p>
+        </p:txBody>
+      </p:sp>
+      <p:cxnSp>
+        <p:nvCxnSpPr>
+          <p:cNvPr id="10" name="Gerade Verbindung 9"/>
+          <p:cNvCxnSpPr/>
+          <p:nvPr/>
+        </p:nvCxnSpPr>
+        <p:spPr>
+          <a:xfrm>
+            <a:off x="1691680" y="5799321"/>
+            <a:ext cx="0" cy="144016"/>
+          </a:xfrm>
+          <a:prstGeom prst="line">
+            <a:avLst/>
+          </a:prstGeom>
+          <a:ln w="25400">
+            <a:solidFill>
+              <a:srgbClr val="7030A0"/>
+            </a:solidFill>
+          </a:ln>
+        </p:spPr>
+        <p:style>
+          <a:lnRef idx="1">
+            <a:schemeClr val="accent1"/>
+          </a:lnRef>
+          <a:fillRef idx="0">
+            <a:schemeClr val="accent1"/>
+          </a:fillRef>
+          <a:effectRef idx="0">
+            <a:schemeClr val="accent1"/>
+          </a:effectRef>
+          <a:fontRef idx="minor">
+            <a:schemeClr val="tx1"/>
+          </a:fontRef>
+        </p:style>
+      </p:cxnSp>
       <p:pic>
         <p:nvPicPr>
-          <p:cNvPr id="6" name="Grafik 5"/>
+          <p:cNvPr id="14" name="Grafik 13"/>
           <p:cNvPicPr>
             <a:picLocks noChangeAspect="1"/>
           </p:cNvPicPr>
           <p:nvPr/>
         </p:nvPicPr>
         <p:blipFill>
-          <a:blip r:embed="rId4">
+          <a:blip r:embed="rId4" cstate="print">
             <a:extLst>
               <a:ext uri="{28A0092B-C50C-407E-A947-70E740481C1C}">
                 <a14:useLocalDpi xmlns:a14="http://schemas.microsoft.com/office/drawing/2010/main" val="0"/>
@@ -10294,42 +10389,14 @@
         </p:blipFill>
         <p:spPr>
           <a:xfrm>
-            <a:off x="656420" y="1190483"/>
-            <a:ext cx="7948027" cy="4470765"/>
+            <a:off x="683568" y="1188140"/>
+            <a:ext cx="7824178" cy="4401100"/>
           </a:xfrm>
           <a:prstGeom prst="rect">
             <a:avLst/>
           </a:prstGeom>
         </p:spPr>
       </p:pic>
-      <p:sp>
-        <p:nvSpPr>
-          <p:cNvPr id="7" name="Fußzeilenplatzhalter 6"/>
-          <p:cNvSpPr>
-            <a:spLocks noGrp="1"/>
-          </p:cNvSpPr>
-          <p:nvPr>
-            <p:ph type="ftr" sz="quarter" idx="11"/>
-          </p:nvPr>
-        </p:nvSpPr>
-        <p:spPr>
-          <a:xfrm>
-            <a:off x="3124200" y="6480000"/>
-            <a:ext cx="2895600" cy="365125"/>
-          </a:xfrm>
-        </p:spPr>
-        <p:txBody>
-          <a:bodyPr/>
-          <a:lstStyle/>
-          <a:p>
-            <a:r>
-              <a:rPr lang="de-DE" smtClean="0"/>
-              <a:t>Steffen Koch &amp; Andreas Muss</a:t>
-            </a:r>
-            <a:endParaRPr lang="de-DE"/>
-          </a:p>
-        </p:txBody>
-      </p:sp>
     </p:spTree>
     <p:extLst>
       <p:ext uri="{BB962C8B-B14F-4D97-AF65-F5344CB8AC3E}">
@@ -10374,7 +10441,7 @@
                                           </p:stCondLst>
                                         </p:cTn>
                                         <p:tgtEl>
-                                          <p:spTgt spid="6"/>
+                                          <p:spTgt spid="14"/>
                                         </p:tgtEl>
                                         <p:attrNameLst>
                                           <p:attrName>style.visibility</p:attrName>
@@ -10388,7 +10455,7 @@
                                       <p:cBhvr>
                                         <p:cTn id="7" dur="1000"/>
                                         <p:tgtEl>
-                                          <p:spTgt spid="6"/>
+                                          <p:spTgt spid="14"/>
                                         </p:tgtEl>
                                       </p:cBhvr>
                                     </p:animEffect>
@@ -10396,7 +10463,7 @@
                                       <p:cBhvr>
                                         <p:cTn id="8" dur="1000" fill="hold"/>
                                         <p:tgtEl>
-                                          <p:spTgt spid="6"/>
+                                          <p:spTgt spid="14"/>
                                         </p:tgtEl>
                                         <p:attrNameLst>
                                           <p:attrName>ppt_x</p:attrName>
@@ -10419,7 +10486,7 @@
                                       <p:cBhvr>
                                         <p:cTn id="9" dur="1000" fill="hold"/>
                                         <p:tgtEl>
-                                          <p:spTgt spid="6"/>
+                                          <p:spTgt spid="14"/>
                                         </p:tgtEl>
                                         <p:attrNameLst>
                                           <p:attrName>ppt_y</p:attrName>
@@ -10519,91 +10586,9 @@
           </a:prstGeom>
         </p:spPr>
       </p:pic>
-      <p:sp>
-        <p:nvSpPr>
-          <p:cNvPr id="3" name="Rechteck 2"/>
-          <p:cNvSpPr/>
-          <p:nvPr/>
-        </p:nvSpPr>
-        <p:spPr>
-          <a:xfrm>
-            <a:off x="0" y="1017387"/>
-            <a:ext cx="9144000" cy="36659"/>
-          </a:xfrm>
-          <a:prstGeom prst="rect">
-            <a:avLst/>
-          </a:prstGeom>
-          <a:solidFill>
-            <a:srgbClr val="7030A0"/>
-          </a:solidFill>
-          <a:ln>
-            <a:solidFill>
-              <a:srgbClr val="7030A0"/>
-            </a:solidFill>
-          </a:ln>
-        </p:spPr>
-        <p:style>
-          <a:lnRef idx="2">
-            <a:schemeClr val="accent1">
-              <a:shade val="50000"/>
-            </a:schemeClr>
-          </a:lnRef>
-          <a:fillRef idx="1">
-            <a:schemeClr val="accent1"/>
-          </a:fillRef>
-          <a:effectRef idx="0">
-            <a:schemeClr val="accent1"/>
-          </a:effectRef>
-          <a:fontRef idx="minor">
-            <a:schemeClr val="lt1"/>
-          </a:fontRef>
-        </p:style>
-        <p:txBody>
-          <a:bodyPr rtlCol="0" anchor="ctr"/>
-          <a:lstStyle/>
-          <a:p>
-            <a:pPr algn="ctr"/>
-            <a:endParaRPr lang="de-DE"/>
-          </a:p>
-        </p:txBody>
-      </p:sp>
-      <p:sp>
-        <p:nvSpPr>
-          <p:cNvPr id="4" name="Textfeld 3"/>
-          <p:cNvSpPr txBox="1"/>
-          <p:nvPr/>
-        </p:nvSpPr>
-        <p:spPr>
-          <a:xfrm>
-            <a:off x="5508104" y="274349"/>
-            <a:ext cx="1253869" cy="584775"/>
-          </a:xfrm>
-          <a:prstGeom prst="rect">
-            <a:avLst/>
-          </a:prstGeom>
-          <a:noFill/>
-        </p:spPr>
-        <p:txBody>
-          <a:bodyPr wrap="none" rtlCol="0">
-            <a:spAutoFit/>
-          </a:bodyPr>
-          <a:lstStyle/>
-          <a:p>
-            <a:r>
-              <a:rPr lang="de-DE" sz="3200" dirty="0" err="1" smtClean="0">
-                <a:latin typeface="Rockwell" panose="02060603020205020403" pitchFamily="18" charset="0"/>
-              </a:rPr>
-              <a:t>LogIn</a:t>
-            </a:r>
-            <a:endParaRPr lang="de-DE" dirty="0">
-              <a:latin typeface="Rockwell" panose="02060603020205020403" pitchFamily="18" charset="0"/>
-            </a:endParaRPr>
-          </a:p>
-        </p:txBody>
-      </p:sp>
       <p:pic>
         <p:nvPicPr>
-          <p:cNvPr id="6" name="Grafik 5"/>
+          <p:cNvPr id="10" name="Grafik 9"/>
           <p:cNvPicPr>
             <a:picLocks noChangeAspect="1"/>
           </p:cNvPicPr>
@@ -10623,24 +10608,134 @@
         </p:blipFill>
         <p:spPr>
           <a:xfrm>
-            <a:off x="0" y="1067651"/>
-            <a:ext cx="3159110" cy="5790349"/>
+            <a:off x="1" y="1069200"/>
+            <a:ext cx="4012989" cy="5788800"/>
           </a:xfrm>
           <a:prstGeom prst="rect">
             <a:avLst/>
           </a:prstGeom>
         </p:spPr>
       </p:pic>
+      <p:sp>
+        <p:nvSpPr>
+          <p:cNvPr id="3" name="Rechteck 2"/>
+          <p:cNvSpPr/>
+          <p:nvPr/>
+        </p:nvSpPr>
+        <p:spPr>
+          <a:xfrm>
+            <a:off x="0" y="1017387"/>
+            <a:ext cx="9144000" cy="36659"/>
+          </a:xfrm>
+          <a:prstGeom prst="rect">
+            <a:avLst/>
+          </a:prstGeom>
+          <a:solidFill>
+            <a:srgbClr val="7030A0"/>
+          </a:solidFill>
+          <a:ln>
+            <a:solidFill>
+              <a:srgbClr val="7030A0"/>
+            </a:solidFill>
+          </a:ln>
+        </p:spPr>
+        <p:style>
+          <a:lnRef idx="2">
+            <a:schemeClr val="accent1">
+              <a:shade val="50000"/>
+            </a:schemeClr>
+          </a:lnRef>
+          <a:fillRef idx="1">
+            <a:schemeClr val="accent1"/>
+          </a:fillRef>
+          <a:effectRef idx="0">
+            <a:schemeClr val="accent1"/>
+          </a:effectRef>
+          <a:fontRef idx="minor">
+            <a:schemeClr val="lt1"/>
+          </a:fontRef>
+        </p:style>
+        <p:txBody>
+          <a:bodyPr rtlCol="0" anchor="ctr"/>
+          <a:lstStyle/>
+          <a:p>
+            <a:pPr algn="ctr"/>
+            <a:endParaRPr lang="de-DE"/>
+          </a:p>
+        </p:txBody>
+      </p:sp>
+      <p:sp>
+        <p:nvSpPr>
+          <p:cNvPr id="4" name="Textfeld 3"/>
+          <p:cNvSpPr txBox="1"/>
+          <p:nvPr/>
+        </p:nvSpPr>
+        <p:spPr>
+          <a:xfrm>
+            <a:off x="5508104" y="274349"/>
+            <a:ext cx="1253869" cy="584775"/>
+          </a:xfrm>
+          <a:prstGeom prst="rect">
+            <a:avLst/>
+          </a:prstGeom>
+          <a:noFill/>
+        </p:spPr>
+        <p:txBody>
+          <a:bodyPr wrap="none" rtlCol="0">
+            <a:spAutoFit/>
+          </a:bodyPr>
+          <a:lstStyle/>
+          <a:p>
+            <a:r>
+              <a:rPr lang="de-DE" sz="3200" dirty="0" err="1" smtClean="0">
+                <a:latin typeface="Rockwell" panose="02060603020205020403" pitchFamily="18" charset="0"/>
+              </a:rPr>
+              <a:t>LogIn</a:t>
+            </a:r>
+            <a:endParaRPr lang="de-DE" dirty="0">
+              <a:latin typeface="Rockwell" panose="02060603020205020403" pitchFamily="18" charset="0"/>
+            </a:endParaRPr>
+          </a:p>
+        </p:txBody>
+      </p:sp>
+      <p:sp>
+        <p:nvSpPr>
+          <p:cNvPr id="9" name="Fußzeilenplatzhalter 8"/>
+          <p:cNvSpPr>
+            <a:spLocks noGrp="1"/>
+          </p:cNvSpPr>
+          <p:nvPr>
+            <p:ph type="ftr" sz="quarter" idx="11"/>
+          </p:nvPr>
+        </p:nvSpPr>
+        <p:spPr>
+          <a:xfrm>
+            <a:off x="3124200" y="6480000"/>
+            <a:ext cx="2895600" cy="365125"/>
+          </a:xfrm>
+        </p:spPr>
+        <p:txBody>
+          <a:bodyPr/>
+          <a:lstStyle/>
+          <a:p>
+            <a:r>
+              <a:rPr lang="de-DE" dirty="0" smtClean="0"/>
+              <a:t>Steffen Koch &amp; Andreas Muss</a:t>
+            </a:r>
+            <a:endParaRPr lang="de-DE" dirty="0"/>
+          </a:p>
+        </p:txBody>
+      </p:sp>
       <p:pic>
         <p:nvPicPr>
-          <p:cNvPr id="7" name="Grafik 6"/>
+          <p:cNvPr id="11" name="Grafik 10"/>
           <p:cNvPicPr>
             <a:picLocks noChangeAspect="1"/>
           </p:cNvPicPr>
           <p:nvPr/>
         </p:nvPicPr>
         <p:blipFill>
-          <a:blip r:embed="rId4">
+          <a:blip r:embed="rId4" cstate="print">
             <a:extLst>
               <a:ext uri="{28A0092B-C50C-407E-A947-70E740481C1C}">
                 <a14:useLocalDpi xmlns:a14="http://schemas.microsoft.com/office/drawing/2010/main" val="0"/>
@@ -10653,24 +10748,59 @@
         </p:blipFill>
         <p:spPr>
           <a:xfrm>
-            <a:off x="179512" y="1131018"/>
-            <a:ext cx="8192910" cy="4608512"/>
+            <a:off x="683568" y="1166711"/>
+            <a:ext cx="7900370" cy="4443958"/>
           </a:xfrm>
           <a:prstGeom prst="rect">
             <a:avLst/>
           </a:prstGeom>
         </p:spPr>
       </p:pic>
+      <p:cxnSp>
+        <p:nvCxnSpPr>
+          <p:cNvPr id="12" name="Gerade Verbindung 11"/>
+          <p:cNvCxnSpPr/>
+          <p:nvPr/>
+        </p:nvCxnSpPr>
+        <p:spPr>
+          <a:xfrm>
+            <a:off x="1691680" y="5799321"/>
+            <a:ext cx="0" cy="144016"/>
+          </a:xfrm>
+          <a:prstGeom prst="line">
+            <a:avLst/>
+          </a:prstGeom>
+          <a:ln w="25400">
+            <a:solidFill>
+              <a:srgbClr val="7030A0"/>
+            </a:solidFill>
+          </a:ln>
+        </p:spPr>
+        <p:style>
+          <a:lnRef idx="1">
+            <a:schemeClr val="accent1"/>
+          </a:lnRef>
+          <a:fillRef idx="0">
+            <a:schemeClr val="accent1"/>
+          </a:fillRef>
+          <a:effectRef idx="0">
+            <a:schemeClr val="accent1"/>
+          </a:effectRef>
+          <a:fontRef idx="minor">
+            <a:schemeClr val="tx1"/>
+          </a:fontRef>
+        </p:style>
+      </p:cxnSp>
       <p:pic>
         <p:nvPicPr>
-          <p:cNvPr id="8" name="Grafik 7"/>
+          <p:cNvPr id="5" name="Grafik 4"/>
           <p:cNvPicPr>
             <a:picLocks noChangeAspect="1"/>
           </p:cNvPicPr>
           <p:nvPr/>
         </p:nvPicPr>
         <p:blipFill>
-          <a:blip r:embed="rId5">
+          <a:blip r:embed="rId5" cstate="print">
             <a:extLst>
               <a:ext uri="{28A0092B-C50C-407E-A947-70E740481C1C}">
                 <a14:useLocalDpi xmlns:a14="http://schemas.microsoft.com/office/drawing/2010/main" val="0"/>
@@ -10683,42 +10813,14 @@
         </p:blipFill>
         <p:spPr>
           <a:xfrm>
-            <a:off x="1285049" y="2348880"/>
-            <a:ext cx="7772356" cy="4371950"/>
+            <a:off x="1403648" y="1621829"/>
+            <a:ext cx="7388313" cy="4155926"/>
           </a:xfrm>
           <a:prstGeom prst="rect">
             <a:avLst/>
           </a:prstGeom>
         </p:spPr>
       </p:pic>
-      <p:sp>
-        <p:nvSpPr>
-          <p:cNvPr id="9" name="Fußzeilenplatzhalter 8"/>
-          <p:cNvSpPr>
-            <a:spLocks noGrp="1"/>
-          </p:cNvSpPr>
-          <p:nvPr>
-            <p:ph type="ftr" sz="quarter" idx="11"/>
-          </p:nvPr>
-        </p:nvSpPr>
-        <p:spPr>
-          <a:xfrm>
-            <a:off x="3124200" y="6480000"/>
-            <a:ext cx="2895600" cy="365125"/>
-          </a:xfrm>
-        </p:spPr>
-        <p:txBody>
-          <a:bodyPr/>
-          <a:lstStyle/>
-          <a:p>
-            <a:r>
-              <a:rPr lang="de-DE" dirty="0" smtClean="0"/>
-              <a:t>Steffen Koch &amp; Andreas Muss</a:t>
-            </a:r>
-            <a:endParaRPr lang="de-DE" dirty="0"/>
-          </a:p>
-        </p:txBody>
-      </p:sp>
     </p:spTree>
     <p:extLst>
       <p:ext uri="{BB962C8B-B14F-4D97-AF65-F5344CB8AC3E}">
@@ -10763,7 +10865,7 @@
                                           </p:stCondLst>
                                         </p:cTn>
                                         <p:tgtEl>
-                                          <p:spTgt spid="8"/>
+                                          <p:spTgt spid="5"/>
                                         </p:tgtEl>
                                         <p:attrNameLst>
                                           <p:attrName>style.visibility</p:attrName>
@@ -10777,7 +10879,7 @@
                                       <p:cBhvr>
                                         <p:cTn id="7" dur="1000"/>
                                         <p:tgtEl>
-                                          <p:spTgt spid="8"/>
+                                          <p:spTgt spid="5"/>
                                         </p:tgtEl>
                                       </p:cBhvr>
                                     </p:animEffect>
@@ -10785,7 +10887,7 @@
                                       <p:cBhvr>
                                         <p:cTn id="8" dur="1000" fill="hold"/>
                                         <p:tgtEl>
-                                          <p:spTgt spid="8"/>
+                                          <p:spTgt spid="5"/>
                                         </p:tgtEl>
                                         <p:attrNameLst>
                                           <p:attrName>ppt_x</p:attrName>
@@ -10808,7 +10910,7 @@
                                       <p:cBhvr>
                                         <p:cTn id="9" dur="1000" fill="hold"/>
                                         <p:tgtEl>
-                                          <p:spTgt spid="8"/>
+                                          <p:spTgt spid="5"/>
                                         </p:tgtEl>
                                         <p:attrNameLst>
                                           <p:attrName>ppt_y</p:attrName>
@@ -10908,91 +11010,9 @@
           </a:prstGeom>
         </p:spPr>
       </p:pic>
-      <p:sp>
-        <p:nvSpPr>
-          <p:cNvPr id="3" name="Rechteck 2"/>
-          <p:cNvSpPr/>
-          <p:nvPr/>
-        </p:nvSpPr>
-        <p:spPr>
-          <a:xfrm>
-            <a:off x="0" y="1017387"/>
-            <a:ext cx="9144000" cy="36659"/>
-          </a:xfrm>
-          <a:prstGeom prst="rect">
-            <a:avLst/>
-          </a:prstGeom>
-          <a:solidFill>
-            <a:srgbClr val="7030A0"/>
-          </a:solidFill>
-          <a:ln>
-            <a:solidFill>
-              <a:srgbClr val="7030A0"/>
-            </a:solidFill>
-          </a:ln>
-        </p:spPr>
-        <p:style>
-          <a:lnRef idx="2">
-            <a:schemeClr val="accent1">
-              <a:shade val="50000"/>
-            </a:schemeClr>
-          </a:lnRef>
-          <a:fillRef idx="1">
-            <a:schemeClr val="accent1"/>
-          </a:fillRef>
-          <a:effectRef idx="0">
-            <a:schemeClr val="accent1"/>
-          </a:effectRef>
-          <a:fontRef idx="minor">
-            <a:schemeClr val="lt1"/>
-          </a:fontRef>
-        </p:style>
-        <p:txBody>
-          <a:bodyPr rtlCol="0" anchor="ctr"/>
-          <a:lstStyle/>
-          <a:p>
-            <a:pPr algn="ctr"/>
-            <a:endParaRPr lang="de-DE"/>
-          </a:p>
-        </p:txBody>
-      </p:sp>
-      <p:sp>
-        <p:nvSpPr>
-          <p:cNvPr id="4" name="Textfeld 3"/>
-          <p:cNvSpPr txBox="1"/>
-          <p:nvPr/>
-        </p:nvSpPr>
-        <p:spPr>
-          <a:xfrm>
-            <a:off x="5508104" y="274349"/>
-            <a:ext cx="1253869" cy="584775"/>
-          </a:xfrm>
-          <a:prstGeom prst="rect">
-            <a:avLst/>
-          </a:prstGeom>
-          <a:noFill/>
-        </p:spPr>
-        <p:txBody>
-          <a:bodyPr wrap="none" rtlCol="0">
-            <a:spAutoFit/>
-          </a:bodyPr>
-          <a:lstStyle/>
-          <a:p>
-            <a:r>
-              <a:rPr lang="de-DE" sz="3200" dirty="0" err="1" smtClean="0">
-                <a:latin typeface="Rockwell" panose="02060603020205020403" pitchFamily="18" charset="0"/>
-              </a:rPr>
-              <a:t>LogIn</a:t>
-            </a:r>
-            <a:endParaRPr lang="de-DE" dirty="0">
-              <a:latin typeface="Rockwell" panose="02060603020205020403" pitchFamily="18" charset="0"/>
-            </a:endParaRPr>
-          </a:p>
-        </p:txBody>
-      </p:sp>
       <p:pic>
         <p:nvPicPr>
-          <p:cNvPr id="5" name="Grafik 4"/>
+          <p:cNvPr id="9" name="Grafik 8"/>
           <p:cNvPicPr>
             <a:picLocks noChangeAspect="1"/>
           </p:cNvPicPr>
@@ -11012,24 +11032,134 @@
         </p:blipFill>
         <p:spPr>
           <a:xfrm>
-            <a:off x="0" y="1067651"/>
-            <a:ext cx="3159110" cy="5790349"/>
+            <a:off x="1" y="1069200"/>
+            <a:ext cx="4012989" cy="5788800"/>
           </a:xfrm>
           <a:prstGeom prst="rect">
             <a:avLst/>
           </a:prstGeom>
         </p:spPr>
       </p:pic>
+      <p:sp>
+        <p:nvSpPr>
+          <p:cNvPr id="3" name="Rechteck 2"/>
+          <p:cNvSpPr/>
+          <p:nvPr/>
+        </p:nvSpPr>
+        <p:spPr>
+          <a:xfrm>
+            <a:off x="0" y="1017387"/>
+            <a:ext cx="9144000" cy="36659"/>
+          </a:xfrm>
+          <a:prstGeom prst="rect">
+            <a:avLst/>
+          </a:prstGeom>
+          <a:solidFill>
+            <a:srgbClr val="7030A0"/>
+          </a:solidFill>
+          <a:ln>
+            <a:solidFill>
+              <a:srgbClr val="7030A0"/>
+            </a:solidFill>
+          </a:ln>
+        </p:spPr>
+        <p:style>
+          <a:lnRef idx="2">
+            <a:schemeClr val="accent1">
+              <a:shade val="50000"/>
+            </a:schemeClr>
+          </a:lnRef>
+          <a:fillRef idx="1">
+            <a:schemeClr val="accent1"/>
+          </a:fillRef>
+          <a:effectRef idx="0">
+            <a:schemeClr val="accent1"/>
+          </a:effectRef>
+          <a:fontRef idx="minor">
+            <a:schemeClr val="lt1"/>
+          </a:fontRef>
+        </p:style>
+        <p:txBody>
+          <a:bodyPr rtlCol="0" anchor="ctr"/>
+          <a:lstStyle/>
+          <a:p>
+            <a:pPr algn="ctr"/>
+            <a:endParaRPr lang="de-DE"/>
+          </a:p>
+        </p:txBody>
+      </p:sp>
+      <p:sp>
+        <p:nvSpPr>
+          <p:cNvPr id="4" name="Textfeld 3"/>
+          <p:cNvSpPr txBox="1"/>
+          <p:nvPr/>
+        </p:nvSpPr>
+        <p:spPr>
+          <a:xfrm>
+            <a:off x="5508104" y="274349"/>
+            <a:ext cx="1253869" cy="584775"/>
+          </a:xfrm>
+          <a:prstGeom prst="rect">
+            <a:avLst/>
+          </a:prstGeom>
+          <a:noFill/>
+        </p:spPr>
+        <p:txBody>
+          <a:bodyPr wrap="none" rtlCol="0">
+            <a:spAutoFit/>
+          </a:bodyPr>
+          <a:lstStyle/>
+          <a:p>
+            <a:r>
+              <a:rPr lang="de-DE" sz="3200" dirty="0" err="1" smtClean="0">
+                <a:latin typeface="Rockwell" panose="02060603020205020403" pitchFamily="18" charset="0"/>
+              </a:rPr>
+              <a:t>LogIn</a:t>
+            </a:r>
+            <a:endParaRPr lang="de-DE" dirty="0">
+              <a:latin typeface="Rockwell" panose="02060603020205020403" pitchFamily="18" charset="0"/>
+            </a:endParaRPr>
+          </a:p>
+        </p:txBody>
+      </p:sp>
+      <p:sp>
+        <p:nvSpPr>
+          <p:cNvPr id="8" name="Fußzeilenplatzhalter 7"/>
+          <p:cNvSpPr>
+            <a:spLocks noGrp="1"/>
+          </p:cNvSpPr>
+          <p:nvPr>
+            <p:ph type="ftr" sz="quarter" idx="11"/>
+          </p:nvPr>
+        </p:nvSpPr>
+        <p:spPr>
+          <a:xfrm>
+            <a:off x="3124200" y="6480000"/>
+            <a:ext cx="2895600" cy="365125"/>
+          </a:xfrm>
+        </p:spPr>
+        <p:txBody>
+          <a:bodyPr/>
+          <a:lstStyle/>
+          <a:p>
+            <a:r>
+              <a:rPr lang="de-DE" smtClean="0"/>
+              <a:t>Steffen Koch &amp; Andreas Muss</a:t>
+            </a:r>
+            <a:endParaRPr lang="de-DE"/>
+          </a:p>
+        </p:txBody>
+      </p:sp>
       <p:pic>
         <p:nvPicPr>
-          <p:cNvPr id="6" name="Grafik 5"/>
+          <p:cNvPr id="10" name="Grafik 9"/>
           <p:cNvPicPr>
             <a:picLocks noChangeAspect="1"/>
           </p:cNvPicPr>
           <p:nvPr/>
         </p:nvPicPr>
         <p:blipFill>
-          <a:blip r:embed="rId4">
+          <a:blip r:embed="rId4" cstate="print">
             <a:extLst>
               <a:ext uri="{28A0092B-C50C-407E-A947-70E740481C1C}">
                 <a14:useLocalDpi xmlns:a14="http://schemas.microsoft.com/office/drawing/2010/main" val="0"/>
@@ -11042,24 +11172,59 @@
         </p:blipFill>
         <p:spPr>
           <a:xfrm>
-            <a:off x="499065" y="1133475"/>
-            <a:ext cx="8177391" cy="4599782"/>
+            <a:off x="683568" y="1188140"/>
+            <a:ext cx="7824178" cy="4401100"/>
           </a:xfrm>
           <a:prstGeom prst="rect">
             <a:avLst/>
           </a:prstGeom>
         </p:spPr>
       </p:pic>
+      <p:cxnSp>
+        <p:nvCxnSpPr>
+          <p:cNvPr id="11" name="Gerade Verbindung 10"/>
+          <p:cNvCxnSpPr/>
+          <p:nvPr/>
+        </p:nvCxnSpPr>
+        <p:spPr>
+          <a:xfrm>
+            <a:off x="1691680" y="5799321"/>
+            <a:ext cx="0" cy="144016"/>
+          </a:xfrm>
+          <a:prstGeom prst="line">
+            <a:avLst/>
+          </a:prstGeom>
+          <a:ln w="25400">
+            <a:solidFill>
+              <a:srgbClr val="7030A0"/>
+            </a:solidFill>
+          </a:ln>
+        </p:spPr>
+        <p:style>
+          <a:lnRef idx="1">
+            <a:schemeClr val="accent1"/>
+          </a:lnRef>
+          <a:fillRef idx="0">
+            <a:schemeClr val="accent1"/>
+          </a:fillRef>
+          <a:effectRef idx="0">
+            <a:schemeClr val="accent1"/>
+          </a:effectRef>
+          <a:fontRef idx="minor">
+            <a:schemeClr val="tx1"/>
+          </a:fontRef>
+        </p:style>
+      </p:cxnSp>
       <p:pic>
         <p:nvPicPr>
-          <p:cNvPr id="7" name="Grafik 6"/>
+          <p:cNvPr id="12" name="Grafik 11"/>
           <p:cNvPicPr>
             <a:picLocks noChangeAspect="1"/>
           </p:cNvPicPr>
           <p:nvPr/>
         </p:nvPicPr>
         <p:blipFill>
-          <a:blip r:embed="rId5">
+          <a:blip r:embed="rId5" cstate="print">
             <a:extLst>
               <a:ext uri="{28A0092B-C50C-407E-A947-70E740481C1C}">
                 <a14:useLocalDpi xmlns:a14="http://schemas.microsoft.com/office/drawing/2010/main" val="0"/>
@@ -11072,42 +11237,14 @@
         </p:blipFill>
         <p:spPr>
           <a:xfrm>
-            <a:off x="971600" y="2060848"/>
-            <a:ext cx="8100392" cy="4556471"/>
+            <a:off x="1403648" y="1621829"/>
+            <a:ext cx="7388313" cy="4155926"/>
           </a:xfrm>
           <a:prstGeom prst="rect">
             <a:avLst/>
           </a:prstGeom>
         </p:spPr>
       </p:pic>
-      <p:sp>
-        <p:nvSpPr>
-          <p:cNvPr id="8" name="Fußzeilenplatzhalter 7"/>
-          <p:cNvSpPr>
-            <a:spLocks noGrp="1"/>
-          </p:cNvSpPr>
-          <p:nvPr>
-            <p:ph type="ftr" sz="quarter" idx="11"/>
-          </p:nvPr>
-        </p:nvSpPr>
-        <p:spPr>
-          <a:xfrm>
-            <a:off x="3124200" y="6480000"/>
-            <a:ext cx="2895600" cy="365125"/>
-          </a:xfrm>
-        </p:spPr>
-        <p:txBody>
-          <a:bodyPr/>
-          <a:lstStyle/>
-          <a:p>
-            <a:r>
-              <a:rPr lang="de-DE" smtClean="0"/>
-              <a:t>Steffen Koch &amp; Andreas Muss</a:t>
-            </a:r>
-            <a:endParaRPr lang="de-DE"/>
-          </a:p>
-        </p:txBody>
-      </p:sp>
     </p:spTree>
     <p:extLst>
       <p:ext uri="{BB962C8B-B14F-4D97-AF65-F5344CB8AC3E}">
@@ -11152,7 +11289,7 @@
                                           </p:stCondLst>
                                         </p:cTn>
                                         <p:tgtEl>
-                                          <p:spTgt spid="7"/>
+                                          <p:spTgt spid="12"/>
                                         </p:tgtEl>
                                         <p:attrNameLst>
                                           <p:attrName>style.visibility</p:attrName>
@@ -11166,7 +11303,7 @@
                                       <p:cBhvr>
                                         <p:cTn id="7" dur="1000"/>
                                         <p:tgtEl>
-                                          <p:spTgt spid="7"/>
+                                          <p:spTgt spid="12"/>
                                         </p:tgtEl>
                                       </p:cBhvr>
                                     </p:animEffect>
@@ -11174,7 +11311,7 @@
                                       <p:cBhvr>
                                         <p:cTn id="8" dur="1000" fill="hold"/>
                                         <p:tgtEl>
-                                          <p:spTgt spid="7"/>
+                                          <p:spTgt spid="12"/>
                                         </p:tgtEl>
                                         <p:attrNameLst>
                                           <p:attrName>ppt_x</p:attrName>
@@ -11197,7 +11334,7 @@
                                       <p:cBhvr>
                                         <p:cTn id="9" dur="1000" fill="hold"/>
                                         <p:tgtEl>
-                                          <p:spTgt spid="7"/>
+                                          <p:spTgt spid="12"/>
                                         </p:tgtEl>
                                         <p:attrNameLst>
                                           <p:attrName>ppt_y</p:attrName>
@@ -11269,6 +11406,36 @@
       </p:grpSpPr>
       <p:pic>
         <p:nvPicPr>
+          <p:cNvPr id="6" name="Grafik 5"/>
+          <p:cNvPicPr>
+            <a:picLocks noChangeAspect="1"/>
+          </p:cNvPicPr>
+          <p:nvPr/>
+        </p:nvPicPr>
+        <p:blipFill>
+          <a:blip r:embed="rId2" cstate="print">
+            <a:extLst>
+              <a:ext uri="{28A0092B-C50C-407E-A947-70E740481C1C}">
+                <a14:useLocalDpi xmlns:a14="http://schemas.microsoft.com/office/drawing/2010/main" val="0"/>
+              </a:ext>
+            </a:extLst>
+          </a:blip>
+          <a:stretch>
+            <a:fillRect/>
+          </a:stretch>
+        </p:blipFill>
+        <p:spPr>
+          <a:xfrm>
+            <a:off x="159862" y="1259044"/>
+            <a:ext cx="2941425" cy="5229199"/>
+          </a:xfrm>
+          <a:prstGeom prst="rect">
+            <a:avLst/>
+          </a:prstGeom>
+        </p:spPr>
+      </p:pic>
+      <p:pic>
+        <p:nvPicPr>
           <p:cNvPr id="2" name="Grafik 1"/>
           <p:cNvPicPr>
             <a:picLocks noChangeAspect="1"/>
@@ -11276,7 +11443,7 @@
           <p:nvPr/>
         </p:nvPicPr>
         <p:blipFill>
-          <a:blip r:embed="rId2">
+          <a:blip r:embed="rId3">
             <a:extLst>
               <a:ext uri="{28A0092B-C50C-407E-A947-70E740481C1C}">
                 <a14:useLocalDpi xmlns:a14="http://schemas.microsoft.com/office/drawing/2010/main" val="0"/>
@@ -11379,96 +11546,6 @@
           </a:p>
         </p:txBody>
       </p:sp>
-      <p:pic>
-        <p:nvPicPr>
-          <p:cNvPr id="5" name="Grafik 4"/>
-          <p:cNvPicPr>
-            <a:picLocks noChangeAspect="1"/>
-          </p:cNvPicPr>
-          <p:nvPr/>
-        </p:nvPicPr>
-        <p:blipFill>
-          <a:blip r:embed="rId3" cstate="print">
-            <a:extLst>
-              <a:ext uri="{28A0092B-C50C-407E-A947-70E740481C1C}">
-                <a14:useLocalDpi xmlns:a14="http://schemas.microsoft.com/office/drawing/2010/main" val="0"/>
-              </a:ext>
-            </a:extLst>
-          </a:blip>
-          <a:stretch>
-            <a:fillRect/>
-          </a:stretch>
-        </p:blipFill>
-        <p:spPr>
-          <a:xfrm>
-            <a:off x="159862" y="1258567"/>
-            <a:ext cx="2941425" cy="5229200"/>
-          </a:xfrm>
-          <a:prstGeom prst="rect">
-            <a:avLst/>
-          </a:prstGeom>
-        </p:spPr>
-      </p:pic>
-      <p:pic>
-        <p:nvPicPr>
-          <p:cNvPr id="7" name="Grafik 6"/>
-          <p:cNvPicPr>
-            <a:picLocks noChangeAspect="1"/>
-          </p:cNvPicPr>
-          <p:nvPr/>
-        </p:nvPicPr>
-        <p:blipFill>
-          <a:blip r:embed="rId4" cstate="print">
-            <a:extLst>
-              <a:ext uri="{28A0092B-C50C-407E-A947-70E740481C1C}">
-                <a14:useLocalDpi xmlns:a14="http://schemas.microsoft.com/office/drawing/2010/main" val="0"/>
-              </a:ext>
-            </a:extLst>
-          </a:blip>
-          <a:stretch>
-            <a:fillRect/>
-          </a:stretch>
-        </p:blipFill>
-        <p:spPr>
-          <a:xfrm>
-            <a:off x="3101287" y="1259044"/>
-            <a:ext cx="2941425" cy="5229199"/>
-          </a:xfrm>
-          <a:prstGeom prst="rect">
-            <a:avLst/>
-          </a:prstGeom>
-        </p:spPr>
-      </p:pic>
-      <p:pic>
-        <p:nvPicPr>
-          <p:cNvPr id="8" name="Grafik 7"/>
-          <p:cNvPicPr>
-            <a:picLocks noChangeAspect="1"/>
-          </p:cNvPicPr>
-          <p:nvPr/>
-        </p:nvPicPr>
-        <p:blipFill>
-          <a:blip r:embed="rId5" cstate="print">
-            <a:extLst>
-              <a:ext uri="{28A0092B-C50C-407E-A947-70E740481C1C}">
-                <a14:useLocalDpi xmlns:a14="http://schemas.microsoft.com/office/drawing/2010/main" val="0"/>
-              </a:ext>
-            </a:extLst>
-          </a:blip>
-          <a:stretch>
-            <a:fillRect/>
-          </a:stretch>
-        </p:blipFill>
-        <p:spPr>
-          <a:xfrm>
-            <a:off x="6042712" y="1258567"/>
-            <a:ext cx="2941693" cy="5229676"/>
-          </a:xfrm>
-          <a:prstGeom prst="rect">
-            <a:avLst/>
-          </a:prstGeom>
-        </p:spPr>
-      </p:pic>
       <p:sp>
         <p:nvSpPr>
           <p:cNvPr id="9" name="Textfeld 8"/>
@@ -11604,6 +11681,66 @@
           </a:p>
         </p:txBody>
       </p:sp>
+      <p:pic>
+        <p:nvPicPr>
+          <p:cNvPr id="10" name="Grafik 9"/>
+          <p:cNvPicPr>
+            <a:picLocks noChangeAspect="1"/>
+          </p:cNvPicPr>
+          <p:nvPr/>
+        </p:nvPicPr>
+        <p:blipFill>
+          <a:blip r:embed="rId4" cstate="print">
+            <a:extLst>
+              <a:ext uri="{28A0092B-C50C-407E-A947-70E740481C1C}">
+                <a14:useLocalDpi xmlns:a14="http://schemas.microsoft.com/office/drawing/2010/main" val="0"/>
+              </a:ext>
+            </a:extLst>
+          </a:blip>
+          <a:stretch>
+            <a:fillRect/>
+          </a:stretch>
+        </p:blipFill>
+        <p:spPr>
+          <a:xfrm>
+            <a:off x="3101287" y="1259044"/>
+            <a:ext cx="2941425" cy="5229199"/>
+          </a:xfrm>
+          <a:prstGeom prst="rect">
+            <a:avLst/>
+          </a:prstGeom>
+        </p:spPr>
+      </p:pic>
+      <p:pic>
+        <p:nvPicPr>
+          <p:cNvPr id="12" name="Grafik 11"/>
+          <p:cNvPicPr>
+            <a:picLocks noChangeAspect="1"/>
+          </p:cNvPicPr>
+          <p:nvPr/>
+        </p:nvPicPr>
+        <p:blipFill>
+          <a:blip r:embed="rId5" cstate="print">
+            <a:extLst>
+              <a:ext uri="{28A0092B-C50C-407E-A947-70E740481C1C}">
+                <a14:useLocalDpi xmlns:a14="http://schemas.microsoft.com/office/drawing/2010/main" val="0"/>
+              </a:ext>
+            </a:extLst>
+          </a:blip>
+          <a:stretch>
+            <a:fillRect/>
+          </a:stretch>
+        </p:blipFill>
+        <p:spPr>
+          <a:xfrm>
+            <a:off x="6042712" y="1259044"/>
+            <a:ext cx="2941425" cy="5229199"/>
+          </a:xfrm>
+          <a:prstGeom prst="rect">
+            <a:avLst/>
+          </a:prstGeom>
+        </p:spPr>
+      </p:pic>
     </p:spTree>
     <p:extLst>
       <p:ext uri="{BB962C8B-B14F-4D97-AF65-F5344CB8AC3E}">
@@ -11747,7 +11884,7 @@
                                           </p:stCondLst>
                                         </p:cTn>
                                         <p:tgtEl>
-                                          <p:spTgt spid="7"/>
+                                          <p:spTgt spid="10"/>
                                         </p:tgtEl>
                                         <p:attrNameLst>
                                           <p:attrName>style.visibility</p:attrName>
@@ -11761,7 +11898,7 @@
                                       <p:cBhvr>
                                         <p:cTn id="15" dur="1000"/>
                                         <p:tgtEl>
-                                          <p:spTgt spid="7"/>
+                                          <p:spTgt spid="10"/>
                                         </p:tgtEl>
                                       </p:cBhvr>
                                     </p:animEffect>
@@ -11769,7 +11906,7 @@
                                       <p:cBhvr>
                                         <p:cTn id="16" dur="1000" fill="hold"/>
                                         <p:tgtEl>
-                                          <p:spTgt spid="7"/>
+                                          <p:spTgt spid="10"/>
                                         </p:tgtEl>
                                         <p:attrNameLst>
                                           <p:attrName>ppt_x</p:attrName>
@@ -11792,7 +11929,7 @@
                                       <p:cBhvr>
                                         <p:cTn id="17" dur="1000" fill="hold"/>
                                         <p:tgtEl>
-                                          <p:spTgt spid="7"/>
+                                          <p:spTgt spid="10"/>
                                         </p:tgtEl>
                                         <p:attrNameLst>
                                           <p:attrName>ppt_y</p:attrName>
@@ -11846,7 +11983,7 @@
                                           </p:stCondLst>
                                         </p:cTn>
                                         <p:tgtEl>
-                                          <p:spTgt spid="8"/>
+                                          <p:spTgt spid="12"/>
                                         </p:tgtEl>
                                         <p:attrNameLst>
                                           <p:attrName>style.visibility</p:attrName>
@@ -11860,7 +11997,7 @@
                                       <p:cBhvr>
                                         <p:cTn id="22" dur="1000"/>
                                         <p:tgtEl>
-                                          <p:spTgt spid="8"/>
+                                          <p:spTgt spid="12"/>
                                         </p:tgtEl>
                                       </p:cBhvr>
                                     </p:animEffect>
@@ -11868,7 +12005,7 @@
                                       <p:cBhvr>
                                         <p:cTn id="23" dur="1000" fill="hold"/>
                                         <p:tgtEl>
-                                          <p:spTgt spid="8"/>
+                                          <p:spTgt spid="12"/>
                                         </p:tgtEl>
                                         <p:attrNameLst>
                                           <p:attrName>ppt_x</p:attrName>
@@ -11891,7 +12028,7 @@
                                       <p:cBhvr>
                                         <p:cTn id="24" dur="1000" fill="hold"/>
                                         <p:tgtEl>
-                                          <p:spTgt spid="8"/>
+                                          <p:spTgt spid="12"/>
                                         </p:tgtEl>
                                         <p:attrNameLst>
                                           <p:attrName>ppt_y</p:attrName>
@@ -12078,7 +12215,7 @@
       </p:sp>
       <p:pic>
         <p:nvPicPr>
-          <p:cNvPr id="6" name="Grafik 5"/>
+          <p:cNvPr id="8" name="Grafik 7"/>
           <p:cNvPicPr>
             <a:picLocks noChangeAspect="1"/>
           </p:cNvPicPr>
@@ -12098,7 +12235,7 @@
         </p:blipFill>
         <p:spPr>
           <a:xfrm>
-            <a:off x="159862" y="1258567"/>
+            <a:off x="6042712" y="1258567"/>
             <a:ext cx="2941425" cy="5229200"/>
           </a:xfrm>
           <a:prstGeom prst="rect">
@@ -12106,9 +12243,37 @@
           </a:prstGeom>
         </p:spPr>
       </p:pic>
+      <p:sp>
+        <p:nvSpPr>
+          <p:cNvPr id="9" name="Fußzeilenplatzhalter 8"/>
+          <p:cNvSpPr>
+            <a:spLocks noGrp="1"/>
+          </p:cNvSpPr>
+          <p:nvPr>
+            <p:ph type="ftr" sz="quarter" idx="11"/>
+          </p:nvPr>
+        </p:nvSpPr>
+        <p:spPr>
+          <a:xfrm>
+            <a:off x="3124200" y="6480000"/>
+            <a:ext cx="2895600" cy="365125"/>
+          </a:xfrm>
+        </p:spPr>
+        <p:txBody>
+          <a:bodyPr/>
+          <a:lstStyle/>
+          <a:p>
+            <a:r>
+              <a:rPr lang="de-DE" smtClean="0"/>
+              <a:t>Steffen Koch &amp; Andreas Muss</a:t>
+            </a:r>
+            <a:endParaRPr lang="de-DE"/>
+          </a:p>
+        </p:txBody>
+      </p:sp>
       <p:pic>
         <p:nvPicPr>
-          <p:cNvPr id="7" name="Grafik 6"/>
+          <p:cNvPr id="5" name="Grafik 4"/>
           <p:cNvPicPr>
             <a:picLocks noChangeAspect="1"/>
           </p:cNvPicPr>
@@ -12128,7 +12293,7 @@
         </p:blipFill>
         <p:spPr>
           <a:xfrm>
-            <a:off x="3101287" y="1258567"/>
+            <a:off x="159862" y="1258567"/>
             <a:ext cx="2941425" cy="5229200"/>
           </a:xfrm>
           <a:prstGeom prst="rect">
@@ -12138,7 +12303,7 @@
       </p:pic>
       <p:pic>
         <p:nvPicPr>
-          <p:cNvPr id="8" name="Grafik 7"/>
+          <p:cNvPr id="10" name="Grafik 9"/>
           <p:cNvPicPr>
             <a:picLocks noChangeAspect="1"/>
           </p:cNvPicPr>
@@ -12158,7 +12323,7 @@
         </p:blipFill>
         <p:spPr>
           <a:xfrm>
-            <a:off x="6042712" y="1258567"/>
+            <a:off x="3101287" y="1258567"/>
             <a:ext cx="2941425" cy="5229200"/>
           </a:xfrm>
           <a:prstGeom prst="rect">
@@ -12166,34 +12331,6 @@
           </a:prstGeom>
         </p:spPr>
       </p:pic>
-      <p:sp>
-        <p:nvSpPr>
-          <p:cNvPr id="9" name="Fußzeilenplatzhalter 8"/>
-          <p:cNvSpPr>
-            <a:spLocks noGrp="1"/>
-          </p:cNvSpPr>
-          <p:nvPr>
-            <p:ph type="ftr" sz="quarter" idx="11"/>
-          </p:nvPr>
-        </p:nvSpPr>
-        <p:spPr>
-          <a:xfrm>
-            <a:off x="3124200" y="6480000"/>
-            <a:ext cx="2895600" cy="365125"/>
-          </a:xfrm>
-        </p:spPr>
-        <p:txBody>
-          <a:bodyPr/>
-          <a:lstStyle/>
-          <a:p>
-            <a:r>
-              <a:rPr lang="de-DE" smtClean="0"/>
-              <a:t>Steffen Koch &amp; Andreas Muss</a:t>
-            </a:r>
-            <a:endParaRPr lang="de-DE"/>
-          </a:p>
-        </p:txBody>
-      </p:sp>
     </p:spTree>
     <p:extLst>
       <p:ext uri="{BB962C8B-B14F-4D97-AF65-F5344CB8AC3E}">

--- a/Präsentation.pptx
+++ b/Präsentation.pptx
@@ -5,7 +5,7 @@
     <p:sldMasterId id="2147483648" r:id="rId1"/>
   </p:sldMasterIdLst>
   <p:notesMasterIdLst>
-    <p:notesMasterId r:id="rId20"/>
+    <p:notesMasterId r:id="rId21"/>
   </p:notesMasterIdLst>
   <p:sldIdLst>
     <p:sldId id="257" r:id="rId2"/>
@@ -16,16 +16,17 @@
     <p:sldId id="261" r:id="rId7"/>
     <p:sldId id="262" r:id="rId8"/>
     <p:sldId id="264" r:id="rId9"/>
-    <p:sldId id="265" r:id="rId10"/>
-    <p:sldId id="266" r:id="rId11"/>
-    <p:sldId id="267" r:id="rId12"/>
-    <p:sldId id="268" r:id="rId13"/>
-    <p:sldId id="269" r:id="rId14"/>
-    <p:sldId id="271" r:id="rId15"/>
-    <p:sldId id="272" r:id="rId16"/>
-    <p:sldId id="273" r:id="rId17"/>
-    <p:sldId id="275" r:id="rId18"/>
-    <p:sldId id="270" r:id="rId19"/>
+    <p:sldId id="277" r:id="rId10"/>
+    <p:sldId id="265" r:id="rId11"/>
+    <p:sldId id="266" r:id="rId12"/>
+    <p:sldId id="267" r:id="rId13"/>
+    <p:sldId id="268" r:id="rId14"/>
+    <p:sldId id="269" r:id="rId15"/>
+    <p:sldId id="276" r:id="rId16"/>
+    <p:sldId id="272" r:id="rId17"/>
+    <p:sldId id="273" r:id="rId18"/>
+    <p:sldId id="275" r:id="rId19"/>
+    <p:sldId id="270" r:id="rId20"/>
   </p:sldIdLst>
   <p:sldSz cx="9144000" cy="6858000" type="screen4x3"/>
   <p:notesSz cx="6858000" cy="9144000"/>
@@ -126,7 +127,7 @@
   </p:defaultTextStyle>
   <p:extLst>
     <p:ext uri="{EFAFB233-063F-42B5-8137-9DF3F51BA10A}">
-      <p15:sldGuideLst xmlns:p15="http://schemas.microsoft.com/office/powerpoint/2012/main" xmlns="">
+      <p15:sldGuideLst xmlns:p15="http://schemas.microsoft.com/office/powerpoint/2012/main">
         <p15:guide id="1" orient="horz" pos="2160">
           <p15:clr>
             <a:srgbClr val="A4A3A4"/>
@@ -3885,6 +3886,273 @@
 </file>
 
 <file path=ppt/slides/slide10.xml><?xml version="1.0" encoding="utf-8"?>
+<p:sld xmlns:a="http://schemas.openxmlformats.org/drawingml/2006/main" xmlns:r="http://schemas.openxmlformats.org/officeDocument/2006/relationships" xmlns:p="http://schemas.openxmlformats.org/presentationml/2006/main">
+  <p:cSld>
+    <p:spTree>
+      <p:nvGrpSpPr>
+        <p:cNvPr id="1" name=""/>
+        <p:cNvGrpSpPr/>
+        <p:nvPr/>
+      </p:nvGrpSpPr>
+      <p:grpSpPr>
+        <a:xfrm>
+          <a:off x="0" y="0"/>
+          <a:ext cx="0" cy="0"/>
+          <a:chOff x="0" y="0"/>
+          <a:chExt cx="0" cy="0"/>
+        </a:xfrm>
+      </p:grpSpPr>
+      <p:pic>
+        <p:nvPicPr>
+          <p:cNvPr id="2" name="Grafik 1"/>
+          <p:cNvPicPr>
+            <a:picLocks noChangeAspect="1"/>
+          </p:cNvPicPr>
+          <p:nvPr/>
+        </p:nvPicPr>
+        <p:blipFill>
+          <a:blip r:embed="rId2">
+            <a:extLst>
+              <a:ext uri="{28A0092B-C50C-407E-A947-70E740481C1C}">
+                <a14:useLocalDpi xmlns:a14="http://schemas.microsoft.com/office/drawing/2010/main" val="0"/>
+              </a:ext>
+            </a:extLst>
+          </a:blip>
+          <a:stretch>
+            <a:fillRect/>
+          </a:stretch>
+        </p:blipFill>
+        <p:spPr>
+          <a:xfrm>
+            <a:off x="0" y="0"/>
+            <a:ext cx="2619375" cy="1133475"/>
+          </a:xfrm>
+          <a:prstGeom prst="rect">
+            <a:avLst/>
+          </a:prstGeom>
+        </p:spPr>
+      </p:pic>
+      <p:sp>
+        <p:nvSpPr>
+          <p:cNvPr id="3" name="Rechteck 2"/>
+          <p:cNvSpPr/>
+          <p:nvPr/>
+        </p:nvSpPr>
+        <p:spPr>
+          <a:xfrm>
+            <a:off x="0" y="1017387"/>
+            <a:ext cx="9144000" cy="36659"/>
+          </a:xfrm>
+          <a:prstGeom prst="rect">
+            <a:avLst/>
+          </a:prstGeom>
+          <a:solidFill>
+            <a:srgbClr val="7030A0"/>
+          </a:solidFill>
+          <a:ln>
+            <a:solidFill>
+              <a:srgbClr val="7030A0"/>
+            </a:solidFill>
+          </a:ln>
+        </p:spPr>
+        <p:style>
+          <a:lnRef idx="2">
+            <a:schemeClr val="accent1">
+              <a:shade val="50000"/>
+            </a:schemeClr>
+          </a:lnRef>
+          <a:fillRef idx="1">
+            <a:schemeClr val="accent1"/>
+          </a:fillRef>
+          <a:effectRef idx="0">
+            <a:schemeClr val="accent1"/>
+          </a:effectRef>
+          <a:fontRef idx="minor">
+            <a:schemeClr val="lt1"/>
+          </a:fontRef>
+        </p:style>
+        <p:txBody>
+          <a:bodyPr rtlCol="0" anchor="ctr"/>
+          <a:lstStyle/>
+          <a:p>
+            <a:pPr algn="ctr"/>
+            <a:endParaRPr lang="de-DE"/>
+          </a:p>
+        </p:txBody>
+      </p:sp>
+      <p:sp>
+        <p:nvSpPr>
+          <p:cNvPr id="4" name="Textfeld 3"/>
+          <p:cNvSpPr txBox="1"/>
+          <p:nvPr/>
+        </p:nvSpPr>
+        <p:spPr>
+          <a:xfrm>
+            <a:off x="5508104" y="274349"/>
+            <a:ext cx="2550506" cy="584775"/>
+          </a:xfrm>
+          <a:prstGeom prst="rect">
+            <a:avLst/>
+          </a:prstGeom>
+          <a:noFill/>
+        </p:spPr>
+        <p:txBody>
+          <a:bodyPr wrap="none" rtlCol="0">
+            <a:spAutoFit/>
+          </a:bodyPr>
+          <a:lstStyle/>
+          <a:p>
+            <a:r>
+              <a:rPr lang="de-DE" sz="3200" dirty="0" err="1" smtClean="0">
+                <a:latin typeface="Rockwell" panose="02060603020205020403" pitchFamily="18" charset="0"/>
+              </a:rPr>
+              <a:t>MainActivity</a:t>
+            </a:r>
+            <a:endParaRPr lang="de-DE" dirty="0">
+              <a:latin typeface="Rockwell" panose="02060603020205020403" pitchFamily="18" charset="0"/>
+            </a:endParaRPr>
+          </a:p>
+        </p:txBody>
+      </p:sp>
+      <p:pic>
+        <p:nvPicPr>
+          <p:cNvPr id="8" name="Grafik 7"/>
+          <p:cNvPicPr>
+            <a:picLocks noChangeAspect="1"/>
+          </p:cNvPicPr>
+          <p:nvPr/>
+        </p:nvPicPr>
+        <p:blipFill>
+          <a:blip r:embed="rId3" cstate="print">
+            <a:extLst>
+              <a:ext uri="{28A0092B-C50C-407E-A947-70E740481C1C}">
+                <a14:useLocalDpi xmlns:a14="http://schemas.microsoft.com/office/drawing/2010/main" val="0"/>
+              </a:ext>
+            </a:extLst>
+          </a:blip>
+          <a:stretch>
+            <a:fillRect/>
+          </a:stretch>
+        </p:blipFill>
+        <p:spPr>
+          <a:xfrm>
+            <a:off x="6042712" y="1258567"/>
+            <a:ext cx="2941425" cy="5229200"/>
+          </a:xfrm>
+          <a:prstGeom prst="rect">
+            <a:avLst/>
+          </a:prstGeom>
+        </p:spPr>
+      </p:pic>
+      <p:sp>
+        <p:nvSpPr>
+          <p:cNvPr id="9" name="Fußzeilenplatzhalter 8"/>
+          <p:cNvSpPr>
+            <a:spLocks noGrp="1"/>
+          </p:cNvSpPr>
+          <p:nvPr>
+            <p:ph type="ftr" sz="quarter" idx="11"/>
+          </p:nvPr>
+        </p:nvSpPr>
+        <p:spPr>
+          <a:xfrm>
+            <a:off x="3124200" y="6480000"/>
+            <a:ext cx="2895600" cy="365125"/>
+          </a:xfrm>
+        </p:spPr>
+        <p:txBody>
+          <a:bodyPr/>
+          <a:lstStyle/>
+          <a:p>
+            <a:r>
+              <a:rPr lang="de-DE" smtClean="0"/>
+              <a:t>Steffen Koch &amp; Andreas Muss</a:t>
+            </a:r>
+            <a:endParaRPr lang="de-DE"/>
+          </a:p>
+        </p:txBody>
+      </p:sp>
+      <p:pic>
+        <p:nvPicPr>
+          <p:cNvPr id="5" name="Grafik 4"/>
+          <p:cNvPicPr>
+            <a:picLocks noChangeAspect="1"/>
+          </p:cNvPicPr>
+          <p:nvPr/>
+        </p:nvPicPr>
+        <p:blipFill>
+          <a:blip r:embed="rId4" cstate="print">
+            <a:extLst>
+              <a:ext uri="{28A0092B-C50C-407E-A947-70E740481C1C}">
+                <a14:useLocalDpi xmlns:a14="http://schemas.microsoft.com/office/drawing/2010/main" val="0"/>
+              </a:ext>
+            </a:extLst>
+          </a:blip>
+          <a:stretch>
+            <a:fillRect/>
+          </a:stretch>
+        </p:blipFill>
+        <p:spPr>
+          <a:xfrm>
+            <a:off x="159862" y="1258567"/>
+            <a:ext cx="2941425" cy="5229200"/>
+          </a:xfrm>
+          <a:prstGeom prst="rect">
+            <a:avLst/>
+          </a:prstGeom>
+        </p:spPr>
+      </p:pic>
+      <p:pic>
+        <p:nvPicPr>
+          <p:cNvPr id="10" name="Grafik 9"/>
+          <p:cNvPicPr>
+            <a:picLocks noChangeAspect="1"/>
+          </p:cNvPicPr>
+          <p:nvPr/>
+        </p:nvPicPr>
+        <p:blipFill>
+          <a:blip r:embed="rId5" cstate="print">
+            <a:extLst>
+              <a:ext uri="{28A0092B-C50C-407E-A947-70E740481C1C}">
+                <a14:useLocalDpi xmlns:a14="http://schemas.microsoft.com/office/drawing/2010/main" val="0"/>
+              </a:ext>
+            </a:extLst>
+          </a:blip>
+          <a:stretch>
+            <a:fillRect/>
+          </a:stretch>
+        </p:blipFill>
+        <p:spPr>
+          <a:xfrm>
+            <a:off x="3101287" y="1258567"/>
+            <a:ext cx="2941425" cy="5229200"/>
+          </a:xfrm>
+          <a:prstGeom prst="rect">
+            <a:avLst/>
+          </a:prstGeom>
+        </p:spPr>
+      </p:pic>
+    </p:spTree>
+    <p:extLst>
+      <p:ext uri="{BB962C8B-B14F-4D97-AF65-F5344CB8AC3E}">
+        <p14:creationId xmlns:p14="http://schemas.microsoft.com/office/powerpoint/2010/main" val="3557061554"/>
+      </p:ext>
+    </p:extLst>
+  </p:cSld>
+  <p:clrMapOvr>
+    <a:masterClrMapping/>
+  </p:clrMapOvr>
+  <p:timing>
+    <p:tnLst>
+      <p:par>
+        <p:cTn id="1" dur="indefinite" restart="never" nodeType="tmRoot"/>
+      </p:par>
+    </p:tnLst>
+  </p:timing>
+</p:sld>
+</file>
+
+<file path=ppt/slides/slide11.xml><?xml version="1.0" encoding="utf-8"?>
 <p:sld xmlns:a="http://schemas.openxmlformats.org/drawingml/2006/main" xmlns:r="http://schemas.openxmlformats.org/officeDocument/2006/relationships" xmlns:p="http://schemas.openxmlformats.org/presentationml/2006/main">
   <p:cSld>
     <p:spTree>
@@ -5139,7 +5407,7 @@
 </p:sld>
 </file>
 
-<file path=ppt/slides/slide11.xml><?xml version="1.0" encoding="utf-8"?>
+<file path=ppt/slides/slide12.xml><?xml version="1.0" encoding="utf-8"?>
 <p:sld xmlns:a="http://schemas.openxmlformats.org/drawingml/2006/main" xmlns:r="http://schemas.openxmlformats.org/officeDocument/2006/relationships" xmlns:p="http://schemas.openxmlformats.org/presentationml/2006/main">
   <p:cSld>
     <p:spTree>
@@ -6229,529 +6497,6 @@
 </p:sld>
 </file>
 
-<file path=ppt/slides/slide12.xml><?xml version="1.0" encoding="utf-8"?>
-<p:sld xmlns:a="http://schemas.openxmlformats.org/drawingml/2006/main" xmlns:r="http://schemas.openxmlformats.org/officeDocument/2006/relationships" xmlns:p="http://schemas.openxmlformats.org/presentationml/2006/main">
-  <p:cSld>
-    <p:spTree>
-      <p:nvGrpSpPr>
-        <p:cNvPr id="1" name=""/>
-        <p:cNvGrpSpPr/>
-        <p:nvPr/>
-      </p:nvGrpSpPr>
-      <p:grpSpPr>
-        <a:xfrm>
-          <a:off x="0" y="0"/>
-          <a:ext cx="0" cy="0"/>
-          <a:chOff x="0" y="0"/>
-          <a:chExt cx="0" cy="0"/>
-        </a:xfrm>
-      </p:grpSpPr>
-      <p:pic>
-        <p:nvPicPr>
-          <p:cNvPr id="2" name="Grafik 1"/>
-          <p:cNvPicPr>
-            <a:picLocks noChangeAspect="1"/>
-          </p:cNvPicPr>
-          <p:nvPr/>
-        </p:nvPicPr>
-        <p:blipFill>
-          <a:blip r:embed="rId2">
-            <a:extLst>
-              <a:ext uri="{28A0092B-C50C-407E-A947-70E740481C1C}">
-                <a14:useLocalDpi xmlns:a14="http://schemas.microsoft.com/office/drawing/2010/main" val="0"/>
-              </a:ext>
-            </a:extLst>
-          </a:blip>
-          <a:stretch>
-            <a:fillRect/>
-          </a:stretch>
-        </p:blipFill>
-        <p:spPr>
-          <a:xfrm>
-            <a:off x="0" y="0"/>
-            <a:ext cx="2619375" cy="1133475"/>
-          </a:xfrm>
-          <a:prstGeom prst="rect">
-            <a:avLst/>
-          </a:prstGeom>
-        </p:spPr>
-      </p:pic>
-      <p:pic>
-        <p:nvPicPr>
-          <p:cNvPr id="11" name="Grafik 10"/>
-          <p:cNvPicPr>
-            <a:picLocks noChangeAspect="1"/>
-          </p:cNvPicPr>
-          <p:nvPr/>
-        </p:nvPicPr>
-        <p:blipFill>
-          <a:blip r:embed="rId3">
-            <a:extLst>
-              <a:ext uri="{28A0092B-C50C-407E-A947-70E740481C1C}">
-                <a14:useLocalDpi xmlns:a14="http://schemas.microsoft.com/office/drawing/2010/main" val="0"/>
-              </a:ext>
-            </a:extLst>
-          </a:blip>
-          <a:stretch>
-            <a:fillRect/>
-          </a:stretch>
-        </p:blipFill>
-        <p:spPr>
-          <a:xfrm>
-            <a:off x="1" y="1069200"/>
-            <a:ext cx="4012989" cy="5788800"/>
-          </a:xfrm>
-          <a:prstGeom prst="rect">
-            <a:avLst/>
-          </a:prstGeom>
-        </p:spPr>
-      </p:pic>
-      <p:sp>
-        <p:nvSpPr>
-          <p:cNvPr id="3" name="Rechteck 2"/>
-          <p:cNvSpPr/>
-          <p:nvPr/>
-        </p:nvSpPr>
-        <p:spPr>
-          <a:xfrm>
-            <a:off x="0" y="1017387"/>
-            <a:ext cx="9144000" cy="36659"/>
-          </a:xfrm>
-          <a:prstGeom prst="rect">
-            <a:avLst/>
-          </a:prstGeom>
-          <a:solidFill>
-            <a:srgbClr val="7030A0"/>
-          </a:solidFill>
-          <a:ln>
-            <a:solidFill>
-              <a:srgbClr val="7030A0"/>
-            </a:solidFill>
-          </a:ln>
-        </p:spPr>
-        <p:style>
-          <a:lnRef idx="2">
-            <a:schemeClr val="accent1">
-              <a:shade val="50000"/>
-            </a:schemeClr>
-          </a:lnRef>
-          <a:fillRef idx="1">
-            <a:schemeClr val="accent1"/>
-          </a:fillRef>
-          <a:effectRef idx="0">
-            <a:schemeClr val="accent1"/>
-          </a:effectRef>
-          <a:fontRef idx="minor">
-            <a:schemeClr val="lt1"/>
-          </a:fontRef>
-        </p:style>
-        <p:txBody>
-          <a:bodyPr rtlCol="0" anchor="ctr"/>
-          <a:lstStyle/>
-          <a:p>
-            <a:pPr algn="ctr"/>
-            <a:endParaRPr lang="de-DE"/>
-          </a:p>
-        </p:txBody>
-      </p:sp>
-      <p:sp>
-        <p:nvSpPr>
-          <p:cNvPr id="4" name="Textfeld 3"/>
-          <p:cNvSpPr txBox="1"/>
-          <p:nvPr/>
-        </p:nvSpPr>
-        <p:spPr>
-          <a:xfrm>
-            <a:off x="5508104" y="274349"/>
-            <a:ext cx="1579278" cy="584775"/>
-          </a:xfrm>
-          <a:prstGeom prst="rect">
-            <a:avLst/>
-          </a:prstGeom>
-          <a:noFill/>
-        </p:spPr>
-        <p:txBody>
-          <a:bodyPr wrap="none" rtlCol="0">
-            <a:spAutoFit/>
-          </a:bodyPr>
-          <a:lstStyle/>
-          <a:p>
-            <a:r>
-              <a:rPr lang="de-DE" sz="3200" dirty="0" smtClean="0">
-                <a:latin typeface="Rockwell" panose="02060603020205020403" pitchFamily="18" charset="0"/>
-              </a:rPr>
-              <a:t>Models</a:t>
-            </a:r>
-            <a:endParaRPr lang="de-DE" dirty="0">
-              <a:latin typeface="Rockwell" panose="02060603020205020403" pitchFamily="18" charset="0"/>
-            </a:endParaRPr>
-          </a:p>
-        </p:txBody>
-      </p:sp>
-      <p:cxnSp>
-        <p:nvCxnSpPr>
-          <p:cNvPr id="7" name="Gerade Verbindung 6"/>
-          <p:cNvCxnSpPr/>
-          <p:nvPr/>
-        </p:nvCxnSpPr>
-        <p:spPr>
-          <a:xfrm>
-            <a:off x="1763688" y="4581128"/>
-            <a:ext cx="0" cy="432048"/>
-          </a:xfrm>
-          <a:prstGeom prst="line">
-            <a:avLst/>
-          </a:prstGeom>
-          <a:ln w="25400">
-            <a:solidFill>
-              <a:srgbClr val="7030A0"/>
-            </a:solidFill>
-          </a:ln>
-        </p:spPr>
-        <p:style>
-          <a:lnRef idx="1">
-            <a:schemeClr val="accent1"/>
-          </a:lnRef>
-          <a:fillRef idx="0">
-            <a:schemeClr val="accent1"/>
-          </a:fillRef>
-          <a:effectRef idx="0">
-            <a:schemeClr val="accent1"/>
-          </a:effectRef>
-          <a:fontRef idx="minor">
-            <a:schemeClr val="tx1"/>
-          </a:fontRef>
-        </p:style>
-      </p:cxnSp>
-      <p:sp>
-        <p:nvSpPr>
-          <p:cNvPr id="10" name="Fußzeilenplatzhalter 9"/>
-          <p:cNvSpPr>
-            <a:spLocks noGrp="1"/>
-          </p:cNvSpPr>
-          <p:nvPr>
-            <p:ph type="ftr" sz="quarter" idx="11"/>
-          </p:nvPr>
-        </p:nvSpPr>
-        <p:spPr>
-          <a:xfrm>
-            <a:off x="3124200" y="6480000"/>
-            <a:ext cx="2895600" cy="365125"/>
-          </a:xfrm>
-        </p:spPr>
-        <p:txBody>
-          <a:bodyPr/>
-          <a:lstStyle/>
-          <a:p>
-            <a:r>
-              <a:rPr lang="de-DE" smtClean="0"/>
-              <a:t>Steffen Koch &amp; Andreas Muss</a:t>
-            </a:r>
-            <a:endParaRPr lang="de-DE"/>
-          </a:p>
-        </p:txBody>
-      </p:sp>
-      <p:pic>
-        <p:nvPicPr>
-          <p:cNvPr id="12" name="Grafik 11"/>
-          <p:cNvPicPr>
-            <a:picLocks noChangeAspect="1"/>
-          </p:cNvPicPr>
-          <p:nvPr/>
-        </p:nvPicPr>
-        <p:blipFill>
-          <a:blip r:embed="rId4">
-            <a:extLst>
-              <a:ext uri="{28A0092B-C50C-407E-A947-70E740481C1C}">
-                <a14:useLocalDpi xmlns:a14="http://schemas.microsoft.com/office/drawing/2010/main" val="0"/>
-              </a:ext>
-            </a:extLst>
-          </a:blip>
-          <a:stretch>
-            <a:fillRect/>
-          </a:stretch>
-        </p:blipFill>
-        <p:spPr>
-          <a:xfrm>
-            <a:off x="251520" y="1196752"/>
-            <a:ext cx="7236296" cy="4070417"/>
-          </a:xfrm>
-          <a:prstGeom prst="rect">
-            <a:avLst/>
-          </a:prstGeom>
-        </p:spPr>
-      </p:pic>
-      <p:pic>
-        <p:nvPicPr>
-          <p:cNvPr id="13" name="Grafik 12"/>
-          <p:cNvPicPr>
-            <a:picLocks noChangeAspect="1"/>
-          </p:cNvPicPr>
-          <p:nvPr/>
-        </p:nvPicPr>
-        <p:blipFill>
-          <a:blip r:embed="rId5">
-            <a:extLst>
-              <a:ext uri="{28A0092B-C50C-407E-A947-70E740481C1C}">
-                <a14:useLocalDpi xmlns:a14="http://schemas.microsoft.com/office/drawing/2010/main" val="0"/>
-              </a:ext>
-            </a:extLst>
-          </a:blip>
-          <a:stretch>
-            <a:fillRect/>
-          </a:stretch>
-        </p:blipFill>
-        <p:spPr>
-          <a:xfrm>
-            <a:off x="1352656" y="2348880"/>
-            <a:ext cx="7132284" cy="4011910"/>
-          </a:xfrm>
-          <a:prstGeom prst="rect">
-            <a:avLst/>
-          </a:prstGeom>
-        </p:spPr>
-      </p:pic>
-    </p:spTree>
-    <p:extLst>
-      <p:ext uri="{BB962C8B-B14F-4D97-AF65-F5344CB8AC3E}">
-        <p14:creationId xmlns:p14="http://schemas.microsoft.com/office/powerpoint/2010/main" val="2646920230"/>
-      </p:ext>
-    </p:extLst>
-  </p:cSld>
-  <p:clrMapOvr>
-    <a:masterClrMapping/>
-  </p:clrMapOvr>
-  <p:timing>
-    <p:tnLst>
-      <p:par>
-        <p:cTn id="1" dur="indefinite" restart="never" nodeType="tmRoot">
-          <p:childTnLst>
-            <p:seq concurrent="1" nextAc="seek">
-              <p:cTn id="2" dur="indefinite" nodeType="mainSeq">
-                <p:childTnLst>
-                  <p:par>
-                    <p:cTn id="3" fill="hold">
-                      <p:stCondLst>
-                        <p:cond delay="indefinite"/>
-                      </p:stCondLst>
-                      <p:childTnLst>
-                        <p:par>
-                          <p:cTn id="4" fill="hold">
-                            <p:stCondLst>
-                              <p:cond delay="0"/>
-                            </p:stCondLst>
-                            <p:childTnLst>
-                              <p:par>
-                                <p:cTn id="5" presetID="42" presetClass="entr" presetSubtype="0" fill="hold" nodeType="clickEffect">
-                                  <p:stCondLst>
-                                    <p:cond delay="0"/>
-                                  </p:stCondLst>
-                                  <p:childTnLst>
-                                    <p:set>
-                                      <p:cBhvr>
-                                        <p:cTn id="6" dur="1" fill="hold">
-                                          <p:stCondLst>
-                                            <p:cond delay="0"/>
-                                          </p:stCondLst>
-                                        </p:cTn>
-                                        <p:tgtEl>
-                                          <p:spTgt spid="12"/>
-                                        </p:tgtEl>
-                                        <p:attrNameLst>
-                                          <p:attrName>style.visibility</p:attrName>
-                                        </p:attrNameLst>
-                                      </p:cBhvr>
-                                      <p:to>
-                                        <p:strVal val="visible"/>
-                                      </p:to>
-                                    </p:set>
-                                    <p:animEffect transition="in" filter="fade">
-                                      <p:cBhvr>
-                                        <p:cTn id="7" dur="1000"/>
-                                        <p:tgtEl>
-                                          <p:spTgt spid="12"/>
-                                        </p:tgtEl>
-                                      </p:cBhvr>
-                                    </p:animEffect>
-                                    <p:anim calcmode="lin" valueType="num">
-                                      <p:cBhvr>
-                                        <p:cTn id="8" dur="1000" fill="hold"/>
-                                        <p:tgtEl>
-                                          <p:spTgt spid="12"/>
-                                        </p:tgtEl>
-                                        <p:attrNameLst>
-                                          <p:attrName>ppt_x</p:attrName>
-                                        </p:attrNameLst>
-                                      </p:cBhvr>
-                                      <p:tavLst>
-                                        <p:tav tm="0">
-                                          <p:val>
-                                            <p:strVal val="#ppt_x"/>
-                                          </p:val>
-                                        </p:tav>
-                                        <p:tav tm="100000">
-                                          <p:val>
-                                            <p:strVal val="#ppt_x"/>
-                                          </p:val>
-                                        </p:tav>
-                                      </p:tavLst>
-                                    </p:anim>
-                                    <p:anim calcmode="lin" valueType="num">
-                                      <p:cBhvr>
-                                        <p:cTn id="9" dur="1000" fill="hold"/>
-                                        <p:tgtEl>
-                                          <p:spTgt spid="12"/>
-                                        </p:tgtEl>
-                                        <p:attrNameLst>
-                                          <p:attrName>ppt_y</p:attrName>
-                                        </p:attrNameLst>
-                                      </p:cBhvr>
-                                      <p:tavLst>
-                                        <p:tav tm="0">
-                                          <p:val>
-                                            <p:strVal val="#ppt_y+.1"/>
-                                          </p:val>
-                                        </p:tav>
-                                        <p:tav tm="100000">
-                                          <p:val>
-                                            <p:strVal val="#ppt_y"/>
-                                          </p:val>
-                                        </p:tav>
-                                      </p:tavLst>
-                                    </p:anim>
-                                  </p:childTnLst>
-                                </p:cTn>
-                              </p:par>
-                            </p:childTnLst>
-                          </p:cTn>
-                        </p:par>
-                      </p:childTnLst>
-                    </p:cTn>
-                  </p:par>
-                  <p:par>
-                    <p:cTn id="10" fill="hold">
-                      <p:stCondLst>
-                        <p:cond delay="indefinite"/>
-                      </p:stCondLst>
-                      <p:childTnLst>
-                        <p:par>
-                          <p:cTn id="11" fill="hold">
-                            <p:stCondLst>
-                              <p:cond delay="0"/>
-                            </p:stCondLst>
-                            <p:childTnLst>
-                              <p:par>
-                                <p:cTn id="12" presetID="42" presetClass="entr" presetSubtype="0" fill="hold" nodeType="clickEffect">
-                                  <p:stCondLst>
-                                    <p:cond delay="0"/>
-                                  </p:stCondLst>
-                                  <p:childTnLst>
-                                    <p:set>
-                                      <p:cBhvr>
-                                        <p:cTn id="13" dur="1" fill="hold">
-                                          <p:stCondLst>
-                                            <p:cond delay="0"/>
-                                          </p:stCondLst>
-                                        </p:cTn>
-                                        <p:tgtEl>
-                                          <p:spTgt spid="13"/>
-                                        </p:tgtEl>
-                                        <p:attrNameLst>
-                                          <p:attrName>style.visibility</p:attrName>
-                                        </p:attrNameLst>
-                                      </p:cBhvr>
-                                      <p:to>
-                                        <p:strVal val="visible"/>
-                                      </p:to>
-                                    </p:set>
-                                    <p:animEffect transition="in" filter="fade">
-                                      <p:cBhvr>
-                                        <p:cTn id="14" dur="1000"/>
-                                        <p:tgtEl>
-                                          <p:spTgt spid="13"/>
-                                        </p:tgtEl>
-                                      </p:cBhvr>
-                                    </p:animEffect>
-                                    <p:anim calcmode="lin" valueType="num">
-                                      <p:cBhvr>
-                                        <p:cTn id="15" dur="1000" fill="hold"/>
-                                        <p:tgtEl>
-                                          <p:spTgt spid="13"/>
-                                        </p:tgtEl>
-                                        <p:attrNameLst>
-                                          <p:attrName>ppt_x</p:attrName>
-                                        </p:attrNameLst>
-                                      </p:cBhvr>
-                                      <p:tavLst>
-                                        <p:tav tm="0">
-                                          <p:val>
-                                            <p:strVal val="#ppt_x"/>
-                                          </p:val>
-                                        </p:tav>
-                                        <p:tav tm="100000">
-                                          <p:val>
-                                            <p:strVal val="#ppt_x"/>
-                                          </p:val>
-                                        </p:tav>
-                                      </p:tavLst>
-                                    </p:anim>
-                                    <p:anim calcmode="lin" valueType="num">
-                                      <p:cBhvr>
-                                        <p:cTn id="16" dur="1000" fill="hold"/>
-                                        <p:tgtEl>
-                                          <p:spTgt spid="13"/>
-                                        </p:tgtEl>
-                                        <p:attrNameLst>
-                                          <p:attrName>ppt_y</p:attrName>
-                                        </p:attrNameLst>
-                                      </p:cBhvr>
-                                      <p:tavLst>
-                                        <p:tav tm="0">
-                                          <p:val>
-                                            <p:strVal val="#ppt_y+.1"/>
-                                          </p:val>
-                                        </p:tav>
-                                        <p:tav tm="100000">
-                                          <p:val>
-                                            <p:strVal val="#ppt_y"/>
-                                          </p:val>
-                                        </p:tav>
-                                      </p:tavLst>
-                                    </p:anim>
-                                  </p:childTnLst>
-                                </p:cTn>
-                              </p:par>
-                            </p:childTnLst>
-                          </p:cTn>
-                        </p:par>
-                      </p:childTnLst>
-                    </p:cTn>
-                  </p:par>
-                </p:childTnLst>
-              </p:cTn>
-              <p:prevCondLst>
-                <p:cond evt="onPrev" delay="0">
-                  <p:tgtEl>
-                    <p:sldTgt/>
-                  </p:tgtEl>
-                </p:cond>
-              </p:prevCondLst>
-              <p:nextCondLst>
-                <p:cond evt="onNext" delay="0">
-                  <p:tgtEl>
-                    <p:sldTgt/>
-                  </p:tgtEl>
-                </p:cond>
-              </p:nextCondLst>
-            </p:seq>
-          </p:childTnLst>
-        </p:cTn>
-      </p:par>
-    </p:tnLst>
-  </p:timing>
-</p:sld>
-</file>
-
 <file path=ppt/slides/slide13.xml><?xml version="1.0" encoding="utf-8"?>
 <p:sld xmlns:a="http://schemas.openxmlformats.org/drawingml/2006/main" xmlns:r="http://schemas.openxmlformats.org/officeDocument/2006/relationships" xmlns:p="http://schemas.openxmlformats.org/presentationml/2006/main">
   <p:cSld>
@@ -6801,7 +6546,7 @@
       </p:pic>
       <p:pic>
         <p:nvPicPr>
-          <p:cNvPr id="10" name="Grafik 9"/>
+          <p:cNvPr id="11" name="Grafik 10"/>
           <p:cNvPicPr>
             <a:picLocks noChangeAspect="1"/>
           </p:cNvPicPr>
@@ -6886,7 +6631,7 @@
         <p:spPr>
           <a:xfrm>
             <a:off x="5508104" y="274349"/>
-            <a:ext cx="1423788" cy="584775"/>
+            <a:ext cx="1579278" cy="584775"/>
           </a:xfrm>
           <a:prstGeom prst="rect">
             <a:avLst/>
@@ -6900,10 +6645,10 @@
           <a:lstStyle/>
           <a:p>
             <a:r>
-              <a:rPr lang="de-DE" sz="3200" dirty="0" err="1" smtClean="0">
+              <a:rPr lang="de-DE" sz="3200" dirty="0" smtClean="0">
                 <a:latin typeface="Rockwell" panose="02060603020205020403" pitchFamily="18" charset="0"/>
               </a:rPr>
-              <a:t>SQLite</a:t>
+              <a:t>Models</a:t>
             </a:r>
             <a:endParaRPr lang="de-DE" dirty="0">
               <a:latin typeface="Rockwell" panose="02060603020205020403" pitchFamily="18" charset="0"/>
@@ -6913,14 +6658,14 @@
       </p:sp>
       <p:cxnSp>
         <p:nvCxnSpPr>
-          <p:cNvPr id="11" name="Gerade Verbindung 10"/>
+          <p:cNvPr id="7" name="Gerade Verbindung 6"/>
           <p:cNvCxnSpPr/>
           <p:nvPr/>
         </p:nvCxnSpPr>
         <p:spPr>
           <a:xfrm>
-            <a:off x="2022017" y="2636912"/>
-            <a:ext cx="0" cy="504056"/>
+            <a:off x="1763688" y="4581128"/>
+            <a:ext cx="0" cy="432048"/>
           </a:xfrm>
           <a:prstGeom prst="line">
             <a:avLst/>
@@ -6948,7 +6693,7 @@
       </p:cxnSp>
       <p:sp>
         <p:nvSpPr>
-          <p:cNvPr id="19" name="Fußzeilenplatzhalter 18"/>
+          <p:cNvPr id="10" name="Fußzeilenplatzhalter 9"/>
           <p:cNvSpPr>
             <a:spLocks noGrp="1"/>
           </p:cNvSpPr>
@@ -6996,8 +6741,8 @@
         </p:blipFill>
         <p:spPr>
           <a:xfrm>
-            <a:off x="395536" y="1133475"/>
-            <a:ext cx="7900370" cy="4443958"/>
+            <a:off x="251520" y="1196752"/>
+            <a:ext cx="7236296" cy="4070417"/>
           </a:xfrm>
           <a:prstGeom prst="rect">
             <a:avLst/>
@@ -7026,8 +6771,8 @@
         </p:blipFill>
         <p:spPr>
           <a:xfrm>
-            <a:off x="1115616" y="1988840"/>
-            <a:ext cx="7772356" cy="4371950"/>
+            <a:off x="1352656" y="2348880"/>
+            <a:ext cx="7132284" cy="4011910"/>
           </a:xfrm>
           <a:prstGeom prst="rect">
             <a:avLst/>
@@ -7037,7 +6782,7 @@
     </p:spTree>
     <p:extLst>
       <p:ext uri="{BB962C8B-B14F-4D97-AF65-F5344CB8AC3E}">
-        <p14:creationId xmlns:p14="http://schemas.microsoft.com/office/powerpoint/2010/main" val="3983023127"/>
+        <p14:creationId xmlns:p14="http://schemas.microsoft.com/office/powerpoint/2010/main" val="2646920230"/>
       </p:ext>
     </p:extLst>
   </p:cSld>
@@ -7434,54 +7179,41 @@
           </a:p>
         </p:txBody>
       </p:sp>
-      <p:pic>
-        <p:nvPicPr>
-          <p:cNvPr id="9" name="Grafik 8"/>
-          <p:cNvPicPr>
-            <a:picLocks noChangeAspect="1"/>
-          </p:cNvPicPr>
-          <p:nvPr/>
-        </p:nvPicPr>
-        <p:blipFill>
-          <a:blip r:embed="rId4"/>
-          <a:stretch>
-            <a:fillRect/>
-          </a:stretch>
-        </p:blipFill>
-        <p:spPr>
-          <a:xfrm>
-            <a:off x="179512" y="1412776"/>
-            <a:ext cx="8815139" cy="3427603"/>
-          </a:xfrm>
-          <a:prstGeom prst="rect">
-            <a:avLst/>
-          </a:prstGeom>
-        </p:spPr>
-      </p:pic>
-      <p:pic>
-        <p:nvPicPr>
-          <p:cNvPr id="16" name="Grafik 15"/>
-          <p:cNvPicPr>
-            <a:picLocks noChangeAspect="1"/>
-          </p:cNvPicPr>
-          <p:nvPr/>
-        </p:nvPicPr>
-        <p:blipFill>
-          <a:blip r:embed="rId5"/>
-          <a:stretch>
-            <a:fillRect/>
-          </a:stretch>
-        </p:blipFill>
-        <p:spPr>
-          <a:xfrm>
-            <a:off x="0" y="1069200"/>
-            <a:ext cx="8994651" cy="5094872"/>
-          </a:xfrm>
-          <a:prstGeom prst="rect">
-            <a:avLst/>
-          </a:prstGeom>
-        </p:spPr>
-      </p:pic>
+      <p:cxnSp>
+        <p:nvCxnSpPr>
+          <p:cNvPr id="11" name="Gerade Verbindung 10"/>
+          <p:cNvCxnSpPr/>
+          <p:nvPr/>
+        </p:nvCxnSpPr>
+        <p:spPr>
+          <a:xfrm>
+            <a:off x="2022017" y="2636912"/>
+            <a:ext cx="0" cy="504056"/>
+          </a:xfrm>
+          <a:prstGeom prst="line">
+            <a:avLst/>
+          </a:prstGeom>
+          <a:ln w="25400">
+            <a:solidFill>
+              <a:srgbClr val="7030A0"/>
+            </a:solidFill>
+          </a:ln>
+        </p:spPr>
+        <p:style>
+          <a:lnRef idx="1">
+            <a:schemeClr val="accent1"/>
+          </a:lnRef>
+          <a:fillRef idx="0">
+            <a:schemeClr val="accent1"/>
+          </a:fillRef>
+          <a:effectRef idx="0">
+            <a:schemeClr val="accent1"/>
+          </a:effectRef>
+          <a:fontRef idx="minor">
+            <a:schemeClr val="tx1"/>
+          </a:fontRef>
+        </p:style>
+      </p:cxnSp>
       <p:sp>
         <p:nvSpPr>
           <p:cNvPr id="19" name="Fußzeilenplatzhalter 18"/>
@@ -7510,10 +7242,70 @@
           </a:p>
         </p:txBody>
       </p:sp>
+      <p:pic>
+        <p:nvPicPr>
+          <p:cNvPr id="12" name="Grafik 11"/>
+          <p:cNvPicPr>
+            <a:picLocks noChangeAspect="1"/>
+          </p:cNvPicPr>
+          <p:nvPr/>
+        </p:nvPicPr>
+        <p:blipFill>
+          <a:blip r:embed="rId4">
+            <a:extLst>
+              <a:ext uri="{28A0092B-C50C-407E-A947-70E740481C1C}">
+                <a14:useLocalDpi xmlns:a14="http://schemas.microsoft.com/office/drawing/2010/main" val="0"/>
+              </a:ext>
+            </a:extLst>
+          </a:blip>
+          <a:stretch>
+            <a:fillRect/>
+          </a:stretch>
+        </p:blipFill>
+        <p:spPr>
+          <a:xfrm>
+            <a:off x="395536" y="1133475"/>
+            <a:ext cx="7900370" cy="4443958"/>
+          </a:xfrm>
+          <a:prstGeom prst="rect">
+            <a:avLst/>
+          </a:prstGeom>
+        </p:spPr>
+      </p:pic>
+      <p:pic>
+        <p:nvPicPr>
+          <p:cNvPr id="13" name="Grafik 12"/>
+          <p:cNvPicPr>
+            <a:picLocks noChangeAspect="1"/>
+          </p:cNvPicPr>
+          <p:nvPr/>
+        </p:nvPicPr>
+        <p:blipFill>
+          <a:blip r:embed="rId5">
+            <a:extLst>
+              <a:ext uri="{28A0092B-C50C-407E-A947-70E740481C1C}">
+                <a14:useLocalDpi xmlns:a14="http://schemas.microsoft.com/office/drawing/2010/main" val="0"/>
+              </a:ext>
+            </a:extLst>
+          </a:blip>
+          <a:stretch>
+            <a:fillRect/>
+          </a:stretch>
+        </p:blipFill>
+        <p:spPr>
+          <a:xfrm>
+            <a:off x="1115616" y="1988840"/>
+            <a:ext cx="7772356" cy="4371950"/>
+          </a:xfrm>
+          <a:prstGeom prst="rect">
+            <a:avLst/>
+          </a:prstGeom>
+        </p:spPr>
+      </p:pic>
     </p:spTree>
     <p:extLst>
       <p:ext uri="{BB962C8B-B14F-4D97-AF65-F5344CB8AC3E}">
-        <p14:creationId xmlns:p14="http://schemas.microsoft.com/office/powerpoint/2010/main" val="1505591762"/>
+        <p14:creationId xmlns:p14="http://schemas.microsoft.com/office/powerpoint/2010/main" val="3983023127"/>
       </p:ext>
     </p:extLst>
   </p:cSld>
@@ -7541,7 +7333,7 @@
                             </p:stCondLst>
                             <p:childTnLst>
                               <p:par>
-                                <p:cTn id="5" presetID="2" presetClass="entr" presetSubtype="4" fill="hold" nodeType="clickEffect">
+                                <p:cTn id="5" presetID="42" presetClass="entr" presetSubtype="0" fill="hold" nodeType="clickEffect">
                                   <p:stCondLst>
                                     <p:cond delay="0"/>
                                   </p:stCondLst>
@@ -7554,7 +7346,7 @@
                                           </p:stCondLst>
                                         </p:cTn>
                                         <p:tgtEl>
-                                          <p:spTgt spid="16"/>
+                                          <p:spTgt spid="12"/>
                                         </p:tgtEl>
                                         <p:attrNameLst>
                                           <p:attrName>style.visibility</p:attrName>
@@ -7564,11 +7356,19 @@
                                         <p:strVal val="visible"/>
                                       </p:to>
                                     </p:set>
+                                    <p:animEffect transition="in" filter="fade">
+                                      <p:cBhvr>
+                                        <p:cTn id="7" dur="1000"/>
+                                        <p:tgtEl>
+                                          <p:spTgt spid="12"/>
+                                        </p:tgtEl>
+                                      </p:cBhvr>
+                                    </p:animEffect>
                                     <p:anim calcmode="lin" valueType="num">
-                                      <p:cBhvr additive="base">
-                                        <p:cTn id="7" dur="500" fill="hold"/>
+                                      <p:cBhvr>
+                                        <p:cTn id="8" dur="1000" fill="hold"/>
                                         <p:tgtEl>
-                                          <p:spTgt spid="16"/>
+                                          <p:spTgt spid="12"/>
                                         </p:tgtEl>
                                         <p:attrNameLst>
                                           <p:attrName>ppt_x</p:attrName>
@@ -7588,10 +7388,10 @@
                                       </p:tavLst>
                                     </p:anim>
                                     <p:anim calcmode="lin" valueType="num">
-                                      <p:cBhvr additive="base">
-                                        <p:cTn id="8" dur="500" fill="hold"/>
+                                      <p:cBhvr>
+                                        <p:cTn id="9" dur="1000" fill="hold"/>
                                         <p:tgtEl>
-                                          <p:spTgt spid="16"/>
+                                          <p:spTgt spid="12"/>
                                         </p:tgtEl>
                                         <p:attrNameLst>
                                           <p:attrName>ppt_y</p:attrName>
@@ -7600,7 +7400,106 @@
                                       <p:tavLst>
                                         <p:tav tm="0">
                                           <p:val>
-                                            <p:strVal val="1+#ppt_h/2"/>
+                                            <p:strVal val="#ppt_y+.1"/>
+                                          </p:val>
+                                        </p:tav>
+                                        <p:tav tm="100000">
+                                          <p:val>
+                                            <p:strVal val="#ppt_y"/>
+                                          </p:val>
+                                        </p:tav>
+                                      </p:tavLst>
+                                    </p:anim>
+                                  </p:childTnLst>
+                                </p:cTn>
+                              </p:par>
+                            </p:childTnLst>
+                          </p:cTn>
+                        </p:par>
+                      </p:childTnLst>
+                    </p:cTn>
+                  </p:par>
+                  <p:par>
+                    <p:cTn id="10" fill="hold">
+                      <p:stCondLst>
+                        <p:cond delay="indefinite"/>
+                      </p:stCondLst>
+                      <p:childTnLst>
+                        <p:par>
+                          <p:cTn id="11" fill="hold">
+                            <p:stCondLst>
+                              <p:cond delay="0"/>
+                            </p:stCondLst>
+                            <p:childTnLst>
+                              <p:par>
+                                <p:cTn id="12" presetID="42" presetClass="entr" presetSubtype="0" fill="hold" nodeType="clickEffect">
+                                  <p:stCondLst>
+                                    <p:cond delay="0"/>
+                                  </p:stCondLst>
+                                  <p:childTnLst>
+                                    <p:set>
+                                      <p:cBhvr>
+                                        <p:cTn id="13" dur="1" fill="hold">
+                                          <p:stCondLst>
+                                            <p:cond delay="0"/>
+                                          </p:stCondLst>
+                                        </p:cTn>
+                                        <p:tgtEl>
+                                          <p:spTgt spid="13"/>
+                                        </p:tgtEl>
+                                        <p:attrNameLst>
+                                          <p:attrName>style.visibility</p:attrName>
+                                        </p:attrNameLst>
+                                      </p:cBhvr>
+                                      <p:to>
+                                        <p:strVal val="visible"/>
+                                      </p:to>
+                                    </p:set>
+                                    <p:animEffect transition="in" filter="fade">
+                                      <p:cBhvr>
+                                        <p:cTn id="14" dur="1000"/>
+                                        <p:tgtEl>
+                                          <p:spTgt spid="13"/>
+                                        </p:tgtEl>
+                                      </p:cBhvr>
+                                    </p:animEffect>
+                                    <p:anim calcmode="lin" valueType="num">
+                                      <p:cBhvr>
+                                        <p:cTn id="15" dur="1000" fill="hold"/>
+                                        <p:tgtEl>
+                                          <p:spTgt spid="13"/>
+                                        </p:tgtEl>
+                                        <p:attrNameLst>
+                                          <p:attrName>ppt_x</p:attrName>
+                                        </p:attrNameLst>
+                                      </p:cBhvr>
+                                      <p:tavLst>
+                                        <p:tav tm="0">
+                                          <p:val>
+                                            <p:strVal val="#ppt_x"/>
+                                          </p:val>
+                                        </p:tav>
+                                        <p:tav tm="100000">
+                                          <p:val>
+                                            <p:strVal val="#ppt_x"/>
+                                          </p:val>
+                                        </p:tav>
+                                      </p:tavLst>
+                                    </p:anim>
+                                    <p:anim calcmode="lin" valueType="num">
+                                      <p:cBhvr>
+                                        <p:cTn id="16" dur="1000" fill="hold"/>
+                                        <p:tgtEl>
+                                          <p:spTgt spid="13"/>
+                                        </p:tgtEl>
+                                        <p:attrNameLst>
+                                          <p:attrName>ppt_y</p:attrName>
+                                        </p:attrNameLst>
+                                      </p:cBhvr>
+                                      <p:tavLst>
+                                        <p:tav tm="0">
+                                          <p:val>
+                                            <p:strVal val="#ppt_y+.1"/>
                                           </p:val>
                                         </p:tav>
                                         <p:tav tm="100000">
@@ -7693,6 +7592,515 @@
           <p:nvPr/>
         </p:nvPicPr>
         <p:blipFill>
+          <a:blip r:embed="rId2"/>
+          <a:stretch>
+            <a:fillRect/>
+          </a:stretch>
+        </p:blipFill>
+        <p:spPr>
+          <a:xfrm>
+            <a:off x="107505" y="1142653"/>
+            <a:ext cx="5160496" cy="5213697"/>
+          </a:xfrm>
+          <a:prstGeom prst="rect">
+            <a:avLst/>
+          </a:prstGeom>
+        </p:spPr>
+      </p:pic>
+      <p:pic>
+        <p:nvPicPr>
+          <p:cNvPr id="4" name="Grafik 3"/>
+          <p:cNvPicPr>
+            <a:picLocks noChangeAspect="1"/>
+          </p:cNvPicPr>
+          <p:nvPr/>
+        </p:nvPicPr>
+        <p:blipFill>
+          <a:blip r:embed="rId3">
+            <a:extLst>
+              <a:ext uri="{28A0092B-C50C-407E-A947-70E740481C1C}">
+                <a14:useLocalDpi xmlns:a14="http://schemas.microsoft.com/office/drawing/2010/main" val="0"/>
+              </a:ext>
+            </a:extLst>
+          </a:blip>
+          <a:stretch>
+            <a:fillRect/>
+          </a:stretch>
+        </p:blipFill>
+        <p:spPr>
+          <a:xfrm>
+            <a:off x="0" y="0"/>
+            <a:ext cx="2619375" cy="1133475"/>
+          </a:xfrm>
+          <a:prstGeom prst="rect">
+            <a:avLst/>
+          </a:prstGeom>
+        </p:spPr>
+      </p:pic>
+      <p:sp>
+        <p:nvSpPr>
+          <p:cNvPr id="5" name="Rechteck 4"/>
+          <p:cNvSpPr/>
+          <p:nvPr/>
+        </p:nvSpPr>
+        <p:spPr>
+          <a:xfrm>
+            <a:off x="0" y="1017387"/>
+            <a:ext cx="9144000" cy="36659"/>
+          </a:xfrm>
+          <a:prstGeom prst="rect">
+            <a:avLst/>
+          </a:prstGeom>
+          <a:solidFill>
+            <a:srgbClr val="7030A0"/>
+          </a:solidFill>
+          <a:ln>
+            <a:solidFill>
+              <a:srgbClr val="7030A0"/>
+            </a:solidFill>
+          </a:ln>
+        </p:spPr>
+        <p:style>
+          <a:lnRef idx="2">
+            <a:schemeClr val="accent1">
+              <a:shade val="50000"/>
+            </a:schemeClr>
+          </a:lnRef>
+          <a:fillRef idx="1">
+            <a:schemeClr val="accent1"/>
+          </a:fillRef>
+          <a:effectRef idx="0">
+            <a:schemeClr val="accent1"/>
+          </a:effectRef>
+          <a:fontRef idx="minor">
+            <a:schemeClr val="lt1"/>
+          </a:fontRef>
+        </p:style>
+        <p:txBody>
+          <a:bodyPr rtlCol="0" anchor="ctr"/>
+          <a:lstStyle/>
+          <a:p>
+            <a:pPr algn="ctr"/>
+            <a:endParaRPr lang="de-DE"/>
+          </a:p>
+        </p:txBody>
+      </p:sp>
+      <p:sp>
+        <p:nvSpPr>
+          <p:cNvPr id="6" name="Textfeld 5"/>
+          <p:cNvSpPr txBox="1"/>
+          <p:nvPr/>
+        </p:nvSpPr>
+        <p:spPr>
+          <a:xfrm>
+            <a:off x="5508104" y="274349"/>
+            <a:ext cx="1423788" cy="584775"/>
+          </a:xfrm>
+          <a:prstGeom prst="rect">
+            <a:avLst/>
+          </a:prstGeom>
+          <a:noFill/>
+        </p:spPr>
+        <p:txBody>
+          <a:bodyPr wrap="none" rtlCol="0">
+            <a:spAutoFit/>
+          </a:bodyPr>
+          <a:lstStyle/>
+          <a:p>
+            <a:r>
+              <a:rPr lang="de-DE" sz="3200" dirty="0" err="1" smtClean="0">
+                <a:latin typeface="Rockwell" panose="02060603020205020403" pitchFamily="18" charset="0"/>
+              </a:rPr>
+              <a:t>SQLite</a:t>
+            </a:r>
+            <a:endParaRPr lang="de-DE" dirty="0">
+              <a:latin typeface="Rockwell" panose="02060603020205020403" pitchFamily="18" charset="0"/>
+            </a:endParaRPr>
+          </a:p>
+        </p:txBody>
+      </p:sp>
+      <p:sp>
+        <p:nvSpPr>
+          <p:cNvPr id="7" name="Textfeld 6"/>
+          <p:cNvSpPr txBox="1"/>
+          <p:nvPr/>
+        </p:nvSpPr>
+        <p:spPr>
+          <a:xfrm>
+            <a:off x="5360533" y="1312152"/>
+            <a:ext cx="3384376" cy="1415772"/>
+          </a:xfrm>
+          <a:prstGeom prst="rect">
+            <a:avLst/>
+          </a:prstGeom>
+          <a:noFill/>
+        </p:spPr>
+        <p:txBody>
+          <a:bodyPr wrap="square" rtlCol="0">
+            <a:spAutoFit/>
+          </a:bodyPr>
+          <a:lstStyle/>
+          <a:p>
+            <a:r>
+              <a:rPr lang="de-DE" sz="1400" b="1" u="sng" dirty="0" err="1" smtClean="0"/>
+              <a:t>cursorToCategoryModel</a:t>
+            </a:r>
+            <a:r>
+              <a:rPr lang="de-DE" sz="1400" b="1" u="sng" dirty="0" smtClean="0"/>
+              <a:t>()</a:t>
+            </a:r>
+          </a:p>
+          <a:p>
+            <a:r>
+              <a:rPr lang="de-DE" sz="1200" dirty="0" smtClean="0"/>
+              <a:t>Mit der </a:t>
+            </a:r>
+            <a:r>
+              <a:rPr lang="de-DE" sz="1200" dirty="0" err="1" smtClean="0"/>
+              <a:t>cursorToCategoryModel</a:t>
+            </a:r>
+            <a:r>
+              <a:rPr lang="de-DE" sz="1200" dirty="0" smtClean="0"/>
+              <a:t>()-Funktion wird ein Cursor in ein </a:t>
+            </a:r>
+            <a:r>
+              <a:rPr lang="de-DE" sz="1200" dirty="0" err="1" smtClean="0"/>
+              <a:t>CategoryModel</a:t>
+            </a:r>
+            <a:r>
+              <a:rPr lang="de-DE" sz="1200" dirty="0" smtClean="0"/>
+              <a:t> umgewandelt. Die benötigen Daten des Cursors werden mit der Funktion </a:t>
+            </a:r>
+            <a:r>
+              <a:rPr lang="de-DE" sz="1200" dirty="0" err="1" smtClean="0"/>
+              <a:t>getString</a:t>
+            </a:r>
+            <a:r>
+              <a:rPr lang="de-DE" sz="1200" dirty="0" smtClean="0"/>
+              <a:t>() bzw. </a:t>
+            </a:r>
+            <a:r>
+              <a:rPr lang="de-DE" sz="1200" dirty="0" err="1" smtClean="0"/>
+              <a:t>getInt</a:t>
+            </a:r>
+            <a:r>
+              <a:rPr lang="de-DE" sz="1200" dirty="0" smtClean="0"/>
+              <a:t>() geladen. Das </a:t>
+            </a:r>
+            <a:r>
+              <a:rPr lang="de-DE" sz="1200" dirty="0" err="1" smtClean="0"/>
+              <a:t>CategoryModel</a:t>
+            </a:r>
+            <a:r>
+              <a:rPr lang="de-DE" sz="1200" dirty="0" smtClean="0"/>
+              <a:t> verfügt über einen </a:t>
+            </a:r>
+            <a:r>
+              <a:rPr lang="de-DE" sz="1200" dirty="0" err="1" smtClean="0"/>
+              <a:t>Constructor</a:t>
+            </a:r>
+            <a:r>
+              <a:rPr lang="de-DE" sz="1200" dirty="0" smtClean="0"/>
+              <a:t>, der genau diese Werte als Parameter benötigt.</a:t>
+            </a:r>
+            <a:endParaRPr lang="de-DE" sz="1200" dirty="0"/>
+          </a:p>
+        </p:txBody>
+      </p:sp>
+      <p:sp>
+        <p:nvSpPr>
+          <p:cNvPr id="8" name="Textfeld 7"/>
+          <p:cNvSpPr txBox="1"/>
+          <p:nvPr/>
+        </p:nvSpPr>
+        <p:spPr>
+          <a:xfrm>
+            <a:off x="5360533" y="3284984"/>
+            <a:ext cx="3384376" cy="2523768"/>
+          </a:xfrm>
+          <a:prstGeom prst="rect">
+            <a:avLst/>
+          </a:prstGeom>
+          <a:noFill/>
+        </p:spPr>
+        <p:txBody>
+          <a:bodyPr wrap="square" rtlCol="0">
+            <a:spAutoFit/>
+          </a:bodyPr>
+          <a:lstStyle/>
+          <a:p>
+            <a:r>
+              <a:rPr lang="de-DE" sz="1400" b="1" u="sng" dirty="0" err="1" smtClean="0"/>
+              <a:t>createCategoryModel</a:t>
+            </a:r>
+            <a:r>
+              <a:rPr lang="de-DE" sz="1200" b="1" u="sng" dirty="0" smtClean="0"/>
+              <a:t>()</a:t>
+            </a:r>
+            <a:endParaRPr lang="de-DE" sz="1200" dirty="0" smtClean="0"/>
+          </a:p>
+          <a:p>
+            <a:r>
+              <a:rPr lang="de-DE" sz="1200" dirty="0" smtClean="0"/>
+              <a:t>Mit der </a:t>
+            </a:r>
+            <a:r>
+              <a:rPr lang="de-DE" sz="1200" dirty="0" err="1" smtClean="0"/>
+              <a:t>createCategoryModel</a:t>
+            </a:r>
+            <a:r>
+              <a:rPr lang="de-DE" sz="1200" dirty="0" smtClean="0"/>
+              <a:t>()-Funktion wird eine </a:t>
+            </a:r>
+            <a:r>
+              <a:rPr lang="de-DE" sz="1200" dirty="0" err="1" smtClean="0"/>
+              <a:t>Category</a:t>
+            </a:r>
+            <a:r>
+              <a:rPr lang="de-DE" sz="1200" dirty="0" smtClean="0"/>
+              <a:t> in der Datenbank angelegt. Als Parameter benötigt man den Namen der Kategorie sowie die Beschreibung der Kategorie. Die Daten werden in ein </a:t>
+            </a:r>
+            <a:r>
+              <a:rPr lang="de-DE" sz="1200" dirty="0" err="1" smtClean="0"/>
+              <a:t>ContentValues</a:t>
+            </a:r>
+            <a:r>
+              <a:rPr lang="de-DE" sz="1200" dirty="0" smtClean="0"/>
+              <a:t>-Objekt mit ihren dazugehörigen Tabellen Namen geladen. In der Datenbank wird die Funktion </a:t>
+            </a:r>
+            <a:r>
+              <a:rPr lang="de-DE" sz="1200" dirty="0" err="1" smtClean="0"/>
+              <a:t>insert</a:t>
+            </a:r>
+            <a:r>
+              <a:rPr lang="de-DE" sz="1200" dirty="0" smtClean="0"/>
+              <a:t> ausgeführt, welche die Daten in die Datenbank speichert. Als Rückgabewert bekommen wir die </a:t>
+            </a:r>
+            <a:r>
+              <a:rPr lang="de-DE" sz="1200" dirty="0" err="1" smtClean="0"/>
+              <a:t>Id</a:t>
+            </a:r>
+            <a:r>
+              <a:rPr lang="de-DE" sz="1200" dirty="0" smtClean="0"/>
+              <a:t> der hinzugefügten Kategorie und können die Kategorie aus der Datenbank laden und mit der </a:t>
+            </a:r>
+            <a:r>
+              <a:rPr lang="de-DE" sz="1200" dirty="0" err="1" smtClean="0"/>
+              <a:t>cursorToCategoryModel</a:t>
+            </a:r>
+            <a:r>
+              <a:rPr lang="de-DE" sz="1200" dirty="0" smtClean="0"/>
+              <a:t>()-Funktion in eine Kategorie umgewandelt werden.</a:t>
+            </a:r>
+            <a:endParaRPr lang="de-DE" sz="1200" dirty="0"/>
+          </a:p>
+        </p:txBody>
+      </p:sp>
+      <p:grpSp>
+        <p:nvGrpSpPr>
+          <p:cNvPr id="23" name="Gruppieren 22"/>
+          <p:cNvGrpSpPr/>
+          <p:nvPr/>
+        </p:nvGrpSpPr>
+        <p:grpSpPr>
+          <a:xfrm>
+            <a:off x="3707903" y="1242000"/>
+            <a:ext cx="1596194" cy="4284000"/>
+            <a:chOff x="3707903" y="1242000"/>
+            <a:chExt cx="1596194" cy="4284000"/>
+          </a:xfrm>
+        </p:grpSpPr>
+        <p:grpSp>
+          <p:nvGrpSpPr>
+            <p:cNvPr id="21" name="Gruppieren 20"/>
+            <p:cNvGrpSpPr/>
+            <p:nvPr/>
+          </p:nvGrpSpPr>
+          <p:grpSpPr>
+            <a:xfrm>
+              <a:off x="3707903" y="1242000"/>
+              <a:ext cx="1594800" cy="4284000"/>
+              <a:chOff x="3707903" y="1242000"/>
+              <a:chExt cx="1594800" cy="4284000"/>
+            </a:xfrm>
+          </p:grpSpPr>
+          <p:cxnSp>
+            <p:nvCxnSpPr>
+              <p:cNvPr id="12" name="Gerader Verbinder 11"/>
+              <p:cNvCxnSpPr/>
+              <p:nvPr/>
+            </p:nvCxnSpPr>
+            <p:spPr>
+              <a:xfrm>
+                <a:off x="3707903" y="5517232"/>
+                <a:ext cx="1594800" cy="0"/>
+              </a:xfrm>
+              <a:prstGeom prst="line">
+                <a:avLst/>
+              </a:prstGeom>
+              <a:ln w="22225">
+                <a:solidFill>
+                  <a:srgbClr val="7030A0"/>
+                </a:solidFill>
+              </a:ln>
+            </p:spPr>
+            <p:style>
+              <a:lnRef idx="1">
+                <a:schemeClr val="accent1"/>
+              </a:lnRef>
+              <a:fillRef idx="0">
+                <a:schemeClr val="accent1"/>
+              </a:fillRef>
+              <a:effectRef idx="0">
+                <a:schemeClr val="accent1"/>
+              </a:effectRef>
+              <a:fontRef idx="minor">
+                <a:schemeClr val="tx1"/>
+              </a:fontRef>
+            </p:style>
+          </p:cxnSp>
+          <p:cxnSp>
+            <p:nvCxnSpPr>
+              <p:cNvPr id="18" name="Gerader Verbinder 17"/>
+              <p:cNvCxnSpPr/>
+              <p:nvPr/>
+            </p:nvCxnSpPr>
+            <p:spPr>
+              <a:xfrm flipH="1">
+                <a:off x="5292000" y="1242000"/>
+                <a:ext cx="1" cy="4284000"/>
+              </a:xfrm>
+              <a:prstGeom prst="line">
+                <a:avLst/>
+              </a:prstGeom>
+              <a:ln w="22225">
+                <a:solidFill>
+                  <a:srgbClr val="7030A0"/>
+                </a:solidFill>
+              </a:ln>
+            </p:spPr>
+            <p:style>
+              <a:lnRef idx="1">
+                <a:schemeClr val="accent1"/>
+              </a:lnRef>
+              <a:fillRef idx="0">
+                <a:schemeClr val="accent1"/>
+              </a:fillRef>
+              <a:effectRef idx="0">
+                <a:schemeClr val="accent1"/>
+              </a:effectRef>
+              <a:fontRef idx="minor">
+                <a:schemeClr val="tx1"/>
+              </a:fontRef>
+            </p:style>
+          </p:cxnSp>
+        </p:grpSp>
+        <p:cxnSp>
+          <p:nvCxnSpPr>
+            <p:cNvPr id="20" name="Gerader Verbinder 19"/>
+            <p:cNvCxnSpPr/>
+            <p:nvPr/>
+          </p:nvCxnSpPr>
+          <p:spPr>
+            <a:xfrm>
+              <a:off x="3744000" y="1242000"/>
+              <a:ext cx="1560097" cy="0"/>
+            </a:xfrm>
+            <a:prstGeom prst="line">
+              <a:avLst/>
+            </a:prstGeom>
+            <a:ln w="22225">
+              <a:solidFill>
+                <a:srgbClr val="7030A0"/>
+              </a:solidFill>
+              <a:headEnd type="triangle"/>
+            </a:ln>
+          </p:spPr>
+          <p:style>
+            <a:lnRef idx="1">
+              <a:schemeClr val="accent1"/>
+            </a:lnRef>
+            <a:fillRef idx="0">
+              <a:schemeClr val="accent1"/>
+            </a:fillRef>
+            <a:effectRef idx="0">
+              <a:schemeClr val="accent1"/>
+            </a:effectRef>
+            <a:fontRef idx="minor">
+              <a:schemeClr val="tx1"/>
+            </a:fontRef>
+          </p:style>
+        </p:cxnSp>
+      </p:grpSp>
+    </p:spTree>
+    <p:extLst>
+      <p:ext uri="{BB962C8B-B14F-4D97-AF65-F5344CB8AC3E}">
+        <p14:creationId xmlns:p14="http://schemas.microsoft.com/office/powerpoint/2010/main" val="2814536920"/>
+      </p:ext>
+    </p:extLst>
+  </p:cSld>
+  <p:clrMapOvr>
+    <a:masterClrMapping/>
+  </p:clrMapOvr>
+  <p:timing>
+    <p:tnLst>
+      <p:par>
+        <p:cTn id="1" dur="indefinite" restart="never" nodeType="tmRoot"/>
+      </p:par>
+    </p:tnLst>
+  </p:timing>
+</p:sld>
+</file>
+
+<file path=ppt/slides/slide16.xml><?xml version="1.0" encoding="utf-8"?>
+<p:sld xmlns:a="http://schemas.openxmlformats.org/drawingml/2006/main" xmlns:r="http://schemas.openxmlformats.org/officeDocument/2006/relationships" xmlns:p="http://schemas.openxmlformats.org/presentationml/2006/main">
+  <p:cSld>
+    <p:spTree>
+      <p:nvGrpSpPr>
+        <p:cNvPr id="1" name=""/>
+        <p:cNvGrpSpPr/>
+        <p:nvPr/>
+      </p:nvGrpSpPr>
+      <p:grpSpPr>
+        <a:xfrm>
+          <a:off x="0" y="0"/>
+          <a:ext cx="0" cy="0"/>
+          <a:chOff x="0" y="0"/>
+          <a:chExt cx="0" cy="0"/>
+        </a:xfrm>
+      </p:grpSpPr>
+      <p:sp>
+        <p:nvSpPr>
+          <p:cNvPr id="2" name="Fußzeilenplatzhalter 1"/>
+          <p:cNvSpPr>
+            <a:spLocks noGrp="1"/>
+          </p:cNvSpPr>
+          <p:nvPr>
+            <p:ph type="ftr" sz="quarter" idx="11"/>
+          </p:nvPr>
+        </p:nvSpPr>
+        <p:spPr/>
+        <p:txBody>
+          <a:bodyPr/>
+          <a:lstStyle/>
+          <a:p>
+            <a:r>
+              <a:rPr lang="de-DE" smtClean="0"/>
+              <a:t>Steffen Koch &amp; Andreas Muss</a:t>
+            </a:r>
+            <a:endParaRPr lang="de-DE"/>
+          </a:p>
+        </p:txBody>
+      </p:sp>
+      <p:pic>
+        <p:nvPicPr>
+          <p:cNvPr id="3" name="Grafik 2"/>
+          <p:cNvPicPr>
+            <a:picLocks noChangeAspect="1"/>
+          </p:cNvPicPr>
+          <p:nvPr/>
+        </p:nvPicPr>
+        <p:blipFill>
           <a:blip r:embed="rId2">
             <a:extLst>
               <a:ext uri="{28A0092B-C50C-407E-A947-70E740481C1C}">
@@ -7884,7 +8292,7 @@
 </p:sld>
 </file>
 
-<file path=ppt/slides/slide16.xml><?xml version="1.0" encoding="utf-8"?>
+<file path=ppt/slides/slide17.xml><?xml version="1.0" encoding="utf-8"?>
 <p:sld xmlns:a="http://schemas.openxmlformats.org/drawingml/2006/main" xmlns:r="http://schemas.openxmlformats.org/officeDocument/2006/relationships" xmlns:p="http://schemas.openxmlformats.org/presentationml/2006/main">
   <p:cSld>
     <p:spTree>
@@ -8454,7 +8862,7 @@
 </p:sld>
 </file>
 
-<file path=ppt/slides/slide17.xml><?xml version="1.0" encoding="utf-8"?>
+<file path=ppt/slides/slide18.xml><?xml version="1.0" encoding="utf-8"?>
 <p:sld xmlns:a="http://schemas.openxmlformats.org/drawingml/2006/main" xmlns:r="http://schemas.openxmlformats.org/officeDocument/2006/relationships" xmlns:p="http://schemas.openxmlformats.org/presentationml/2006/main">
   <p:cSld>
     <p:spTree>
@@ -8603,9 +9011,94 @@
           </a:p>
         </p:txBody>
       </p:sp>
+      <p:sp>
+        <p:nvSpPr>
+          <p:cNvPr id="8" name="Textfeld 7"/>
+          <p:cNvSpPr txBox="1"/>
+          <p:nvPr/>
+        </p:nvSpPr>
+        <p:spPr>
+          <a:xfrm>
+            <a:off x="5663988" y="1461988"/>
+            <a:ext cx="3384376" cy="2893100"/>
+          </a:xfrm>
+          <a:prstGeom prst="rect">
+            <a:avLst/>
+          </a:prstGeom>
+          <a:noFill/>
+        </p:spPr>
+        <p:txBody>
+          <a:bodyPr wrap="square" rtlCol="0">
+            <a:spAutoFit/>
+          </a:bodyPr>
+          <a:lstStyle/>
+          <a:p>
+            <a:r>
+              <a:rPr lang="de-DE" sz="1400" b="1" u="sng" dirty="0" smtClean="0"/>
+              <a:t>Filter-Funktion</a:t>
+            </a:r>
+            <a:endParaRPr lang="de-DE" sz="1200" dirty="0" smtClean="0"/>
+          </a:p>
+          <a:p>
+            <a:r>
+              <a:rPr lang="de-DE" sz="1200" dirty="0" smtClean="0"/>
+              <a:t>Mit der </a:t>
+            </a:r>
+            <a:r>
+              <a:rPr lang="de-DE" sz="1200" dirty="0" err="1" smtClean="0"/>
+              <a:t>ItemFilter</a:t>
+            </a:r>
+            <a:r>
+              <a:rPr lang="de-DE" sz="1200" dirty="0" smtClean="0"/>
+              <a:t> Klasse können Adapter nach bestimmten Strings gefiltert werden. Die Funktion </a:t>
+            </a:r>
+            <a:r>
+              <a:rPr lang="de-DE" sz="1200" dirty="0" err="1" smtClean="0"/>
+              <a:t>performFiltering</a:t>
+            </a:r>
+            <a:r>
+              <a:rPr lang="de-DE" sz="1200" dirty="0" smtClean="0"/>
+              <a:t>() kümmert sich um das filtern. Der Filter-String wird erst in Kleinbuchstaben umgewandelt. Danach wird eine lokale Liste angelegt. Folgend wird eine for-Schleife benutzt, um jedes Element der ursprünglichen Liste zu durchgehen. Die Model implementieren das Interface </a:t>
+            </a:r>
+            <a:r>
+              <a:rPr lang="de-DE" sz="1200" dirty="0" err="1" smtClean="0"/>
+              <a:t>Isearchable</a:t>
+            </a:r>
+            <a:r>
+              <a:rPr lang="de-DE" sz="1200" dirty="0" smtClean="0"/>
+              <a:t>, welches uns die Funktion </a:t>
+            </a:r>
+            <a:r>
+              <a:rPr lang="de-DE" sz="1200" dirty="0" err="1" smtClean="0"/>
+              <a:t>search</a:t>
+            </a:r>
+            <a:r>
+              <a:rPr lang="de-DE" sz="1200" dirty="0" smtClean="0"/>
+              <a:t>(String) bereitstellt. Wenn </a:t>
+            </a:r>
+            <a:r>
+              <a:rPr lang="de-DE" sz="1200" dirty="0" err="1" smtClean="0"/>
+              <a:t>search</a:t>
+            </a:r>
+            <a:r>
+              <a:rPr lang="de-DE" sz="1200" dirty="0" smtClean="0"/>
+              <a:t>() true zurück gibt, fügen wir das gefundene Objekt in die zuvor angelegte Liste. Diese Liste und ihre Länge werden am Ende in einer </a:t>
+            </a:r>
+            <a:r>
+              <a:rPr lang="de-DE" sz="1200" dirty="0" err="1" smtClean="0"/>
+              <a:t>FilterResults</a:t>
+            </a:r>
+            <a:r>
+              <a:rPr lang="de-DE" sz="1200" dirty="0" smtClean="0"/>
+              <a:t>-Objekt eingefügt, und dieses wird dann zurück gegeben.</a:t>
+            </a:r>
+            <a:endParaRPr lang="de-DE" sz="1200" dirty="0"/>
+          </a:p>
+        </p:txBody>
+      </p:sp>
       <p:pic>
         <p:nvPicPr>
-          <p:cNvPr id="11" name="Grafik 10"/>
+          <p:cNvPr id="6" name="Grafik 5"/>
           <p:cNvPicPr>
             <a:picLocks noChangeAspect="1"/>
           </p:cNvPicPr>
@@ -8619,8 +9112,8 @@
         </p:blipFill>
         <p:spPr>
           <a:xfrm>
-            <a:off x="0" y="1069200"/>
-            <a:ext cx="3533775" cy="4124325"/>
+            <a:off x="251520" y="1304528"/>
+            <a:ext cx="5067300" cy="2990850"/>
           </a:xfrm>
           <a:prstGeom prst="rect">
             <a:avLst/>
@@ -8629,7 +9122,7 @@
       </p:pic>
       <p:pic>
         <p:nvPicPr>
-          <p:cNvPr id="7" name="Grafik 6"/>
+          <p:cNvPr id="9" name="Grafik 8"/>
           <p:cNvPicPr>
             <a:picLocks noChangeAspect="1"/>
           </p:cNvPicPr>
@@ -8643,8 +9136,8 @@
         </p:blipFill>
         <p:spPr>
           <a:xfrm>
-            <a:off x="0" y="1629088"/>
-            <a:ext cx="7886700" cy="3762375"/>
+            <a:off x="539552" y="4869160"/>
+            <a:ext cx="2686050" cy="762000"/>
           </a:xfrm>
           <a:prstGeom prst="rect">
             <a:avLst/>
@@ -8671,7 +9164,7 @@
 </p:sld>
 </file>
 
-<file path=ppt/slides/slide18.xml><?xml version="1.0" encoding="utf-8"?>
+<file path=ppt/slides/slide19.xml><?xml version="1.0" encoding="utf-8"?>
 <p:sld xmlns:a="http://schemas.openxmlformats.org/drawingml/2006/main" xmlns:r="http://schemas.openxmlformats.org/officeDocument/2006/relationships" xmlns:p="http://schemas.openxmlformats.org/presentationml/2006/main">
   <p:cSld>
     <p:spTree>
@@ -12101,9 +12594,32 @@
           <a:chExt cx="0" cy="0"/>
         </a:xfrm>
       </p:grpSpPr>
+      <p:sp>
+        <p:nvSpPr>
+          <p:cNvPr id="2" name="Fußzeilenplatzhalter 1"/>
+          <p:cNvSpPr>
+            <a:spLocks noGrp="1"/>
+          </p:cNvSpPr>
+          <p:nvPr>
+            <p:ph type="ftr" sz="quarter" idx="11"/>
+          </p:nvPr>
+        </p:nvSpPr>
+        <p:spPr/>
+        <p:txBody>
+          <a:bodyPr/>
+          <a:lstStyle/>
+          <a:p>
+            <a:r>
+              <a:rPr lang="de-DE" smtClean="0"/>
+              <a:t>Steffen Koch &amp; Andreas Muss</a:t>
+            </a:r>
+            <a:endParaRPr lang="de-DE"/>
+          </a:p>
+        </p:txBody>
+      </p:sp>
       <p:pic>
         <p:nvPicPr>
-          <p:cNvPr id="2" name="Grafik 1"/>
+          <p:cNvPr id="3" name="Grafik 2"/>
           <p:cNvPicPr>
             <a:picLocks noChangeAspect="1"/>
           </p:cNvPicPr>
@@ -12133,7 +12649,7 @@
       </p:pic>
       <p:sp>
         <p:nvSpPr>
-          <p:cNvPr id="3" name="Rechteck 2"/>
+          <p:cNvPr id="4" name="Rechteck 3"/>
           <p:cNvSpPr/>
           <p:nvPr/>
         </p:nvSpPr>
@@ -12181,7 +12697,7 @@
       </p:sp>
       <p:sp>
         <p:nvSpPr>
-          <p:cNvPr id="4" name="Textfeld 3"/>
+          <p:cNvPr id="5" name="Textfeld 4"/>
           <p:cNvSpPr txBox="1"/>
           <p:nvPr/>
         </p:nvSpPr>
@@ -12215,28 +12731,22 @@
       </p:sp>
       <p:pic>
         <p:nvPicPr>
-          <p:cNvPr id="8" name="Grafik 7"/>
+          <p:cNvPr id="7" name="Grafik 6"/>
           <p:cNvPicPr>
             <a:picLocks noChangeAspect="1"/>
           </p:cNvPicPr>
           <p:nvPr/>
         </p:nvPicPr>
         <p:blipFill>
-          <a:blip r:embed="rId3" cstate="print">
-            <a:extLst>
-              <a:ext uri="{28A0092B-C50C-407E-A947-70E740481C1C}">
-                <a14:useLocalDpi xmlns:a14="http://schemas.microsoft.com/office/drawing/2010/main" val="0"/>
-              </a:ext>
-            </a:extLst>
-          </a:blip>
+          <a:blip r:embed="rId3"/>
           <a:stretch>
             <a:fillRect/>
           </a:stretch>
         </p:blipFill>
         <p:spPr>
           <a:xfrm>
-            <a:off x="6042712" y="1258567"/>
-            <a:ext cx="2941425" cy="5229200"/>
+            <a:off x="323528" y="1412776"/>
+            <a:ext cx="4757379" cy="3588659"/>
           </a:xfrm>
           <a:prstGeom prst="rect">
             <a:avLst/>
@@ -12245,109 +12755,101 @@
       </p:pic>
       <p:sp>
         <p:nvSpPr>
-          <p:cNvPr id="9" name="Fußzeilenplatzhalter 8"/>
-          <p:cNvSpPr>
-            <a:spLocks noGrp="1"/>
-          </p:cNvSpPr>
-          <p:nvPr>
-            <p:ph type="ftr" sz="quarter" idx="11"/>
-          </p:nvPr>
-        </p:nvSpPr>
-        <p:spPr>
-          <a:xfrm>
-            <a:off x="3124200" y="6480000"/>
-            <a:ext cx="2895600" cy="365125"/>
-          </a:xfrm>
-        </p:spPr>
-        <p:txBody>
-          <a:bodyPr/>
+          <p:cNvPr id="8" name="Textfeld 7"/>
+          <p:cNvSpPr txBox="1"/>
+          <p:nvPr/>
+        </p:nvSpPr>
+        <p:spPr>
+          <a:xfrm>
+            <a:off x="5360533" y="1312152"/>
+            <a:ext cx="3384376" cy="2708434"/>
+          </a:xfrm>
+          <a:prstGeom prst="rect">
+            <a:avLst/>
+          </a:prstGeom>
+          <a:noFill/>
+        </p:spPr>
+        <p:txBody>
+          <a:bodyPr wrap="square" rtlCol="0">
+            <a:spAutoFit/>
+          </a:bodyPr>
           <a:lstStyle/>
           <a:p>
             <a:r>
-              <a:rPr lang="de-DE" smtClean="0"/>
-              <a:t>Steffen Koch &amp; Andreas Muss</a:t>
-            </a:r>
-            <a:endParaRPr lang="de-DE"/>
-          </a:p>
-        </p:txBody>
-      </p:sp>
-      <p:pic>
-        <p:nvPicPr>
-          <p:cNvPr id="5" name="Grafik 4"/>
-          <p:cNvPicPr>
-            <a:picLocks noChangeAspect="1"/>
-          </p:cNvPicPr>
-          <p:nvPr/>
-        </p:nvPicPr>
-        <p:blipFill>
-          <a:blip r:embed="rId4" cstate="print">
-            <a:extLst>
-              <a:ext uri="{28A0092B-C50C-407E-A947-70E740481C1C}">
-                <a14:useLocalDpi xmlns:a14="http://schemas.microsoft.com/office/drawing/2010/main" val="0"/>
-              </a:ext>
-            </a:extLst>
-          </a:blip>
-          <a:stretch>
-            <a:fillRect/>
-          </a:stretch>
-        </p:blipFill>
-        <p:spPr>
-          <a:xfrm>
-            <a:off x="159862" y="1258567"/>
-            <a:ext cx="2941425" cy="5229200"/>
-          </a:xfrm>
-          <a:prstGeom prst="rect">
-            <a:avLst/>
-          </a:prstGeom>
-        </p:spPr>
-      </p:pic>
-      <p:pic>
-        <p:nvPicPr>
-          <p:cNvPr id="10" name="Grafik 9"/>
-          <p:cNvPicPr>
-            <a:picLocks noChangeAspect="1"/>
-          </p:cNvPicPr>
-          <p:nvPr/>
-        </p:nvPicPr>
-        <p:blipFill>
-          <a:blip r:embed="rId5" cstate="print">
-            <a:extLst>
-              <a:ext uri="{28A0092B-C50C-407E-A947-70E740481C1C}">
-                <a14:useLocalDpi xmlns:a14="http://schemas.microsoft.com/office/drawing/2010/main" val="0"/>
-              </a:ext>
-            </a:extLst>
-          </a:blip>
-          <a:stretch>
-            <a:fillRect/>
-          </a:stretch>
-        </p:blipFill>
-        <p:spPr>
-          <a:xfrm>
-            <a:off x="3101287" y="1258567"/>
-            <a:ext cx="2941425" cy="5229200"/>
-          </a:xfrm>
-          <a:prstGeom prst="rect">
-            <a:avLst/>
-          </a:prstGeom>
-        </p:spPr>
-      </p:pic>
+              <a:rPr lang="de-DE" sz="1400" b="1" u="sng" dirty="0" err="1" smtClean="0"/>
+              <a:t>showAddDialog</a:t>
+            </a:r>
+            <a:r>
+              <a:rPr lang="de-DE" sz="1400" b="1" u="sng" dirty="0" smtClean="0"/>
+              <a:t>()</a:t>
+            </a:r>
+          </a:p>
+          <a:p>
+            <a:r>
+              <a:rPr lang="de-DE" sz="1200" dirty="0" smtClean="0"/>
+              <a:t>Mit der </a:t>
+            </a:r>
+            <a:r>
+              <a:rPr lang="de-DE" sz="1200" dirty="0" err="1" smtClean="0"/>
+              <a:t>showAddDialog</a:t>
+            </a:r>
+            <a:r>
+              <a:rPr lang="de-DE" sz="1200" dirty="0" smtClean="0"/>
+              <a:t>()-Funktion wird ein Dialog zum Hinzufügen einer Kategorie geöffnet. Man erstellt zuerst einen </a:t>
+            </a:r>
+            <a:r>
+              <a:rPr lang="de-DE" sz="1200" dirty="0" err="1" smtClean="0"/>
+              <a:t>DialogBuilder</a:t>
+            </a:r>
+            <a:r>
+              <a:rPr lang="de-DE" sz="1200" dirty="0" smtClean="0"/>
+              <a:t>, welchem man dann eine View, einen Titel, Button Text und Funktionen hinzufügt. Die Aktion für den POSITIVE-Button wird hier </a:t>
+            </a:r>
+            <a:r>
+              <a:rPr lang="de-DE" sz="1200" dirty="0" err="1" smtClean="0"/>
+              <a:t>überschriebenn</a:t>
+            </a:r>
+            <a:r>
+              <a:rPr lang="de-DE" sz="1200" dirty="0" smtClean="0"/>
+              <a:t>, da der Dialog danach </a:t>
+            </a:r>
+            <a:r>
+              <a:rPr lang="de-DE" sz="1200" dirty="0" err="1" smtClean="0"/>
+              <a:t>schliessen</a:t>
+            </a:r>
+            <a:r>
+              <a:rPr lang="de-DE" sz="1200" dirty="0" smtClean="0"/>
+              <a:t> soll und wir den Dialog beim definieren des </a:t>
+            </a:r>
+            <a:r>
+              <a:rPr lang="de-DE" sz="1200" dirty="0" err="1" smtClean="0"/>
+              <a:t>Builders</a:t>
+            </a:r>
+            <a:r>
+              <a:rPr lang="de-DE" sz="1200" dirty="0" smtClean="0"/>
+              <a:t> noch nicht haben. Beim bestätigen des Dialogs wird eine Datenbank Verbindung hergestellt und eine Kategorie hinzugefügt. Nach dem Öffnen des Dialogs wird noch direkt der Fokus in die </a:t>
+            </a:r>
+            <a:r>
+              <a:rPr lang="de-DE" sz="1200" dirty="0" err="1" smtClean="0"/>
+              <a:t>Textbox</a:t>
+            </a:r>
+            <a:r>
+              <a:rPr lang="de-DE" sz="1200" dirty="0" smtClean="0"/>
+              <a:t> gesetzt, sodass man sie nicht mehr anklicken muss.</a:t>
+            </a:r>
+          </a:p>
+        </p:txBody>
+      </p:sp>
     </p:spTree>
     <p:extLst>
       <p:ext uri="{BB962C8B-B14F-4D97-AF65-F5344CB8AC3E}">
-        <p14:creationId xmlns:p14="http://schemas.microsoft.com/office/powerpoint/2010/main" val="3557061554"/>
+        <p14:creationId xmlns:p14="http://schemas.microsoft.com/office/powerpoint/2010/main" val="3452403013"/>
       </p:ext>
     </p:extLst>
   </p:cSld>
   <p:clrMapOvr>
     <a:masterClrMapping/>
   </p:clrMapOvr>
-  <p:timing>
-    <p:tnLst>
-      <p:par>
-        <p:cTn id="1" dur="indefinite" restart="never" nodeType="tmRoot"/>
-      </p:par>
-    </p:tnLst>
-  </p:timing>
 </p:sld>
 </file>
 
